--- a/research/Prethesis/HK2/QUANTIFYING MYOCARDIAL DAMAGE USING ECG SIGNAL.pptx
+++ b/research/Prethesis/HK2/QUANTIFYING MYOCARDIAL DAMAGE USING ECG SIGNAL.pptx
@@ -9,19 +9,24 @@
     <p:sldId id="257" r:id="rId3"/>
     <p:sldId id="258" r:id="rId4"/>
     <p:sldId id="259" r:id="rId5"/>
-    <p:sldId id="272" r:id="rId6"/>
-    <p:sldId id="260" r:id="rId7"/>
-    <p:sldId id="261" r:id="rId8"/>
-    <p:sldId id="262" r:id="rId9"/>
-    <p:sldId id="263" r:id="rId10"/>
-    <p:sldId id="264" r:id="rId11"/>
-    <p:sldId id="265" r:id="rId12"/>
-    <p:sldId id="266" r:id="rId13"/>
-    <p:sldId id="267" r:id="rId14"/>
-    <p:sldId id="268" r:id="rId15"/>
-    <p:sldId id="269" r:id="rId16"/>
-    <p:sldId id="270" r:id="rId17"/>
-    <p:sldId id="271" r:id="rId18"/>
+    <p:sldId id="260" r:id="rId6"/>
+    <p:sldId id="261" r:id="rId7"/>
+    <p:sldId id="262" r:id="rId8"/>
+    <p:sldId id="263" r:id="rId9"/>
+    <p:sldId id="264" r:id="rId10"/>
+    <p:sldId id="265" r:id="rId11"/>
+    <p:sldId id="273" r:id="rId12"/>
+    <p:sldId id="272" r:id="rId13"/>
+    <p:sldId id="266" r:id="rId14"/>
+    <p:sldId id="267" r:id="rId15"/>
+    <p:sldId id="268" r:id="rId16"/>
+    <p:sldId id="274" r:id="rId17"/>
+    <p:sldId id="275" r:id="rId18"/>
+    <p:sldId id="276" r:id="rId19"/>
+    <p:sldId id="277" r:id="rId20"/>
+    <p:sldId id="269" r:id="rId21"/>
+    <p:sldId id="270" r:id="rId22"/>
+    <p:sldId id="271" r:id="rId23"/>
   </p:sldIdLst>
   <p:sldSz cx="12192000" cy="6858000"/>
   <p:notesSz cx="6858000" cy="9144000"/>
@@ -850,7 +855,7 @@
           <a:p>
             <a:fld id="{77E7509C-941F-4079-B119-6CF46468A688}" type="datetimeFigureOut">
               <a:rPr lang="en-US" smtClean="0"/>
-              <a:t>12/23/2016</a:t>
+              <a:t>1/11/2017</a:t>
             </a:fld>
             <a:endParaRPr lang="en-US"/>
           </a:p>
@@ -1101,7 +1106,7 @@
           <a:p>
             <a:fld id="{77E7509C-941F-4079-B119-6CF46468A688}" type="datetimeFigureOut">
               <a:rPr lang="en-US" smtClean="0"/>
-              <a:t>12/23/2016</a:t>
+              <a:t>1/11/2017</a:t>
             </a:fld>
             <a:endParaRPr lang="en-US"/>
           </a:p>
@@ -1415,7 +1420,7 @@
           <a:p>
             <a:fld id="{77E7509C-941F-4079-B119-6CF46468A688}" type="datetimeFigureOut">
               <a:rPr lang="en-US" smtClean="0"/>
-              <a:t>12/23/2016</a:t>
+              <a:t>1/11/2017</a:t>
             </a:fld>
             <a:endParaRPr lang="en-US"/>
           </a:p>
@@ -1756,7 +1761,7 @@
           <a:p>
             <a:fld id="{77E7509C-941F-4079-B119-6CF46468A688}" type="datetimeFigureOut">
               <a:rPr lang="en-US" smtClean="0"/>
-              <a:t>12/23/2016</a:t>
+              <a:t>1/11/2017</a:t>
             </a:fld>
             <a:endParaRPr lang="en-US"/>
           </a:p>
@@ -2070,7 +2075,7 @@
           <a:p>
             <a:fld id="{77E7509C-941F-4079-B119-6CF46468A688}" type="datetimeFigureOut">
               <a:rPr lang="en-US" smtClean="0"/>
-              <a:t>12/23/2016</a:t>
+              <a:t>1/11/2017</a:t>
             </a:fld>
             <a:endParaRPr lang="en-US"/>
           </a:p>
@@ -2463,7 +2468,7 @@
           <a:p>
             <a:fld id="{77E7509C-941F-4079-B119-6CF46468A688}" type="datetimeFigureOut">
               <a:rPr lang="en-US" smtClean="0"/>
-              <a:t>12/23/2016</a:t>
+              <a:t>1/11/2017</a:t>
             </a:fld>
             <a:endParaRPr lang="en-US"/>
           </a:p>
@@ -2633,7 +2638,7 @@
           <a:p>
             <a:fld id="{77E7509C-941F-4079-B119-6CF46468A688}" type="datetimeFigureOut">
               <a:rPr lang="en-US" smtClean="0"/>
-              <a:t>12/23/2016</a:t>
+              <a:t>1/11/2017</a:t>
             </a:fld>
             <a:endParaRPr lang="en-US"/>
           </a:p>
@@ -2813,7 +2818,7 @@
           <a:p>
             <a:fld id="{77E7509C-941F-4079-B119-6CF46468A688}" type="datetimeFigureOut">
               <a:rPr lang="en-US" smtClean="0"/>
-              <a:t>12/23/2016</a:t>
+              <a:t>1/11/2017</a:t>
             </a:fld>
             <a:endParaRPr lang="en-US"/>
           </a:p>
@@ -2989,7 +2994,7 @@
           <a:p>
             <a:fld id="{77E7509C-941F-4079-B119-6CF46468A688}" type="datetimeFigureOut">
               <a:rPr lang="en-US" smtClean="0"/>
-              <a:t>12/23/2016</a:t>
+              <a:t>1/11/2017</a:t>
             </a:fld>
             <a:endParaRPr lang="en-US"/>
           </a:p>
@@ -3236,7 +3241,7 @@
           <a:p>
             <a:fld id="{77E7509C-941F-4079-B119-6CF46468A688}" type="datetimeFigureOut">
               <a:rPr lang="en-US" smtClean="0"/>
-              <a:t>12/23/2016</a:t>
+              <a:t>1/11/2017</a:t>
             </a:fld>
             <a:endParaRPr lang="en-US"/>
           </a:p>
@@ -3468,7 +3473,7 @@
           <a:p>
             <a:fld id="{77E7509C-941F-4079-B119-6CF46468A688}" type="datetimeFigureOut">
               <a:rPr lang="en-US" smtClean="0"/>
-              <a:t>12/23/2016</a:t>
+              <a:t>1/11/2017</a:t>
             </a:fld>
             <a:endParaRPr lang="en-US"/>
           </a:p>
@@ -3842,7 +3847,7 @@
           <a:p>
             <a:fld id="{77E7509C-941F-4079-B119-6CF46468A688}" type="datetimeFigureOut">
               <a:rPr lang="en-US" smtClean="0"/>
-              <a:t>12/23/2016</a:t>
+              <a:t>1/11/2017</a:t>
             </a:fld>
             <a:endParaRPr lang="en-US"/>
           </a:p>
@@ -3965,7 +3970,7 @@
           <a:p>
             <a:fld id="{77E7509C-941F-4079-B119-6CF46468A688}" type="datetimeFigureOut">
               <a:rPr lang="en-US" smtClean="0"/>
-              <a:t>12/23/2016</a:t>
+              <a:t>1/11/2017</a:t>
             </a:fld>
             <a:endParaRPr lang="en-US"/>
           </a:p>
@@ -4060,7 +4065,7 @@
           <a:p>
             <a:fld id="{77E7509C-941F-4079-B119-6CF46468A688}" type="datetimeFigureOut">
               <a:rPr lang="en-US" smtClean="0"/>
-              <a:t>12/23/2016</a:t>
+              <a:t>1/11/2017</a:t>
             </a:fld>
             <a:endParaRPr lang="en-US"/>
           </a:p>
@@ -4315,7 +4320,7 @@
           <a:p>
             <a:fld id="{77E7509C-941F-4079-B119-6CF46468A688}" type="datetimeFigureOut">
               <a:rPr lang="en-US" smtClean="0"/>
-              <a:t>12/23/2016</a:t>
+              <a:t>1/11/2017</a:t>
             </a:fld>
             <a:endParaRPr lang="en-US"/>
           </a:p>
@@ -4578,7 +4583,7 @@
           <a:p>
             <a:fld id="{77E7509C-941F-4079-B119-6CF46468A688}" type="datetimeFigureOut">
               <a:rPr lang="en-US" smtClean="0"/>
-              <a:t>12/23/2016</a:t>
+              <a:t>1/11/2017</a:t>
             </a:fld>
             <a:endParaRPr lang="en-US"/>
           </a:p>
@@ -5321,7 +5326,7 @@
           <a:p>
             <a:fld id="{77E7509C-941F-4079-B119-6CF46468A688}" type="datetimeFigureOut">
               <a:rPr lang="en-US" smtClean="0"/>
-              <a:t>12/23/2016</a:t>
+              <a:t>1/11/2017</a:t>
             </a:fld>
             <a:endParaRPr lang="en-US"/>
           </a:p>
@@ -5857,26 +5862,18 @@
         </p:nvSpPr>
         <p:spPr>
           <a:xfrm>
-            <a:off x="1076761" y="1062315"/>
-            <a:ext cx="7766936" cy="2706130"/>
+            <a:off x="822117" y="1048170"/>
+            <a:ext cx="8518653" cy="3037693"/>
           </a:xfrm>
         </p:spPr>
         <p:txBody>
-          <a:bodyPr/>
+          <a:bodyPr anchor="ctr"/>
           <a:lstStyle/>
           <a:p>
             <a:pPr algn="l"/>
             <a:r>
-              <a:rPr lang="en-GB" b="1" dirty="0" smtClean="0"/>
-              <a:t>QUANTIFYING MYOCARDIAL DAMAGE USING </a:t>
-            </a:r>
-            <a:r>
-              <a:rPr lang="en-GB" b="1" dirty="0" err="1" smtClean="0"/>
-              <a:t>ECG</a:t>
-            </a:r>
-            <a:r>
-              <a:rPr lang="en-GB" b="1" dirty="0" smtClean="0"/>
-              <a:t> SIGNAL</a:t>
+              <a:rPr lang="en-US" b="1" dirty="0" smtClean="0"/>
+              <a:t>Development of an EKG risk score system applied for detection and quantification of myocardial damage</a:t>
             </a:r>
             <a:endParaRPr lang="en-US" b="1" dirty="0"/>
           </a:p>
@@ -5894,8 +5891,8 @@
         </p:nvSpPr>
         <p:spPr>
           <a:xfrm>
-            <a:off x="1076761" y="3970150"/>
-            <a:ext cx="7766936" cy="1096899"/>
+            <a:off x="822117" y="4765644"/>
+            <a:ext cx="7766936" cy="1739328"/>
           </a:xfrm>
         </p:spPr>
         <p:txBody>
@@ -5906,21 +5903,53 @@
           <a:p>
             <a:pPr algn="l"/>
             <a:r>
-              <a:rPr lang="en-GB" sz="3200" dirty="0" err="1" smtClean="0">
+              <a:rPr lang="en-GB" sz="3200" dirty="0" smtClean="0">
                 <a:solidFill>
                   <a:schemeClr val="tx1"/>
                 </a:solidFill>
               </a:rPr>
-              <a:t>Biosignal</a:t>
-            </a:r>
-            <a:r>
-              <a:rPr lang="en-GB" sz="3200" dirty="0" smtClean="0">
+              <a:t>Pre-thesis presentation</a:t>
+            </a:r>
+          </a:p>
+          <a:p>
+            <a:pPr algn="l"/>
+            <a:r>
+              <a:rPr lang="en-GB" sz="2400" dirty="0" smtClean="0">
                 <a:solidFill>
                   <a:schemeClr val="tx1"/>
                 </a:solidFill>
               </a:rPr>
-              <a:t> Processing Project</a:t>
-            </a:r>
+              <a:t>Instructor: PhD. Le </a:t>
+            </a:r>
+            <a:r>
+              <a:rPr lang="en-GB" sz="2400" dirty="0" err="1" smtClean="0">
+                <a:solidFill>
+                  <a:schemeClr val="tx1"/>
+                </a:solidFill>
+              </a:rPr>
+              <a:t>Quoc</a:t>
+            </a:r>
+            <a:r>
+              <a:rPr lang="en-GB" sz="2400" dirty="0" smtClean="0">
+                <a:solidFill>
+                  <a:schemeClr val="tx1"/>
+                </a:solidFill>
+              </a:rPr>
+              <a:t> </a:t>
+            </a:r>
+            <a:r>
+              <a:rPr lang="en-GB" sz="2400" dirty="0" err="1" smtClean="0">
+                <a:solidFill>
+                  <a:schemeClr val="tx1"/>
+                </a:solidFill>
+              </a:rPr>
+              <a:t>Trung</a:t>
+            </a:r>
+            <a:endParaRPr lang="en-GB" sz="2400" dirty="0" smtClean="0">
+              <a:solidFill>
+                <a:schemeClr val="tx1"/>
+              </a:solidFill>
+            </a:endParaRPr>
           </a:p>
           <a:p>
             <a:pPr algn="l"/>
@@ -5930,7 +5959,7 @@
                   <a:schemeClr val="tx1"/>
                 </a:solidFill>
               </a:rPr>
-              <a:t>Instructor: PhD. </a:t>
+              <a:t>Student: Pham </a:t>
             </a:r>
             <a:r>
               <a:rPr lang="en-GB" sz="2400" dirty="0" err="1" smtClean="0">
@@ -5938,7 +5967,7 @@
                   <a:schemeClr val="tx1"/>
                 </a:solidFill>
               </a:rPr>
-              <a:t>Trung</a:t>
+              <a:t>Khoi</a:t>
             </a:r>
             <a:r>
               <a:rPr lang="en-GB" sz="2400" dirty="0" smtClean="0">
@@ -5946,18 +5975,15 @@
                   <a:schemeClr val="tx1"/>
                 </a:solidFill>
               </a:rPr>
-              <a:t> Le</a:t>
-            </a:r>
-          </a:p>
-          <a:p>
-            <a:pPr algn="l"/>
-            <a:r>
-              <a:rPr lang="en-GB" sz="2400" dirty="0" smtClean="0">
+              <a:t> Nguyen – </a:t>
+            </a:r>
+            <a:r>
+              <a:rPr lang="en-GB" sz="2400" dirty="0" err="1" smtClean="0">
                 <a:solidFill>
                   <a:schemeClr val="tx1"/>
                 </a:solidFill>
               </a:rPr>
-              <a:t>Student: Nguyen Pham</a:t>
+              <a:t>BEBEIU13051</a:t>
             </a:r>
             <a:endParaRPr lang="en-US" sz="2400" dirty="0">
               <a:solidFill>
@@ -6016,8 +6042,8 @@
         </p:nvSpPr>
         <p:spPr>
           <a:xfrm>
-            <a:off x="421838" y="288959"/>
-            <a:ext cx="9381067" cy="1320800"/>
+            <a:off x="479727" y="350839"/>
+            <a:ext cx="8596668" cy="1320800"/>
           </a:xfrm>
         </p:spPr>
         <p:txBody>
@@ -6028,7 +6054,7 @@
           <a:p>
             <a:r>
               <a:rPr lang="en-GB" sz="4200" b="1" dirty="0" smtClean="0"/>
-              <a:t>Baseline wander removal using Wavelet Transform</a:t>
+              <a:t>R peaks detection and T wave detection</a:t>
             </a:r>
             <a:endParaRPr lang="en-US" sz="4200" b="1" dirty="0"/>
           </a:p>
@@ -6046,8 +6072,8 @@
         </p:nvSpPr>
         <p:spPr>
           <a:xfrm>
-            <a:off x="421838" y="1713577"/>
-            <a:ext cx="4607362" cy="2153834"/>
+            <a:off x="381499" y="1760097"/>
+            <a:ext cx="4100728" cy="3880773"/>
           </a:xfrm>
         </p:spPr>
         <p:txBody>
@@ -6058,328 +6084,21 @@
           <a:p>
             <a:r>
               <a:rPr lang="en-GB" sz="2400" dirty="0" smtClean="0"/>
-              <a:t>Using Discrete Wavelet Transform (</a:t>
-            </a:r>
-            <a:r>
-              <a:rPr lang="en-GB" sz="2400" b="1" dirty="0" err="1" smtClean="0">
-                <a:solidFill>
-                  <a:schemeClr val="accent4"/>
-                </a:solidFill>
-              </a:rPr>
-              <a:t>DWT</a:t>
-            </a:r>
+              <a:t>Self – constructed algorithm for R peak and T wave Detection (33 lines of code)</a:t>
+            </a:r>
+          </a:p>
+          <a:p>
             <a:r>
               <a:rPr lang="en-GB" sz="2400" dirty="0" smtClean="0"/>
-              <a:t>)</a:t>
+              <a:t>Algorithm: filter 10-25 Hz, scale from 0 to 1, power 12, peak detection, validate R peak</a:t>
             </a:r>
           </a:p>
           <a:p>
             <a:r>
               <a:rPr lang="en-GB" sz="2400" dirty="0" smtClean="0"/>
-              <a:t>‘</a:t>
-            </a:r>
-            <a:r>
-              <a:rPr lang="en-GB" sz="2400" b="1" dirty="0" err="1" smtClean="0">
-                <a:solidFill>
-                  <a:schemeClr val="accent4"/>
-                </a:solidFill>
-              </a:rPr>
-              <a:t>db4</a:t>
-            </a:r>
-            <a:r>
-              <a:rPr lang="en-GB" sz="2400" dirty="0" smtClean="0"/>
-              <a:t>’ mother wavelet, </a:t>
-            </a:r>
-            <a:r>
-              <a:rPr lang="en-GB" sz="2400" b="1" dirty="0" smtClean="0">
-                <a:solidFill>
-                  <a:schemeClr val="accent4"/>
-                </a:solidFill>
-              </a:rPr>
-              <a:t>8 level</a:t>
-            </a:r>
-            <a:r>
-              <a:rPr lang="en-GB" sz="2400" dirty="0" smtClean="0"/>
-              <a:t> of decomposition</a:t>
-            </a:r>
-          </a:p>
-          <a:p>
-            <a:r>
-              <a:rPr lang="en-GB" sz="2400" dirty="0" smtClean="0"/>
-              <a:t>The </a:t>
-            </a:r>
-            <a:r>
-              <a:rPr lang="en-GB" sz="2400" b="1" dirty="0" smtClean="0">
-                <a:solidFill>
-                  <a:schemeClr val="accent4"/>
-                </a:solidFill>
-              </a:rPr>
-              <a:t>approximation</a:t>
-            </a:r>
-            <a:r>
-              <a:rPr lang="en-GB" sz="2400" dirty="0" smtClean="0">
-                <a:solidFill>
-                  <a:schemeClr val="accent4"/>
-                </a:solidFill>
-              </a:rPr>
-              <a:t> </a:t>
-            </a:r>
-            <a:r>
-              <a:rPr lang="en-GB" sz="2400" dirty="0" smtClean="0"/>
-              <a:t>at level 8 is the baseline wander</a:t>
+              <a:t>T peak is the max of the absolute value of the segment of from 0.2 RR to 0.6 RR</a:t>
             </a:r>
             <a:endParaRPr lang="en-US" sz="2400" dirty="0"/>
-          </a:p>
-        </p:txBody>
-      </p:sp>
-      <p:sp>
-        <p:nvSpPr>
-          <p:cNvPr id="4" name="Rectangle 3"/>
-          <p:cNvSpPr/>
-          <p:nvPr/>
-        </p:nvSpPr>
-        <p:spPr>
-          <a:xfrm>
-            <a:off x="421838" y="4389450"/>
-            <a:ext cx="4319669" cy="1778901"/>
-          </a:xfrm>
-          <a:prstGeom prst="rect">
-            <a:avLst/>
-          </a:prstGeom>
-        </p:spPr>
-        <p:style>
-          <a:lnRef idx="2">
-            <a:schemeClr val="accent6"/>
-          </a:lnRef>
-          <a:fillRef idx="1">
-            <a:schemeClr val="lt1"/>
-          </a:fillRef>
-          <a:effectRef idx="0">
-            <a:schemeClr val="accent6"/>
-          </a:effectRef>
-          <a:fontRef idx="minor">
-            <a:schemeClr val="dk1"/>
-          </a:fontRef>
-        </p:style>
-        <p:txBody>
-          <a:bodyPr rtlCol="0" anchor="ctr"/>
-          <a:lstStyle/>
-          <a:p>
-            <a:endParaRPr lang="en-US" sz="1600" dirty="0" smtClean="0">
-              <a:solidFill>
-                <a:srgbClr val="228B22"/>
-              </a:solidFill>
-              <a:latin typeface="Courier New" panose="02070309020205020404" pitchFamily="49" charset="0"/>
-            </a:endParaRPr>
-          </a:p>
-          <a:p>
-            <a:r>
-              <a:rPr lang="en-US" sz="1600" dirty="0">
-                <a:solidFill>
-                  <a:srgbClr val="228B22"/>
-                </a:solidFill>
-                <a:latin typeface="Courier New" panose="02070309020205020404" pitchFamily="49" charset="0"/>
-              </a:rPr>
-              <a:t>% BASELINE </a:t>
-            </a:r>
-            <a:r>
-              <a:rPr lang="en-US" sz="1600" dirty="0" smtClean="0">
-                <a:solidFill>
-                  <a:srgbClr val="228B22"/>
-                </a:solidFill>
-                <a:latin typeface="Courier New" panose="02070309020205020404" pitchFamily="49" charset="0"/>
-              </a:rPr>
-              <a:t>REMOVE</a:t>
-            </a:r>
-            <a:endParaRPr lang="en-US" sz="1600" dirty="0" smtClean="0">
-              <a:solidFill>
-                <a:srgbClr val="000000"/>
-              </a:solidFill>
-              <a:latin typeface="Courier New" panose="02070309020205020404" pitchFamily="49" charset="0"/>
-            </a:endParaRPr>
-          </a:p>
-          <a:p>
-            <a:r>
-              <a:rPr lang="en-US" sz="1600" dirty="0" smtClean="0">
-                <a:solidFill>
-                  <a:srgbClr val="000000"/>
-                </a:solidFill>
-                <a:latin typeface="Courier New" panose="02070309020205020404" pitchFamily="49" charset="0"/>
-              </a:rPr>
-              <a:t>[</a:t>
-            </a:r>
-            <a:r>
-              <a:rPr lang="en-US" sz="1600" dirty="0" err="1">
-                <a:solidFill>
-                  <a:srgbClr val="000000"/>
-                </a:solidFill>
-                <a:latin typeface="Courier New" panose="02070309020205020404" pitchFamily="49" charset="0"/>
-              </a:rPr>
-              <a:t>approx</a:t>
-            </a:r>
-            <a:r>
-              <a:rPr lang="en-US" sz="1600" dirty="0">
-                <a:solidFill>
-                  <a:srgbClr val="000000"/>
-                </a:solidFill>
-                <a:latin typeface="Courier New" panose="02070309020205020404" pitchFamily="49" charset="0"/>
-              </a:rPr>
-              <a:t>, detail] = </a:t>
-            </a:r>
-            <a:r>
-              <a:rPr lang="en-US" sz="1600" dirty="0" err="1">
-                <a:solidFill>
-                  <a:srgbClr val="000000"/>
-                </a:solidFill>
-                <a:latin typeface="Courier New" panose="02070309020205020404" pitchFamily="49" charset="0"/>
-              </a:rPr>
-              <a:t>wavelet_decompose</a:t>
-            </a:r>
-            <a:r>
-              <a:rPr lang="en-US" sz="1600" dirty="0">
-                <a:solidFill>
-                  <a:srgbClr val="000000"/>
-                </a:solidFill>
-                <a:latin typeface="Courier New" panose="02070309020205020404" pitchFamily="49" charset="0"/>
-              </a:rPr>
-              <a:t>(</a:t>
-            </a:r>
-            <a:r>
-              <a:rPr lang="en-US" sz="1600" dirty="0" err="1">
-                <a:solidFill>
-                  <a:srgbClr val="000000"/>
-                </a:solidFill>
-                <a:latin typeface="Courier New" panose="02070309020205020404" pitchFamily="49" charset="0"/>
-              </a:rPr>
-              <a:t>sig1_raw</a:t>
-            </a:r>
-            <a:r>
-              <a:rPr lang="en-US" sz="1600" dirty="0">
-                <a:solidFill>
-                  <a:srgbClr val="000000"/>
-                </a:solidFill>
-                <a:latin typeface="Courier New" panose="02070309020205020404" pitchFamily="49" charset="0"/>
-              </a:rPr>
-              <a:t>, 8, </a:t>
-            </a:r>
-            <a:r>
-              <a:rPr lang="en-US" sz="1600" dirty="0">
-                <a:solidFill>
-                  <a:srgbClr val="A020F0"/>
-                </a:solidFill>
-                <a:latin typeface="Courier New" panose="02070309020205020404" pitchFamily="49" charset="0"/>
-              </a:rPr>
-              <a:t>'</a:t>
-            </a:r>
-            <a:r>
-              <a:rPr lang="en-US" sz="1600" dirty="0" err="1">
-                <a:solidFill>
-                  <a:srgbClr val="A020F0"/>
-                </a:solidFill>
-                <a:latin typeface="Courier New" panose="02070309020205020404" pitchFamily="49" charset="0"/>
-              </a:rPr>
-              <a:t>db4</a:t>
-            </a:r>
-            <a:r>
-              <a:rPr lang="en-US" sz="1600" dirty="0">
-                <a:solidFill>
-                  <a:srgbClr val="A020F0"/>
-                </a:solidFill>
-                <a:latin typeface="Courier New" panose="02070309020205020404" pitchFamily="49" charset="0"/>
-              </a:rPr>
-              <a:t>'</a:t>
-            </a:r>
-            <a:r>
-              <a:rPr lang="en-US" sz="1600" dirty="0">
-                <a:solidFill>
-                  <a:srgbClr val="000000"/>
-                </a:solidFill>
-                <a:latin typeface="Courier New" panose="02070309020205020404" pitchFamily="49" charset="0"/>
-              </a:rPr>
-              <a:t>);</a:t>
-            </a:r>
-          </a:p>
-          <a:p>
-            <a:r>
-              <a:rPr lang="en-US" sz="1600" dirty="0" err="1" smtClean="0">
-                <a:solidFill>
-                  <a:srgbClr val="000000"/>
-                </a:solidFill>
-                <a:latin typeface="Courier New" panose="02070309020205020404" pitchFamily="49" charset="0"/>
-              </a:rPr>
-              <a:t>sig1</a:t>
-            </a:r>
-            <a:r>
-              <a:rPr lang="en-US" sz="1600" dirty="0" smtClean="0">
-                <a:solidFill>
-                  <a:srgbClr val="000000"/>
-                </a:solidFill>
-                <a:latin typeface="Courier New" panose="02070309020205020404" pitchFamily="49" charset="0"/>
-              </a:rPr>
-              <a:t> </a:t>
-            </a:r>
-            <a:r>
-              <a:rPr lang="en-US" sz="1600" dirty="0">
-                <a:solidFill>
-                  <a:srgbClr val="000000"/>
-                </a:solidFill>
-                <a:latin typeface="Courier New" panose="02070309020205020404" pitchFamily="49" charset="0"/>
-              </a:rPr>
-              <a:t>= </a:t>
-            </a:r>
-            <a:r>
-              <a:rPr lang="en-US" sz="1600" dirty="0" err="1">
-                <a:solidFill>
-                  <a:srgbClr val="000000"/>
-                </a:solidFill>
-                <a:latin typeface="Courier New" panose="02070309020205020404" pitchFamily="49" charset="0"/>
-              </a:rPr>
-              <a:t>sig1_raw</a:t>
-            </a:r>
-            <a:r>
-              <a:rPr lang="en-US" sz="1600" dirty="0">
-                <a:solidFill>
-                  <a:srgbClr val="000000"/>
-                </a:solidFill>
-                <a:latin typeface="Courier New" panose="02070309020205020404" pitchFamily="49" charset="0"/>
-              </a:rPr>
-              <a:t> - </a:t>
-            </a:r>
-            <a:r>
-              <a:rPr lang="en-US" sz="1600" dirty="0" err="1">
-                <a:solidFill>
-                  <a:srgbClr val="000000"/>
-                </a:solidFill>
-                <a:latin typeface="Courier New" panose="02070309020205020404" pitchFamily="49" charset="0"/>
-              </a:rPr>
-              <a:t>approx</a:t>
-            </a:r>
-            <a:r>
-              <a:rPr lang="en-US" sz="1600" dirty="0">
-                <a:solidFill>
-                  <a:srgbClr val="000000"/>
-                </a:solidFill>
-                <a:latin typeface="Courier New" panose="02070309020205020404" pitchFamily="49" charset="0"/>
-              </a:rPr>
-              <a:t>(:,8</a:t>
-            </a:r>
-            <a:r>
-              <a:rPr lang="en-US" sz="1600" dirty="0" smtClean="0">
-                <a:solidFill>
-                  <a:srgbClr val="000000"/>
-                </a:solidFill>
-                <a:latin typeface="Courier New" panose="02070309020205020404" pitchFamily="49" charset="0"/>
-              </a:rPr>
-              <a:t>);</a:t>
-            </a:r>
-          </a:p>
-          <a:p>
-            <a:endParaRPr lang="en-US" sz="1600" dirty="0">
-              <a:solidFill>
-                <a:srgbClr val="000000"/>
-              </a:solidFill>
-              <a:latin typeface="Courier New" panose="02070309020205020404" pitchFamily="49" charset="0"/>
-            </a:endParaRPr>
           </a:p>
         </p:txBody>
       </p:sp>
@@ -6399,277 +6118,22 @@
         </p:blipFill>
         <p:spPr>
           <a:xfrm>
-            <a:off x="5314011" y="1270000"/>
-            <a:ext cx="6457950" cy="2176583"/>
+            <a:off x="4778059" y="1120314"/>
+            <a:ext cx="6694533" cy="1819275"/>
           </a:xfrm>
           <a:prstGeom prst="rect">
             <a:avLst/>
           </a:prstGeom>
+          <a:ln>
+            <a:solidFill>
+              <a:schemeClr val="tx1"/>
+            </a:solidFill>
+          </a:ln>
         </p:spPr>
       </p:pic>
-      <p:sp>
-        <p:nvSpPr>
-          <p:cNvPr id="6" name="Content Placeholder 2"/>
-          <p:cNvSpPr txBox="1">
-            <a:spLocks/>
-          </p:cNvSpPr>
-          <p:nvPr/>
-        </p:nvSpPr>
-        <p:spPr>
-          <a:xfrm>
-            <a:off x="6383150" y="3466348"/>
-            <a:ext cx="4319669" cy="327180"/>
-          </a:xfrm>
-          <a:prstGeom prst="rect">
-            <a:avLst/>
-          </a:prstGeom>
-        </p:spPr>
-        <p:txBody>
-          <a:bodyPr vert="horz" lIns="91440" tIns="45720" rIns="91440" bIns="45720" rtlCol="0">
-            <a:normAutofit fontScale="92500" lnSpcReduction="10000"/>
-          </a:bodyPr>
-          <a:lstStyle>
-            <a:lvl1pPr marL="342900" indent="-342900" algn="l" defTabSz="457200" rtl="0" eaLnBrk="1" latinLnBrk="0" hangingPunct="1">
-              <a:spcBef>
-                <a:spcPts val="1000"/>
-              </a:spcBef>
-              <a:spcAft>
-                <a:spcPts val="0"/>
-              </a:spcAft>
-              <a:buClr>
-                <a:schemeClr val="accent1"/>
-              </a:buClr>
-              <a:buSzPct val="80000"/>
-              <a:buFont typeface="Wingdings 3" charset="2"/>
-              <a:buChar char=""/>
-              <a:defRPr sz="1800" kern="1200">
-                <a:solidFill>
-                  <a:schemeClr val="tx1">
-                    <a:lumMod val="75000"/>
-                    <a:lumOff val="25000"/>
-                  </a:schemeClr>
-                </a:solidFill>
-                <a:latin typeface="+mn-lt"/>
-                <a:ea typeface="+mn-ea"/>
-                <a:cs typeface="+mn-cs"/>
-              </a:defRPr>
-            </a:lvl1pPr>
-            <a:lvl2pPr marL="742950" indent="-285750" algn="l" defTabSz="457200" rtl="0" eaLnBrk="1" latinLnBrk="0" hangingPunct="1">
-              <a:spcBef>
-                <a:spcPts val="1000"/>
-              </a:spcBef>
-              <a:spcAft>
-                <a:spcPts val="0"/>
-              </a:spcAft>
-              <a:buClr>
-                <a:schemeClr val="accent1"/>
-              </a:buClr>
-              <a:buSzPct val="80000"/>
-              <a:buFont typeface="Wingdings 3" charset="2"/>
-              <a:buChar char=""/>
-              <a:defRPr sz="1600" kern="1200">
-                <a:solidFill>
-                  <a:schemeClr val="tx1">
-                    <a:lumMod val="75000"/>
-                    <a:lumOff val="25000"/>
-                  </a:schemeClr>
-                </a:solidFill>
-                <a:latin typeface="+mn-lt"/>
-                <a:ea typeface="+mn-ea"/>
-                <a:cs typeface="+mn-cs"/>
-              </a:defRPr>
-            </a:lvl2pPr>
-            <a:lvl3pPr marL="1143000" indent="-228600" algn="l" defTabSz="457200" rtl="0" eaLnBrk="1" latinLnBrk="0" hangingPunct="1">
-              <a:spcBef>
-                <a:spcPts val="1000"/>
-              </a:spcBef>
-              <a:spcAft>
-                <a:spcPts val="0"/>
-              </a:spcAft>
-              <a:buClr>
-                <a:schemeClr val="accent1"/>
-              </a:buClr>
-              <a:buSzPct val="80000"/>
-              <a:buFont typeface="Wingdings 3" charset="2"/>
-              <a:buChar char=""/>
-              <a:defRPr sz="1400" kern="1200">
-                <a:solidFill>
-                  <a:schemeClr val="tx1">
-                    <a:lumMod val="75000"/>
-                    <a:lumOff val="25000"/>
-                  </a:schemeClr>
-                </a:solidFill>
-                <a:latin typeface="+mn-lt"/>
-                <a:ea typeface="+mn-ea"/>
-                <a:cs typeface="+mn-cs"/>
-              </a:defRPr>
-            </a:lvl3pPr>
-            <a:lvl4pPr marL="1600200" indent="-228600" algn="l" defTabSz="457200" rtl="0" eaLnBrk="1" latinLnBrk="0" hangingPunct="1">
-              <a:spcBef>
-                <a:spcPts val="1000"/>
-              </a:spcBef>
-              <a:spcAft>
-                <a:spcPts val="0"/>
-              </a:spcAft>
-              <a:buClr>
-                <a:schemeClr val="accent1"/>
-              </a:buClr>
-              <a:buSzPct val="80000"/>
-              <a:buFont typeface="Wingdings 3" charset="2"/>
-              <a:buChar char=""/>
-              <a:defRPr sz="1200" kern="1200">
-                <a:solidFill>
-                  <a:schemeClr val="tx1">
-                    <a:lumMod val="75000"/>
-                    <a:lumOff val="25000"/>
-                  </a:schemeClr>
-                </a:solidFill>
-                <a:latin typeface="+mn-lt"/>
-                <a:ea typeface="+mn-ea"/>
-                <a:cs typeface="+mn-cs"/>
-              </a:defRPr>
-            </a:lvl4pPr>
-            <a:lvl5pPr marL="2057400" indent="-228600" algn="l" defTabSz="457200" rtl="0" eaLnBrk="1" latinLnBrk="0" hangingPunct="1">
-              <a:spcBef>
-                <a:spcPts val="1000"/>
-              </a:spcBef>
-              <a:spcAft>
-                <a:spcPts val="0"/>
-              </a:spcAft>
-              <a:buClr>
-                <a:schemeClr val="accent1"/>
-              </a:buClr>
-              <a:buSzPct val="80000"/>
-              <a:buFont typeface="Wingdings 3" charset="2"/>
-              <a:buChar char=""/>
-              <a:defRPr sz="1200" kern="1200">
-                <a:solidFill>
-                  <a:schemeClr val="tx1">
-                    <a:lumMod val="75000"/>
-                    <a:lumOff val="25000"/>
-                  </a:schemeClr>
-                </a:solidFill>
-                <a:latin typeface="+mn-lt"/>
-                <a:ea typeface="+mn-ea"/>
-                <a:cs typeface="+mn-cs"/>
-              </a:defRPr>
-            </a:lvl5pPr>
-            <a:lvl6pPr marL="2514600" indent="-228600" algn="l" defTabSz="457200" rtl="0" eaLnBrk="1" latinLnBrk="0" hangingPunct="1">
-              <a:spcBef>
-                <a:spcPts val="1000"/>
-              </a:spcBef>
-              <a:spcAft>
-                <a:spcPts val="0"/>
-              </a:spcAft>
-              <a:buClr>
-                <a:schemeClr val="accent1"/>
-              </a:buClr>
-              <a:buSzPct val="80000"/>
-              <a:buFont typeface="Wingdings 3" charset="2"/>
-              <a:buChar char=""/>
-              <a:defRPr sz="1200" kern="1200">
-                <a:solidFill>
-                  <a:schemeClr val="tx1">
-                    <a:lumMod val="75000"/>
-                    <a:lumOff val="25000"/>
-                  </a:schemeClr>
-                </a:solidFill>
-                <a:latin typeface="+mn-lt"/>
-                <a:ea typeface="+mn-ea"/>
-                <a:cs typeface="+mn-cs"/>
-              </a:defRPr>
-            </a:lvl6pPr>
-            <a:lvl7pPr marL="2971800" indent="-228600" algn="l" defTabSz="457200" rtl="0" eaLnBrk="1" latinLnBrk="0" hangingPunct="1">
-              <a:spcBef>
-                <a:spcPts val="1000"/>
-              </a:spcBef>
-              <a:spcAft>
-                <a:spcPts val="0"/>
-              </a:spcAft>
-              <a:buClr>
-                <a:schemeClr val="accent1"/>
-              </a:buClr>
-              <a:buSzPct val="80000"/>
-              <a:buFont typeface="Wingdings 3" charset="2"/>
-              <a:buChar char=""/>
-              <a:defRPr sz="1200" kern="1200">
-                <a:solidFill>
-                  <a:schemeClr val="tx1">
-                    <a:lumMod val="75000"/>
-                    <a:lumOff val="25000"/>
-                  </a:schemeClr>
-                </a:solidFill>
-                <a:latin typeface="+mn-lt"/>
-                <a:ea typeface="+mn-ea"/>
-                <a:cs typeface="+mn-cs"/>
-              </a:defRPr>
-            </a:lvl7pPr>
-            <a:lvl8pPr marL="3429000" indent="-228600" algn="l" defTabSz="457200" rtl="0" eaLnBrk="1" latinLnBrk="0" hangingPunct="1">
-              <a:spcBef>
-                <a:spcPts val="1000"/>
-              </a:spcBef>
-              <a:spcAft>
-                <a:spcPts val="0"/>
-              </a:spcAft>
-              <a:buClr>
-                <a:schemeClr val="accent1"/>
-              </a:buClr>
-              <a:buSzPct val="80000"/>
-              <a:buFont typeface="Wingdings 3" charset="2"/>
-              <a:buChar char=""/>
-              <a:defRPr sz="1200" kern="1200">
-                <a:solidFill>
-                  <a:schemeClr val="tx1">
-                    <a:lumMod val="75000"/>
-                    <a:lumOff val="25000"/>
-                  </a:schemeClr>
-                </a:solidFill>
-                <a:latin typeface="+mn-lt"/>
-                <a:ea typeface="+mn-ea"/>
-                <a:cs typeface="+mn-cs"/>
-              </a:defRPr>
-            </a:lvl8pPr>
-            <a:lvl9pPr marL="3886200" indent="-228600" algn="l" defTabSz="457200" rtl="0" eaLnBrk="1" latinLnBrk="0" hangingPunct="1">
-              <a:spcBef>
-                <a:spcPts val="1000"/>
-              </a:spcBef>
-              <a:spcAft>
-                <a:spcPts val="0"/>
-              </a:spcAft>
-              <a:buClr>
-                <a:schemeClr val="accent1"/>
-              </a:buClr>
-              <a:buSzPct val="80000"/>
-              <a:buFont typeface="Wingdings 3" charset="2"/>
-              <a:buChar char=""/>
-              <a:defRPr sz="1200" kern="1200">
-                <a:solidFill>
-                  <a:schemeClr val="tx1">
-                    <a:lumMod val="75000"/>
-                    <a:lumOff val="25000"/>
-                  </a:schemeClr>
-                </a:solidFill>
-                <a:latin typeface="+mn-lt"/>
-                <a:ea typeface="+mn-ea"/>
-                <a:cs typeface="+mn-cs"/>
-              </a:defRPr>
-            </a:lvl9pPr>
-          </a:lstStyle>
-          <a:p>
-            <a:pPr marL="0" indent="0" algn="ctr">
-              <a:buNone/>
-            </a:pPr>
-            <a:r>
-              <a:rPr lang="en-GB" dirty="0" smtClean="0"/>
-              <a:t>Before </a:t>
-            </a:r>
-            <a:endParaRPr lang="en-US" dirty="0"/>
-          </a:p>
-        </p:txBody>
-      </p:sp>
       <p:pic>
         <p:nvPicPr>
-          <p:cNvPr id="7" name="Picture 6"/>
+          <p:cNvPr id="6" name="Picture 5"/>
           <p:cNvPicPr>
             <a:picLocks noChangeAspect="1"/>
           </p:cNvPicPr>
@@ -6683,278 +6147,52 @@
         </p:blipFill>
         <p:spPr>
           <a:xfrm>
-            <a:off x="5314011" y="3897346"/>
-            <a:ext cx="6457950" cy="2092161"/>
+            <a:off x="4778061" y="2926245"/>
+            <a:ext cx="6694532" cy="1809750"/>
           </a:xfrm>
           <a:prstGeom prst="rect">
             <a:avLst/>
           </a:prstGeom>
+          <a:ln>
+            <a:solidFill>
+              <a:schemeClr val="tx1"/>
+            </a:solidFill>
+          </a:ln>
         </p:spPr>
       </p:pic>
-      <p:sp>
-        <p:nvSpPr>
-          <p:cNvPr id="8" name="Content Placeholder 2"/>
-          <p:cNvSpPr txBox="1">
-            <a:spLocks/>
-          </p:cNvSpPr>
+      <p:pic>
+        <p:nvPicPr>
+          <p:cNvPr id="7" name="Picture 6"/>
+          <p:cNvPicPr>
+            <a:picLocks noChangeAspect="1"/>
+          </p:cNvPicPr>
           <p:nvPr/>
-        </p:nvSpPr>
+        </p:nvPicPr>
+        <p:blipFill>
+          <a:blip r:embed="rId4"/>
+          <a:stretch>
+            <a:fillRect/>
+          </a:stretch>
+        </p:blipFill>
         <p:spPr>
           <a:xfrm>
-            <a:off x="6383150" y="6004761"/>
-            <a:ext cx="4319669" cy="327180"/>
+            <a:off x="4778060" y="4735995"/>
+            <a:ext cx="6699731" cy="1809750"/>
           </a:xfrm>
           <a:prstGeom prst="rect">
             <a:avLst/>
           </a:prstGeom>
+          <a:ln>
+            <a:solidFill>
+              <a:schemeClr val="tx1"/>
+            </a:solidFill>
+          </a:ln>
         </p:spPr>
-        <p:txBody>
-          <a:bodyPr vert="horz" lIns="91440" tIns="45720" rIns="91440" bIns="45720" rtlCol="0">
-            <a:normAutofit fontScale="92500" lnSpcReduction="10000"/>
-          </a:bodyPr>
-          <a:lstStyle>
-            <a:lvl1pPr marL="342900" indent="-342900" algn="l" defTabSz="457200" rtl="0" eaLnBrk="1" latinLnBrk="0" hangingPunct="1">
-              <a:spcBef>
-                <a:spcPts val="1000"/>
-              </a:spcBef>
-              <a:spcAft>
-                <a:spcPts val="0"/>
-              </a:spcAft>
-              <a:buClr>
-                <a:schemeClr val="accent1"/>
-              </a:buClr>
-              <a:buSzPct val="80000"/>
-              <a:buFont typeface="Wingdings 3" charset="2"/>
-              <a:buChar char=""/>
-              <a:defRPr sz="1800" kern="1200">
-                <a:solidFill>
-                  <a:schemeClr val="tx1">
-                    <a:lumMod val="75000"/>
-                    <a:lumOff val="25000"/>
-                  </a:schemeClr>
-                </a:solidFill>
-                <a:latin typeface="+mn-lt"/>
-                <a:ea typeface="+mn-ea"/>
-                <a:cs typeface="+mn-cs"/>
-              </a:defRPr>
-            </a:lvl1pPr>
-            <a:lvl2pPr marL="742950" indent="-285750" algn="l" defTabSz="457200" rtl="0" eaLnBrk="1" latinLnBrk="0" hangingPunct="1">
-              <a:spcBef>
-                <a:spcPts val="1000"/>
-              </a:spcBef>
-              <a:spcAft>
-                <a:spcPts val="0"/>
-              </a:spcAft>
-              <a:buClr>
-                <a:schemeClr val="accent1"/>
-              </a:buClr>
-              <a:buSzPct val="80000"/>
-              <a:buFont typeface="Wingdings 3" charset="2"/>
-              <a:buChar char=""/>
-              <a:defRPr sz="1600" kern="1200">
-                <a:solidFill>
-                  <a:schemeClr val="tx1">
-                    <a:lumMod val="75000"/>
-                    <a:lumOff val="25000"/>
-                  </a:schemeClr>
-                </a:solidFill>
-                <a:latin typeface="+mn-lt"/>
-                <a:ea typeface="+mn-ea"/>
-                <a:cs typeface="+mn-cs"/>
-              </a:defRPr>
-            </a:lvl2pPr>
-            <a:lvl3pPr marL="1143000" indent="-228600" algn="l" defTabSz="457200" rtl="0" eaLnBrk="1" latinLnBrk="0" hangingPunct="1">
-              <a:spcBef>
-                <a:spcPts val="1000"/>
-              </a:spcBef>
-              <a:spcAft>
-                <a:spcPts val="0"/>
-              </a:spcAft>
-              <a:buClr>
-                <a:schemeClr val="accent1"/>
-              </a:buClr>
-              <a:buSzPct val="80000"/>
-              <a:buFont typeface="Wingdings 3" charset="2"/>
-              <a:buChar char=""/>
-              <a:defRPr sz="1400" kern="1200">
-                <a:solidFill>
-                  <a:schemeClr val="tx1">
-                    <a:lumMod val="75000"/>
-                    <a:lumOff val="25000"/>
-                  </a:schemeClr>
-                </a:solidFill>
-                <a:latin typeface="+mn-lt"/>
-                <a:ea typeface="+mn-ea"/>
-                <a:cs typeface="+mn-cs"/>
-              </a:defRPr>
-            </a:lvl3pPr>
-            <a:lvl4pPr marL="1600200" indent="-228600" algn="l" defTabSz="457200" rtl="0" eaLnBrk="1" latinLnBrk="0" hangingPunct="1">
-              <a:spcBef>
-                <a:spcPts val="1000"/>
-              </a:spcBef>
-              <a:spcAft>
-                <a:spcPts val="0"/>
-              </a:spcAft>
-              <a:buClr>
-                <a:schemeClr val="accent1"/>
-              </a:buClr>
-              <a:buSzPct val="80000"/>
-              <a:buFont typeface="Wingdings 3" charset="2"/>
-              <a:buChar char=""/>
-              <a:defRPr sz="1200" kern="1200">
-                <a:solidFill>
-                  <a:schemeClr val="tx1">
-                    <a:lumMod val="75000"/>
-                    <a:lumOff val="25000"/>
-                  </a:schemeClr>
-                </a:solidFill>
-                <a:latin typeface="+mn-lt"/>
-                <a:ea typeface="+mn-ea"/>
-                <a:cs typeface="+mn-cs"/>
-              </a:defRPr>
-            </a:lvl4pPr>
-            <a:lvl5pPr marL="2057400" indent="-228600" algn="l" defTabSz="457200" rtl="0" eaLnBrk="1" latinLnBrk="0" hangingPunct="1">
-              <a:spcBef>
-                <a:spcPts val="1000"/>
-              </a:spcBef>
-              <a:spcAft>
-                <a:spcPts val="0"/>
-              </a:spcAft>
-              <a:buClr>
-                <a:schemeClr val="accent1"/>
-              </a:buClr>
-              <a:buSzPct val="80000"/>
-              <a:buFont typeface="Wingdings 3" charset="2"/>
-              <a:buChar char=""/>
-              <a:defRPr sz="1200" kern="1200">
-                <a:solidFill>
-                  <a:schemeClr val="tx1">
-                    <a:lumMod val="75000"/>
-                    <a:lumOff val="25000"/>
-                  </a:schemeClr>
-                </a:solidFill>
-                <a:latin typeface="+mn-lt"/>
-                <a:ea typeface="+mn-ea"/>
-                <a:cs typeface="+mn-cs"/>
-              </a:defRPr>
-            </a:lvl5pPr>
-            <a:lvl6pPr marL="2514600" indent="-228600" algn="l" defTabSz="457200" rtl="0" eaLnBrk="1" latinLnBrk="0" hangingPunct="1">
-              <a:spcBef>
-                <a:spcPts val="1000"/>
-              </a:spcBef>
-              <a:spcAft>
-                <a:spcPts val="0"/>
-              </a:spcAft>
-              <a:buClr>
-                <a:schemeClr val="accent1"/>
-              </a:buClr>
-              <a:buSzPct val="80000"/>
-              <a:buFont typeface="Wingdings 3" charset="2"/>
-              <a:buChar char=""/>
-              <a:defRPr sz="1200" kern="1200">
-                <a:solidFill>
-                  <a:schemeClr val="tx1">
-                    <a:lumMod val="75000"/>
-                    <a:lumOff val="25000"/>
-                  </a:schemeClr>
-                </a:solidFill>
-                <a:latin typeface="+mn-lt"/>
-                <a:ea typeface="+mn-ea"/>
-                <a:cs typeface="+mn-cs"/>
-              </a:defRPr>
-            </a:lvl6pPr>
-            <a:lvl7pPr marL="2971800" indent="-228600" algn="l" defTabSz="457200" rtl="0" eaLnBrk="1" latinLnBrk="0" hangingPunct="1">
-              <a:spcBef>
-                <a:spcPts val="1000"/>
-              </a:spcBef>
-              <a:spcAft>
-                <a:spcPts val="0"/>
-              </a:spcAft>
-              <a:buClr>
-                <a:schemeClr val="accent1"/>
-              </a:buClr>
-              <a:buSzPct val="80000"/>
-              <a:buFont typeface="Wingdings 3" charset="2"/>
-              <a:buChar char=""/>
-              <a:defRPr sz="1200" kern="1200">
-                <a:solidFill>
-                  <a:schemeClr val="tx1">
-                    <a:lumMod val="75000"/>
-                    <a:lumOff val="25000"/>
-                  </a:schemeClr>
-                </a:solidFill>
-                <a:latin typeface="+mn-lt"/>
-                <a:ea typeface="+mn-ea"/>
-                <a:cs typeface="+mn-cs"/>
-              </a:defRPr>
-            </a:lvl7pPr>
-            <a:lvl8pPr marL="3429000" indent="-228600" algn="l" defTabSz="457200" rtl="0" eaLnBrk="1" latinLnBrk="0" hangingPunct="1">
-              <a:spcBef>
-                <a:spcPts val="1000"/>
-              </a:spcBef>
-              <a:spcAft>
-                <a:spcPts val="0"/>
-              </a:spcAft>
-              <a:buClr>
-                <a:schemeClr val="accent1"/>
-              </a:buClr>
-              <a:buSzPct val="80000"/>
-              <a:buFont typeface="Wingdings 3" charset="2"/>
-              <a:buChar char=""/>
-              <a:defRPr sz="1200" kern="1200">
-                <a:solidFill>
-                  <a:schemeClr val="tx1">
-                    <a:lumMod val="75000"/>
-                    <a:lumOff val="25000"/>
-                  </a:schemeClr>
-                </a:solidFill>
-                <a:latin typeface="+mn-lt"/>
-                <a:ea typeface="+mn-ea"/>
-                <a:cs typeface="+mn-cs"/>
-              </a:defRPr>
-            </a:lvl8pPr>
-            <a:lvl9pPr marL="3886200" indent="-228600" algn="l" defTabSz="457200" rtl="0" eaLnBrk="1" latinLnBrk="0" hangingPunct="1">
-              <a:spcBef>
-                <a:spcPts val="1000"/>
-              </a:spcBef>
-              <a:spcAft>
-                <a:spcPts val="0"/>
-              </a:spcAft>
-              <a:buClr>
-                <a:schemeClr val="accent1"/>
-              </a:buClr>
-              <a:buSzPct val="80000"/>
-              <a:buFont typeface="Wingdings 3" charset="2"/>
-              <a:buChar char=""/>
-              <a:defRPr sz="1200" kern="1200">
-                <a:solidFill>
-                  <a:schemeClr val="tx1">
-                    <a:lumMod val="75000"/>
-                    <a:lumOff val="25000"/>
-                  </a:schemeClr>
-                </a:solidFill>
-                <a:latin typeface="+mn-lt"/>
-                <a:ea typeface="+mn-ea"/>
-                <a:cs typeface="+mn-cs"/>
-              </a:defRPr>
-            </a:lvl9pPr>
-          </a:lstStyle>
-          <a:p>
-            <a:pPr marL="0" indent="0" algn="ctr">
-              <a:buNone/>
-            </a:pPr>
-            <a:r>
-              <a:rPr lang="en-GB" dirty="0" smtClean="0"/>
-              <a:t>After</a:t>
-            </a:r>
-            <a:endParaRPr lang="en-US" dirty="0"/>
-          </a:p>
-        </p:txBody>
-      </p:sp>
+      </p:pic>
     </p:spTree>
     <p:extLst>
       <p:ext uri="{BB962C8B-B14F-4D97-AF65-F5344CB8AC3E}">
-        <p14:creationId xmlns:p14="http://schemas.microsoft.com/office/powerpoint/2010/main" val="718678445"/>
+        <p14:creationId xmlns:p14="http://schemas.microsoft.com/office/powerpoint/2010/main" val="1716119932"/>
       </p:ext>
     </p:extLst>
   </p:cSld>
@@ -7001,7 +6239,7 @@
         <p:spPr>
           <a:xfrm>
             <a:off x="479727" y="350839"/>
-            <a:ext cx="8596668" cy="1320800"/>
+            <a:ext cx="9567098" cy="1320800"/>
           </a:xfrm>
         </p:spPr>
         <p:txBody>
@@ -7012,7 +6250,7 @@
           <a:p>
             <a:r>
               <a:rPr lang="en-GB" sz="4200" b="1" dirty="0" smtClean="0"/>
-              <a:t>R peaks detection and T wave detection</a:t>
+              <a:t>ST segment detection</a:t>
             </a:r>
             <a:endParaRPr lang="en-US" sz="4200" b="1" dirty="0"/>
           </a:p>
@@ -7030,8 +6268,8 @@
         </p:nvSpPr>
         <p:spPr>
           <a:xfrm>
-            <a:off x="381499" y="1890734"/>
-            <a:ext cx="4100728" cy="3880773"/>
+            <a:off x="479727" y="1318107"/>
+            <a:ext cx="3600192" cy="3880773"/>
           </a:xfrm>
         </p:spPr>
         <p:txBody>
@@ -7042,25 +6280,23 @@
           <a:p>
             <a:r>
               <a:rPr lang="en-GB" sz="2400" dirty="0" smtClean="0"/>
-              <a:t>Self – constructed algorithm for R peak and T wave Detection (33 lines of code)</a:t>
-            </a:r>
-          </a:p>
-          <a:p>
+              <a:t>The segment defined from 0.4 </a:t>
+            </a:r>
+            <a:r>
+              <a:rPr lang="en-GB" sz="2400" dirty="0" err="1"/>
+              <a:t>R</a:t>
+            </a:r>
+            <a:r>
+              <a:rPr lang="en-GB" sz="2400" dirty="0" err="1" smtClean="0"/>
+              <a:t>T</a:t>
+            </a:r>
             <a:r>
               <a:rPr lang="en-GB" sz="2400" dirty="0" smtClean="0"/>
-              <a:t>Span is 10 seconds</a:t>
-            </a:r>
-          </a:p>
-          <a:p>
-            <a:r>
-              <a:rPr lang="en-GB" sz="2400" dirty="0" smtClean="0"/>
-              <a:t>Analysis is applied for each heart beat</a:t>
-            </a:r>
-          </a:p>
-          <a:p>
-            <a:r>
-              <a:rPr lang="en-GB" sz="2400" dirty="0" smtClean="0"/>
-              <a:t>Output is plotted as a graph and its mean value is provided</a:t>
+              <a:t> to 0.65 </a:t>
+            </a:r>
+            <a:r>
+              <a:rPr lang="en-GB" sz="2400" dirty="0" err="1" smtClean="0"/>
+              <a:t>RT</a:t>
             </a:r>
             <a:endParaRPr lang="en-US" sz="2400" dirty="0"/>
           </a:p>
@@ -7068,10 +6304,8 @@
       </p:sp>
       <p:pic>
         <p:nvPicPr>
-          <p:cNvPr id="5" name="Picture 4"/>
-          <p:cNvPicPr>
-            <a:picLocks noChangeAspect="1"/>
-          </p:cNvPicPr>
+          <p:cNvPr id="10" name="Picture 9"/>
+          <p:cNvPicPr/>
           <p:nvPr/>
         </p:nvPicPr>
         <p:blipFill>
@@ -7082,20 +6316,23 @@
         </p:blipFill>
         <p:spPr>
           <a:xfrm>
-            <a:off x="4778059" y="1120314"/>
-            <a:ext cx="6694533" cy="1819275"/>
+            <a:off x="4311689" y="1318107"/>
+            <a:ext cx="7401889" cy="2744108"/>
           </a:xfrm>
           <a:prstGeom prst="rect">
             <a:avLst/>
           </a:prstGeom>
+          <a:ln>
+            <a:solidFill>
+              <a:schemeClr val="tx1"/>
+            </a:solidFill>
+          </a:ln>
         </p:spPr>
       </p:pic>
       <p:pic>
         <p:nvPicPr>
-          <p:cNvPr id="6" name="Picture 5"/>
-          <p:cNvPicPr>
-            <a:picLocks noChangeAspect="1"/>
-          </p:cNvPicPr>
+          <p:cNvPr id="7" name="Picture 6"/>
+          <p:cNvPicPr/>
           <p:nvPr/>
         </p:nvPicPr>
         <p:blipFill>
@@ -7106,42 +6343,23 @@
         </p:blipFill>
         <p:spPr>
           <a:xfrm>
-            <a:off x="4778061" y="2926245"/>
-            <a:ext cx="6694532" cy="1809750"/>
+            <a:off x="4311688" y="4190035"/>
+            <a:ext cx="7401889" cy="2434249"/>
           </a:xfrm>
           <a:prstGeom prst="rect">
             <a:avLst/>
           </a:prstGeom>
-        </p:spPr>
-      </p:pic>
-      <p:pic>
-        <p:nvPicPr>
-          <p:cNvPr id="7" name="Picture 6"/>
-          <p:cNvPicPr>
-            <a:picLocks noChangeAspect="1"/>
-          </p:cNvPicPr>
-          <p:nvPr/>
-        </p:nvPicPr>
-        <p:blipFill>
-          <a:blip r:embed="rId4"/>
-          <a:stretch>
-            <a:fillRect/>
-          </a:stretch>
-        </p:blipFill>
-        <p:spPr>
-          <a:xfrm>
-            <a:off x="4778060" y="4735995"/>
-            <a:ext cx="6699731" cy="1809750"/>
-          </a:xfrm>
-          <a:prstGeom prst="rect">
-            <a:avLst/>
-          </a:prstGeom>
+          <a:ln>
+            <a:solidFill>
+              <a:schemeClr val="tx1"/>
+            </a:solidFill>
+          </a:ln>
         </p:spPr>
       </p:pic>
     </p:spTree>
     <p:extLst>
       <p:ext uri="{BB962C8B-B14F-4D97-AF65-F5344CB8AC3E}">
-        <p14:creationId xmlns:p14="http://schemas.microsoft.com/office/powerpoint/2010/main" val="1716119932"/>
+        <p14:creationId xmlns:p14="http://schemas.microsoft.com/office/powerpoint/2010/main" val="358566432"/>
       </p:ext>
     </p:extLst>
   </p:cSld>
@@ -7187,6 +6405,488 @@
         </p:nvSpPr>
         <p:spPr>
           <a:xfrm>
+            <a:off x="479726" y="350839"/>
+            <a:ext cx="9312455" cy="1320800"/>
+          </a:xfrm>
+        </p:spPr>
+        <p:txBody>
+          <a:bodyPr>
+            <a:noAutofit/>
+          </a:bodyPr>
+          <a:lstStyle/>
+          <a:p>
+            <a:r>
+              <a:rPr lang="en-GB" sz="4200" b="1" dirty="0" smtClean="0"/>
+              <a:t>Morphological features extraction</a:t>
+            </a:r>
+            <a:endParaRPr lang="en-US" sz="4200" b="1" dirty="0"/>
+          </a:p>
+        </p:txBody>
+      </p:sp>
+      <p:graphicFrame>
+        <p:nvGraphicFramePr>
+          <p:cNvPr id="4" name="Content Placeholder 3"/>
+          <p:cNvGraphicFramePr>
+            <a:graphicFrameLocks noGrp="1"/>
+          </p:cNvGraphicFramePr>
+          <p:nvPr>
+            <p:ph idx="1"/>
+            <p:extLst>
+              <p:ext uri="{D42A27DB-BD31-4B8C-83A1-F6EECF244321}">
+                <p14:modId xmlns:p14="http://schemas.microsoft.com/office/powerpoint/2010/main" val="2712597266"/>
+              </p:ext>
+            </p:extLst>
+          </p:nvPr>
+        </p:nvGraphicFramePr>
+        <p:xfrm>
+          <a:off x="479425" y="4305782"/>
+          <a:ext cx="9011816" cy="2442260"/>
+        </p:xfrm>
+        <a:graphic>
+          <a:graphicData uri="http://schemas.openxmlformats.org/drawingml/2006/table">
+            <a:tbl>
+              <a:tblPr firstRow="1" bandRow="1">
+                <a:tableStyleId>{5C22544A-7EE6-4342-B048-85BDC9FD1C3A}</a:tableStyleId>
+              </a:tblPr>
+              <a:tblGrid>
+                <a:gridCol w="1399269"/>
+                <a:gridCol w="4142804"/>
+                <a:gridCol w="1891532"/>
+                <a:gridCol w="1578211"/>
+              </a:tblGrid>
+              <a:tr h="516768">
+                <a:tc>
+                  <a:txBody>
+                    <a:bodyPr/>
+                    <a:lstStyle/>
+                    <a:p>
+                      <a:r>
+                        <a:rPr lang="en-GB" sz="2000" dirty="0" smtClean="0"/>
+                        <a:t>Name</a:t>
+                      </a:r>
+                      <a:endParaRPr lang="en-US" sz="2000" dirty="0"/>
+                    </a:p>
+                  </a:txBody>
+                  <a:tcPr/>
+                </a:tc>
+                <a:tc>
+                  <a:txBody>
+                    <a:bodyPr/>
+                    <a:lstStyle/>
+                    <a:p>
+                      <a:r>
+                        <a:rPr lang="en-GB" sz="2000" dirty="0" smtClean="0"/>
+                        <a:t>Calculation</a:t>
+                      </a:r>
+                      <a:endParaRPr lang="en-US" sz="2000" dirty="0"/>
+                    </a:p>
+                  </a:txBody>
+                  <a:tcPr/>
+                </a:tc>
+                <a:tc>
+                  <a:txBody>
+                    <a:bodyPr/>
+                    <a:lstStyle/>
+                    <a:p>
+                      <a:r>
+                        <a:rPr lang="en-GB" sz="2000" dirty="0" smtClean="0"/>
+                        <a:t>Threshold</a:t>
+                      </a:r>
+                      <a:endParaRPr lang="en-US" sz="2000" dirty="0"/>
+                    </a:p>
+                  </a:txBody>
+                  <a:tcPr/>
+                </a:tc>
+                <a:tc>
+                  <a:txBody>
+                    <a:bodyPr/>
+                    <a:lstStyle/>
+                    <a:p>
+                      <a:r>
+                        <a:rPr lang="en-GB" sz="2000" dirty="0" smtClean="0"/>
+                        <a:t>Score</a:t>
+                      </a:r>
+                      <a:endParaRPr lang="en-US" sz="2000" dirty="0"/>
+                    </a:p>
+                  </a:txBody>
+                  <a:tcPr/>
+                </a:tc>
+              </a:tr>
+              <a:tr h="891956">
+                <a:tc>
+                  <a:txBody>
+                    <a:bodyPr/>
+                    <a:lstStyle/>
+                    <a:p>
+                      <a:r>
+                        <a:rPr lang="en-GB" sz="2000" dirty="0" smtClean="0"/>
+                        <a:t>ST deviation</a:t>
+                      </a:r>
+                      <a:endParaRPr lang="en-US" sz="2000" dirty="0"/>
+                    </a:p>
+                  </a:txBody>
+                  <a:tcPr/>
+                </a:tc>
+                <a:tc>
+                  <a:txBody>
+                    <a:bodyPr/>
+                    <a:lstStyle/>
+                    <a:p>
+                      <a:r>
+                        <a:rPr lang="en-GB" sz="2000" dirty="0" smtClean="0"/>
+                        <a:t>Area between ST and isoelectric line / length(ST)</a:t>
+                      </a:r>
+                      <a:endParaRPr lang="en-US" sz="2000" dirty="0"/>
+                    </a:p>
+                  </a:txBody>
+                  <a:tcPr/>
+                </a:tc>
+                <a:tc>
+                  <a:txBody>
+                    <a:bodyPr/>
+                    <a:lstStyle/>
+                    <a:p>
+                      <a:r>
+                        <a:rPr lang="en-GB" sz="2000" dirty="0" smtClean="0"/>
+                        <a:t>&gt; 40</a:t>
+                      </a:r>
+                      <a:r>
+                        <a:rPr lang="en-GB" sz="2000" baseline="0" dirty="0" smtClean="0"/>
+                        <a:t> or </a:t>
+                      </a:r>
+                      <a:r>
+                        <a:rPr lang="en-GB" sz="2000" dirty="0" smtClean="0"/>
+                        <a:t>&lt; -20</a:t>
+                      </a:r>
+                      <a:endParaRPr lang="en-US" sz="2000" dirty="0"/>
+                    </a:p>
+                  </a:txBody>
+                  <a:tcPr/>
+                </a:tc>
+                <a:tc>
+                  <a:txBody>
+                    <a:bodyPr/>
+                    <a:lstStyle/>
+                    <a:p>
+                      <a:r>
+                        <a:rPr lang="en-GB" sz="2000" dirty="0" smtClean="0"/>
+                        <a:t>+1</a:t>
+                      </a:r>
+                      <a:endParaRPr lang="en-US" sz="2000" dirty="0"/>
+                    </a:p>
+                  </a:txBody>
+                  <a:tcPr/>
+                </a:tc>
+              </a:tr>
+              <a:tr h="516768">
+                <a:tc>
+                  <a:txBody>
+                    <a:bodyPr/>
+                    <a:lstStyle/>
+                    <a:p>
+                      <a:r>
+                        <a:rPr lang="en-GB" sz="2000" dirty="0" smtClean="0"/>
+                        <a:t>ST slope</a:t>
+                      </a:r>
+                      <a:endParaRPr lang="en-US" sz="2000" dirty="0"/>
+                    </a:p>
+                  </a:txBody>
+                  <a:tcPr/>
+                </a:tc>
+                <a:tc>
+                  <a:txBody>
+                    <a:bodyPr/>
+                    <a:lstStyle/>
+                    <a:p>
+                      <a:r>
+                        <a:rPr lang="en-GB" sz="2000" dirty="0" smtClean="0"/>
+                        <a:t>tan(ST line)</a:t>
+                      </a:r>
+                      <a:endParaRPr lang="en-US" sz="2000" dirty="0"/>
+                    </a:p>
+                  </a:txBody>
+                  <a:tcPr/>
+                </a:tc>
+                <a:tc>
+                  <a:txBody>
+                    <a:bodyPr/>
+                    <a:lstStyle/>
+                    <a:p>
+                      <a:pPr marL="0" indent="0">
+                        <a:buFont typeface="Wingdings" panose="05000000000000000000" pitchFamily="2" charset="2"/>
+                        <a:buNone/>
+                      </a:pPr>
+                      <a:r>
+                        <a:rPr lang="en-GB" sz="2000" dirty="0" smtClean="0"/>
+                        <a:t>&gt;6 or &lt; -4</a:t>
+                      </a:r>
+                    </a:p>
+                  </a:txBody>
+                  <a:tcPr/>
+                </a:tc>
+                <a:tc>
+                  <a:txBody>
+                    <a:bodyPr/>
+                    <a:lstStyle/>
+                    <a:p>
+                      <a:r>
+                        <a:rPr lang="en-GB" sz="2000" dirty="0" smtClean="0"/>
+                        <a:t>+1</a:t>
+                      </a:r>
+                      <a:endParaRPr lang="en-US" sz="2000" dirty="0"/>
+                    </a:p>
+                  </a:txBody>
+                  <a:tcPr/>
+                </a:tc>
+              </a:tr>
+              <a:tr h="516768">
+                <a:tc>
+                  <a:txBody>
+                    <a:bodyPr/>
+                    <a:lstStyle/>
+                    <a:p>
+                      <a:r>
+                        <a:rPr lang="en-GB" sz="2000" dirty="0" smtClean="0"/>
+                        <a:t>T amp</a:t>
+                      </a:r>
+                      <a:endParaRPr lang="en-US" sz="2000" dirty="0"/>
+                    </a:p>
+                  </a:txBody>
+                  <a:tcPr/>
+                </a:tc>
+                <a:tc>
+                  <a:txBody>
+                    <a:bodyPr/>
+                    <a:lstStyle/>
+                    <a:p>
+                      <a:r>
+                        <a:rPr lang="en-GB" sz="2000" dirty="0" smtClean="0"/>
+                        <a:t>(T - </a:t>
+                      </a:r>
+                      <a:r>
+                        <a:rPr lang="en-GB" sz="2000" dirty="0" err="1" smtClean="0"/>
+                        <a:t>iso</a:t>
+                      </a:r>
+                      <a:r>
+                        <a:rPr lang="en-GB" sz="2000" dirty="0" smtClean="0"/>
+                        <a:t>) / (R - </a:t>
+                      </a:r>
+                      <a:r>
+                        <a:rPr lang="en-GB" sz="2000" dirty="0" err="1" smtClean="0"/>
+                        <a:t>iso</a:t>
+                      </a:r>
+                      <a:r>
+                        <a:rPr lang="en-GB" sz="2000" dirty="0" smtClean="0"/>
+                        <a:t>) * 100</a:t>
+                      </a:r>
+                      <a:endParaRPr lang="en-US" sz="2000" dirty="0"/>
+                    </a:p>
+                  </a:txBody>
+                  <a:tcPr/>
+                </a:tc>
+                <a:tc>
+                  <a:txBody>
+                    <a:bodyPr/>
+                    <a:lstStyle/>
+                    <a:p>
+                      <a:r>
+                        <a:rPr lang="en-GB" sz="2000" dirty="0" smtClean="0"/>
+                        <a:t>&gt;</a:t>
+                      </a:r>
+                      <a:r>
+                        <a:rPr lang="en-GB" sz="2000" baseline="0" dirty="0" smtClean="0"/>
+                        <a:t> 0.8 or &lt; 0</a:t>
+                      </a:r>
+                      <a:endParaRPr lang="en-US" sz="2000" dirty="0"/>
+                    </a:p>
+                  </a:txBody>
+                  <a:tcPr/>
+                </a:tc>
+                <a:tc>
+                  <a:txBody>
+                    <a:bodyPr/>
+                    <a:lstStyle/>
+                    <a:p>
+                      <a:r>
+                        <a:rPr lang="en-GB" sz="2000" dirty="0" smtClean="0"/>
+                        <a:t>+1</a:t>
+                      </a:r>
+                      <a:endParaRPr lang="en-US" sz="2000" dirty="0"/>
+                    </a:p>
+                  </a:txBody>
+                  <a:tcPr/>
+                </a:tc>
+              </a:tr>
+            </a:tbl>
+          </a:graphicData>
+        </a:graphic>
+      </p:graphicFrame>
+      <p:pic>
+        <p:nvPicPr>
+          <p:cNvPr id="10" name="Picture 9"/>
+          <p:cNvPicPr/>
+          <p:nvPr/>
+        </p:nvPicPr>
+        <p:blipFill>
+          <a:blip r:embed="rId2"/>
+          <a:stretch>
+            <a:fillRect/>
+          </a:stretch>
+        </p:blipFill>
+        <p:spPr>
+          <a:xfrm>
+            <a:off x="479727" y="1129873"/>
+            <a:ext cx="9011514" cy="3013864"/>
+          </a:xfrm>
+          <a:prstGeom prst="rect">
+            <a:avLst/>
+          </a:prstGeom>
+          <a:ln>
+            <a:solidFill>
+              <a:schemeClr val="tx1"/>
+            </a:solidFill>
+          </a:ln>
+        </p:spPr>
+      </p:pic>
+      <p:cxnSp>
+        <p:nvCxnSpPr>
+          <p:cNvPr id="12" name="Straight Connector 11"/>
+          <p:cNvCxnSpPr/>
+          <p:nvPr/>
+        </p:nvCxnSpPr>
+        <p:spPr>
+          <a:xfrm flipH="1">
+            <a:off x="983849" y="2789499"/>
+            <a:ext cx="8218024" cy="0"/>
+          </a:xfrm>
+          <a:prstGeom prst="line">
+            <a:avLst/>
+          </a:prstGeom>
+        </p:spPr>
+        <p:style>
+          <a:lnRef idx="2">
+            <a:schemeClr val="accent4"/>
+          </a:lnRef>
+          <a:fillRef idx="0">
+            <a:schemeClr val="accent4"/>
+          </a:fillRef>
+          <a:effectRef idx="1">
+            <a:schemeClr val="accent4"/>
+          </a:effectRef>
+          <a:fontRef idx="minor">
+            <a:schemeClr val="tx1"/>
+          </a:fontRef>
+        </p:style>
+      </p:cxnSp>
+      <p:cxnSp>
+        <p:nvCxnSpPr>
+          <p:cNvPr id="16" name="Straight Connector 15"/>
+          <p:cNvCxnSpPr/>
+          <p:nvPr/>
+        </p:nvCxnSpPr>
+        <p:spPr>
+          <a:xfrm flipV="1">
+            <a:off x="2685327" y="1446835"/>
+            <a:ext cx="2048719" cy="1342664"/>
+          </a:xfrm>
+          <a:prstGeom prst="line">
+            <a:avLst/>
+          </a:prstGeom>
+        </p:spPr>
+        <p:style>
+          <a:lnRef idx="2">
+            <a:schemeClr val="accent3"/>
+          </a:lnRef>
+          <a:fillRef idx="0">
+            <a:schemeClr val="accent3"/>
+          </a:fillRef>
+          <a:effectRef idx="1">
+            <a:schemeClr val="accent3"/>
+          </a:effectRef>
+          <a:fontRef idx="minor">
+            <a:schemeClr val="tx1"/>
+          </a:fontRef>
+        </p:style>
+      </p:cxnSp>
+      <p:cxnSp>
+        <p:nvCxnSpPr>
+          <p:cNvPr id="17" name="Straight Connector 16"/>
+          <p:cNvCxnSpPr/>
+          <p:nvPr/>
+        </p:nvCxnSpPr>
+        <p:spPr>
+          <a:xfrm flipV="1">
+            <a:off x="7540907" y="1446835"/>
+            <a:ext cx="1660966" cy="1342664"/>
+          </a:xfrm>
+          <a:prstGeom prst="line">
+            <a:avLst/>
+          </a:prstGeom>
+        </p:spPr>
+        <p:style>
+          <a:lnRef idx="2">
+            <a:schemeClr val="accent3"/>
+          </a:lnRef>
+          <a:fillRef idx="0">
+            <a:schemeClr val="accent3"/>
+          </a:fillRef>
+          <a:effectRef idx="1">
+            <a:schemeClr val="accent3"/>
+          </a:effectRef>
+          <a:fontRef idx="minor">
+            <a:schemeClr val="tx1"/>
+          </a:fontRef>
+        </p:style>
+      </p:cxnSp>
+    </p:spTree>
+    <p:extLst>
+      <p:ext uri="{BB962C8B-B14F-4D97-AF65-F5344CB8AC3E}">
+        <p14:creationId xmlns:p14="http://schemas.microsoft.com/office/powerpoint/2010/main" val="4116624826"/>
+      </p:ext>
+    </p:extLst>
+  </p:cSld>
+  <p:clrMapOvr>
+    <a:masterClrMapping/>
+  </p:clrMapOvr>
+  <p:timing>
+    <p:tnLst>
+      <p:par>
+        <p:cTn id="1" dur="indefinite" restart="never" nodeType="tmRoot"/>
+      </p:par>
+    </p:tnLst>
+  </p:timing>
+</p:sld>
+</file>
+
+<file path=ppt/slides/slide13.xml><?xml version="1.0" encoding="utf-8"?>
+<p:sld xmlns:a="http://schemas.openxmlformats.org/drawingml/2006/main" xmlns:r="http://schemas.openxmlformats.org/officeDocument/2006/relationships" xmlns:p="http://schemas.openxmlformats.org/presentationml/2006/main">
+  <p:cSld>
+    <p:spTree>
+      <p:nvGrpSpPr>
+        <p:cNvPr id="1" name=""/>
+        <p:cNvGrpSpPr/>
+        <p:nvPr/>
+      </p:nvGrpSpPr>
+      <p:grpSpPr>
+        <a:xfrm>
+          <a:off x="0" y="0"/>
+          <a:ext cx="0" cy="0"/>
+          <a:chOff x="0" y="0"/>
+          <a:chExt cx="0" cy="0"/>
+        </a:xfrm>
+      </p:grpSpPr>
+      <p:sp>
+        <p:nvSpPr>
+          <p:cNvPr id="2" name="Title 1"/>
+          <p:cNvSpPr>
+            <a:spLocks noGrp="1"/>
+          </p:cNvSpPr>
+          <p:nvPr>
+            <p:ph type="title"/>
+          </p:nvPr>
+        </p:nvSpPr>
+        <p:spPr>
+          <a:xfrm>
             <a:off x="489075" y="364572"/>
             <a:ext cx="8596668" cy="1320800"/>
           </a:xfrm>
@@ -7198,12 +6898,8 @@
           <a:lstStyle/>
           <a:p>
             <a:r>
-              <a:rPr lang="en-GB" sz="4200" b="1" dirty="0" err="1" smtClean="0"/>
-              <a:t>Detrended</a:t>
-            </a:r>
-            <a:r>
               <a:rPr lang="en-GB" sz="4200" b="1" dirty="0" smtClean="0"/>
-              <a:t> Fluctuation Analysis: an overview</a:t>
+              <a:t>De-trended Fluctuation Analysis: an overview</a:t>
             </a:r>
             <a:endParaRPr lang="en-US" sz="4200" b="1" dirty="0"/>
           </a:p>
@@ -7554,7 +7250,7 @@
 </p:sld>
 </file>
 
-<file path=ppt/slides/slide13.xml><?xml version="1.0" encoding="utf-8"?>
+<file path=ppt/slides/slide14.xml><?xml version="1.0" encoding="utf-8"?>
 <p:sld xmlns:a="http://schemas.openxmlformats.org/drawingml/2006/main" xmlns:r="http://schemas.openxmlformats.org/officeDocument/2006/relationships" xmlns:p="http://schemas.openxmlformats.org/presentationml/2006/main">
   <p:cSld>
     <p:spTree>
@@ -7592,8 +7288,8 @@
           <a:lstStyle/>
           <a:p>
             <a:r>
-              <a:rPr lang="en-GB" sz="4200" b="1" dirty="0" smtClean="0"/>
-              <a:t>Validation</a:t>
+              <a:rPr lang="en-GB" sz="4200" b="1" dirty="0"/>
+              <a:t>De-trended Fluctuation Analysis</a:t>
             </a:r>
             <a:endParaRPr lang="en-US" sz="4200" b="1" dirty="0"/>
           </a:p>
@@ -7615,7 +7311,7 @@
         </p:blipFill>
         <p:spPr>
           <a:xfrm>
-            <a:off x="103836" y="1390918"/>
+            <a:off x="103836" y="1884408"/>
             <a:ext cx="5905500" cy="1895475"/>
           </a:xfrm>
           <a:prstGeom prst="rect">
@@ -7639,7 +7335,7 @@
         </p:blipFill>
         <p:spPr>
           <a:xfrm>
-            <a:off x="6183140" y="1390918"/>
+            <a:off x="6183140" y="1884408"/>
             <a:ext cx="5905500" cy="1893195"/>
           </a:xfrm>
           <a:prstGeom prst="rect">
@@ -7663,7 +7359,7 @@
         </p:blipFill>
         <p:spPr>
           <a:xfrm>
-            <a:off x="6183140" y="3978790"/>
+            <a:off x="6183140" y="4472280"/>
             <a:ext cx="5905500" cy="1905000"/>
           </a:xfrm>
           <a:prstGeom prst="rect">
@@ -7687,7 +7383,7 @@
         </p:blipFill>
         <p:spPr>
           <a:xfrm>
-            <a:off x="103836" y="3978790"/>
+            <a:off x="103836" y="4472280"/>
             <a:ext cx="5905500" cy="1905000"/>
           </a:xfrm>
           <a:prstGeom prst="rect">
@@ -7705,7 +7401,7 @@
         </p:nvSpPr>
         <p:spPr>
           <a:xfrm>
-            <a:off x="6976055" y="3348732"/>
+            <a:off x="6976055" y="3842222"/>
             <a:ext cx="4319669" cy="327180"/>
           </a:xfrm>
           <a:prstGeom prst="rect">
@@ -7965,7 +7661,7 @@
         </p:nvSpPr>
         <p:spPr>
           <a:xfrm>
-            <a:off x="1049151" y="3348732"/>
+            <a:off x="1049151" y="3842222"/>
             <a:ext cx="4319669" cy="327180"/>
           </a:xfrm>
           <a:prstGeom prst="rect">
@@ -8225,7 +7921,7 @@
         </p:nvSpPr>
         <p:spPr>
           <a:xfrm>
-            <a:off x="6976054" y="6037330"/>
+            <a:off x="6976054" y="6530820"/>
             <a:ext cx="4319669" cy="327180"/>
           </a:xfrm>
           <a:prstGeom prst="rect">
@@ -8485,7 +8181,7 @@
         </p:nvSpPr>
         <p:spPr>
           <a:xfrm>
-            <a:off x="1049151" y="6037330"/>
+            <a:off x="1049151" y="6530820"/>
             <a:ext cx="4319669" cy="327180"/>
           </a:xfrm>
           <a:prstGeom prst="rect">
@@ -8735,179 +8431,75 @@
           </a:p>
         </p:txBody>
       </p:sp>
-    </p:spTree>
-    <p:extLst>
-      <p:ext uri="{BB962C8B-B14F-4D97-AF65-F5344CB8AC3E}">
-        <p14:creationId xmlns:p14="http://schemas.microsoft.com/office/powerpoint/2010/main" val="1169484464"/>
-      </p:ext>
-    </p:extLst>
-  </p:cSld>
-  <p:clrMapOvr>
-    <a:masterClrMapping/>
-  </p:clrMapOvr>
-  <p:timing>
-    <p:tnLst>
-      <p:par>
-        <p:cTn id="1" dur="indefinite" restart="never" nodeType="tmRoot"/>
-      </p:par>
-    </p:tnLst>
-  </p:timing>
-</p:sld>
-</file>
-
-<file path=ppt/slides/slide14.xml><?xml version="1.0" encoding="utf-8"?>
-<p:sld xmlns:a="http://schemas.openxmlformats.org/drawingml/2006/main" xmlns:r="http://schemas.openxmlformats.org/officeDocument/2006/relationships" xmlns:p="http://schemas.openxmlformats.org/presentationml/2006/main">
-  <p:cSld>
-    <p:spTree>
-      <p:nvGrpSpPr>
-        <p:cNvPr id="1" name=""/>
-        <p:cNvGrpSpPr/>
-        <p:nvPr/>
-      </p:nvGrpSpPr>
-      <p:grpSpPr>
-        <a:xfrm>
-          <a:off x="0" y="0"/>
-          <a:ext cx="0" cy="0"/>
-          <a:chOff x="0" y="0"/>
-          <a:chExt cx="0" cy="0"/>
-        </a:xfrm>
-      </p:grpSpPr>
       <p:sp>
         <p:nvSpPr>
-          <p:cNvPr id="2" name="Title 1"/>
-          <p:cNvSpPr>
-            <a:spLocks noGrp="1"/>
-          </p:cNvSpPr>
-          <p:nvPr>
-            <p:ph type="title"/>
-          </p:nvPr>
+          <p:cNvPr id="3" name="Rectangle 2"/>
+          <p:cNvSpPr/>
+          <p:nvPr/>
         </p:nvSpPr>
         <p:spPr>
           <a:xfrm>
-            <a:off x="341157" y="354106"/>
-            <a:ext cx="8596668" cy="1320800"/>
+            <a:off x="421840" y="1088040"/>
+            <a:ext cx="7969806" cy="461665"/>
           </a:xfrm>
+          <a:prstGeom prst="rect">
+            <a:avLst/>
+          </a:prstGeom>
         </p:spPr>
         <p:txBody>
-          <a:bodyPr>
-            <a:normAutofit/>
+          <a:bodyPr wrap="square">
+            <a:spAutoFit/>
           </a:bodyPr>
           <a:lstStyle/>
           <a:p>
             <a:r>
-              <a:rPr lang="en-GB" sz="4200" b="1" dirty="0" smtClean="0"/>
-              <a:t>Validation</a:t>
-            </a:r>
-            <a:endParaRPr lang="en-US" sz="4200" b="1" dirty="0"/>
-          </a:p>
-        </p:txBody>
-      </p:sp>
-      <p:sp>
-        <p:nvSpPr>
-          <p:cNvPr id="3" name="Content Placeholder 2"/>
-          <p:cNvSpPr>
-            <a:spLocks noGrp="1"/>
-          </p:cNvSpPr>
-          <p:nvPr>
-            <p:ph idx="1"/>
-          </p:nvPr>
-        </p:nvSpPr>
-        <p:spPr>
-          <a:xfrm>
-            <a:off x="462181" y="1674906"/>
-            <a:ext cx="10900584" cy="3880773"/>
-          </a:xfrm>
-        </p:spPr>
-        <p:txBody>
-          <a:bodyPr>
-            <a:noAutofit/>
-          </a:bodyPr>
-          <a:lstStyle/>
-          <a:p>
-            <a:r>
-              <a:rPr lang="en-GB" sz="2400" dirty="0" smtClean="0"/>
-              <a:t>Threshold: </a:t>
-            </a:r>
-            <a:r>
-              <a:rPr lang="en-GB" sz="2400" dirty="0"/>
-              <a:t>	</a:t>
-            </a:r>
-            <a:r>
-              <a:rPr lang="en-GB" sz="2400" dirty="0" smtClean="0"/>
-              <a:t>- </a:t>
-            </a:r>
-            <a:r>
-              <a:rPr lang="en-GB" sz="2400" dirty="0" err="1" smtClean="0"/>
+              <a:rPr lang="en-GB" sz="2400" b="1" u="sng" dirty="0" smtClean="0"/>
+              <a:t>Statement</a:t>
+            </a:r>
+            <a:r>
+              <a:rPr lang="en-GB" sz="2400" b="1" dirty="0" smtClean="0"/>
+              <a:t>: </a:t>
+            </a:r>
+            <a:r>
+              <a:rPr lang="en-GB" sz="2400" b="1" dirty="0" err="1" smtClean="0">
+                <a:solidFill>
+                  <a:schemeClr val="accent4"/>
+                </a:solidFill>
+              </a:rPr>
               <a:t>DFA</a:t>
             </a:r>
             <a:r>
-              <a:rPr lang="en-GB" sz="2400" dirty="0" smtClean="0"/>
-              <a:t> &gt; 1: MI detected</a:t>
-            </a:r>
-          </a:p>
-          <a:p>
-            <a:pPr marL="1828800" lvl="4" indent="0">
-              <a:buNone/>
-            </a:pPr>
-            <a:r>
-              <a:rPr lang="en-GB" sz="2400" dirty="0" smtClean="0"/>
-              <a:t>	- </a:t>
-            </a:r>
-            <a:r>
-              <a:rPr lang="en-GB" sz="2400" dirty="0" err="1" smtClean="0"/>
-              <a:t>DFA</a:t>
-            </a:r>
-            <a:r>
-              <a:rPr lang="en-GB" sz="2400" dirty="0" smtClean="0"/>
-              <a:t> &lt; 1: No ST Deviation detected</a:t>
-            </a:r>
-          </a:p>
-          <a:p>
-            <a:pPr marL="363538" lvl="4" indent="-363538"/>
-            <a:r>
-              <a:rPr lang="en-GB" sz="2400" dirty="0" smtClean="0"/>
-              <a:t>Validation:	- 7 records of transient ST Depression: 6 corrected</a:t>
-            </a:r>
-          </a:p>
-          <a:p>
-            <a:pPr marL="1828800" lvl="8" indent="0">
-              <a:buNone/>
-            </a:pPr>
-            <a:r>
-              <a:rPr lang="en-GB" sz="2400" dirty="0" smtClean="0"/>
-              <a:t>	- 9 records of no transient ST Depression: 3 corrected</a:t>
-            </a:r>
-          </a:p>
-          <a:p>
-            <a:pPr marL="1828800" lvl="8" indent="0">
-              <a:buNone/>
-            </a:pPr>
-            <a:r>
-              <a:rPr lang="en-GB" sz="2400" dirty="0" smtClean="0"/>
-              <a:t>	- 10 records of normal control: 8 corrected</a:t>
-            </a:r>
-          </a:p>
-          <a:p>
-            <a:pPr marL="363538" lvl="8" indent="-363538"/>
-            <a:r>
-              <a:rPr lang="en-GB" sz="2400" dirty="0" smtClean="0"/>
-              <a:t>Sensitivity: 	- 56%</a:t>
-            </a:r>
-          </a:p>
-          <a:p>
-            <a:pPr marL="363538" lvl="8" indent="-363538"/>
-            <a:r>
-              <a:rPr lang="en-GB" sz="2400" dirty="0" smtClean="0"/>
-              <a:t>Specificity:	- 80%</a:t>
-            </a:r>
-            <a:endParaRPr lang="en-GB" sz="2400" dirty="0"/>
+              <a:rPr lang="en-GB" sz="2400" b="1" dirty="0" smtClean="0">
+                <a:solidFill>
+                  <a:schemeClr val="accent4"/>
+                </a:solidFill>
+              </a:rPr>
+              <a:t> </a:t>
+            </a:r>
+            <a:r>
+              <a:rPr lang="en-GB" sz="2400" b="1" dirty="0" smtClean="0"/>
+              <a:t>&gt; 1, then </a:t>
+            </a:r>
+            <a:r>
+              <a:rPr lang="en-GB" sz="2400" b="1" dirty="0" smtClean="0">
+                <a:solidFill>
+                  <a:schemeClr val="accent4"/>
+                </a:solidFill>
+              </a:rPr>
+              <a:t>score = score + 1</a:t>
+            </a:r>
+            <a:r>
+              <a:rPr lang="en-GB" sz="2400" b="1" dirty="0" smtClean="0"/>
+              <a:t>;</a:t>
+            </a:r>
+            <a:endParaRPr lang="en-GB" sz="2400" b="1" dirty="0"/>
           </a:p>
         </p:txBody>
       </p:sp>
     </p:spTree>
     <p:extLst>
       <p:ext uri="{BB962C8B-B14F-4D97-AF65-F5344CB8AC3E}">
-        <p14:creationId xmlns:p14="http://schemas.microsoft.com/office/powerpoint/2010/main" val="1937948314"/>
+        <p14:creationId xmlns:p14="http://schemas.microsoft.com/office/powerpoint/2010/main" val="1169484464"/>
       </p:ext>
     </p:extLst>
   </p:cSld>
@@ -8951,7 +8543,12 @@
             <p:ph type="title"/>
           </p:nvPr>
         </p:nvSpPr>
-        <p:spPr/>
+        <p:spPr>
+          <a:xfrm>
+            <a:off x="341157" y="354106"/>
+            <a:ext cx="8596668" cy="1320800"/>
+          </a:xfrm>
+        </p:spPr>
         <p:txBody>
           <a:bodyPr>
             <a:normAutofit/>
@@ -8960,7 +8557,7 @@
           <a:p>
             <a:r>
               <a:rPr lang="en-GB" sz="4200" b="1" dirty="0" smtClean="0"/>
-              <a:t>VI. Conclusion and Discussion</a:t>
+              <a:t>Result: risk score</a:t>
             </a:r>
             <a:endParaRPr lang="en-US" sz="4200" b="1" dirty="0"/>
           </a:p>
@@ -8968,7 +8565,7 @@
       </p:sp>
       <p:sp>
         <p:nvSpPr>
-          <p:cNvPr id="3" name="Content Placeholder 2"/>
+          <p:cNvPr id="4" name="Content Placeholder 3"/>
           <p:cNvSpPr>
             <a:spLocks noGrp="1"/>
           </p:cNvSpPr>
@@ -8978,204 +8575,1229 @@
         </p:nvSpPr>
         <p:spPr>
           <a:xfrm>
-            <a:off x="515970" y="1674906"/>
-            <a:ext cx="9206254" cy="3880773"/>
+            <a:off x="341157" y="1223039"/>
+            <a:ext cx="8596668" cy="3880773"/>
           </a:xfrm>
         </p:spPr>
         <p:txBody>
           <a:bodyPr>
-            <a:noAutofit/>
+            <a:normAutofit/>
           </a:bodyPr>
           <a:lstStyle/>
           <a:p>
             <a:r>
               <a:rPr lang="en-GB" sz="2400" dirty="0" smtClean="0"/>
-              <a:t>In order to obtain good result using </a:t>
+              <a:t>A database of </a:t>
+            </a:r>
+            <a:r>
+              <a:rPr lang="en-GB" sz="2400" dirty="0" smtClean="0"/>
+              <a:t>31,000+ </a:t>
+            </a:r>
+            <a:r>
+              <a:rPr lang="en-GB" sz="2400" dirty="0" smtClean="0"/>
+              <a:t>entries created, each entry has 4 features: ST slope, ST deviation, T amp and </a:t>
             </a:r>
             <a:r>
               <a:rPr lang="en-GB" sz="2400" dirty="0" err="1" smtClean="0"/>
-              <a:t>ECG</a:t>
+              <a:t>DFA</a:t>
             </a:r>
             <a:r>
               <a:rPr lang="en-GB" sz="2400" dirty="0" smtClean="0"/>
-              <a:t>, </a:t>
-            </a:r>
-            <a:r>
-              <a:rPr lang="en-GB" sz="2400" b="1" dirty="0" err="1" smtClean="0">
-                <a:solidFill>
-                  <a:schemeClr val="accent4"/>
-                </a:solidFill>
-              </a:rPr>
-              <a:t>QRS</a:t>
-            </a:r>
-            <a:r>
-              <a:rPr lang="en-GB" sz="2400" b="1" dirty="0" smtClean="0">
-                <a:solidFill>
-                  <a:schemeClr val="accent4"/>
-                </a:solidFill>
-              </a:rPr>
-              <a:t> detection </a:t>
-            </a:r>
+              <a:t> value</a:t>
+            </a:r>
+          </a:p>
+          <a:p>
             <a:r>
               <a:rPr lang="en-GB" sz="2400" dirty="0" smtClean="0"/>
-              <a:t>need to be </a:t>
-            </a:r>
-            <a:r>
-              <a:rPr lang="en-GB" sz="2400" b="1" dirty="0" smtClean="0">
-                <a:solidFill>
-                  <a:schemeClr val="accent4"/>
-                </a:solidFill>
-              </a:rPr>
-              <a:t>extremely precise</a:t>
-            </a:r>
-          </a:p>
-          <a:p>
-            <a:r>
-              <a:rPr lang="en-GB" sz="2400" b="1" dirty="0" err="1" smtClean="0">
-                <a:solidFill>
-                  <a:schemeClr val="accent4"/>
-                </a:solidFill>
-              </a:rPr>
-              <a:t>DFA</a:t>
-            </a:r>
-            <a:r>
-              <a:rPr lang="en-GB" sz="2400" dirty="0" smtClean="0">
-                <a:solidFill>
-                  <a:schemeClr val="accent4"/>
-                </a:solidFill>
-              </a:rPr>
-              <a:t> </a:t>
-            </a:r>
-            <a:r>
-              <a:rPr lang="en-GB" sz="2400" dirty="0" smtClean="0"/>
-              <a:t>is found to be </a:t>
-            </a:r>
-            <a:r>
-              <a:rPr lang="en-GB" sz="2400" b="1" dirty="0" smtClean="0">
-                <a:solidFill>
-                  <a:schemeClr val="accent4"/>
-                </a:solidFill>
-              </a:rPr>
-              <a:t>valuable</a:t>
-            </a:r>
-            <a:r>
-              <a:rPr lang="en-GB" sz="2400" dirty="0" smtClean="0">
-                <a:solidFill>
-                  <a:schemeClr val="accent4"/>
-                </a:solidFill>
-              </a:rPr>
-              <a:t> </a:t>
-            </a:r>
-            <a:r>
-              <a:rPr lang="en-GB" sz="2400" dirty="0" smtClean="0"/>
-              <a:t>in detection of transient Myocardial Infarction</a:t>
-            </a:r>
-          </a:p>
-          <a:p>
-            <a:r>
-              <a:rPr lang="en-GB" sz="2400" dirty="0" smtClean="0"/>
-              <a:t>The </a:t>
-            </a:r>
-            <a:r>
-              <a:rPr lang="en-GB" sz="2400" b="1" dirty="0" smtClean="0">
-                <a:solidFill>
-                  <a:schemeClr val="accent4"/>
-                </a:solidFill>
-              </a:rPr>
-              <a:t>higher the </a:t>
-            </a:r>
-            <a:r>
-              <a:rPr lang="en-GB" sz="2400" b="1" dirty="0" err="1" smtClean="0">
-                <a:solidFill>
-                  <a:schemeClr val="accent4"/>
-                </a:solidFill>
-              </a:rPr>
-              <a:t>DFA</a:t>
-            </a:r>
-            <a:r>
-              <a:rPr lang="en-GB" sz="2400" dirty="0" smtClean="0"/>
-              <a:t>, the more severe the ST Deviation, the </a:t>
-            </a:r>
-            <a:r>
-              <a:rPr lang="en-GB" sz="2400" b="1" dirty="0" smtClean="0">
-                <a:solidFill>
-                  <a:schemeClr val="accent4"/>
-                </a:solidFill>
-              </a:rPr>
-              <a:t>more dangerous </a:t>
-            </a:r>
-            <a:r>
-              <a:rPr lang="en-GB" sz="2400" dirty="0" smtClean="0"/>
-              <a:t>the case of MI</a:t>
-            </a:r>
-          </a:p>
-          <a:p>
-            <a:r>
-              <a:rPr lang="en-GB" sz="2400" dirty="0" smtClean="0"/>
-              <a:t>However, its ability to </a:t>
-            </a:r>
-            <a:r>
-              <a:rPr lang="en-GB" sz="2400" b="1" dirty="0" smtClean="0">
-                <a:solidFill>
-                  <a:schemeClr val="accent4"/>
-                </a:solidFill>
-              </a:rPr>
-              <a:t>distinguish</a:t>
-            </a:r>
-            <a:r>
-              <a:rPr lang="en-GB" sz="2400" dirty="0" smtClean="0">
-                <a:solidFill>
-                  <a:schemeClr val="accent4"/>
-                </a:solidFill>
-              </a:rPr>
-              <a:t> </a:t>
-            </a:r>
-            <a:r>
-              <a:rPr lang="en-GB" sz="2400" dirty="0" smtClean="0"/>
-              <a:t>ST change MI with </a:t>
-            </a:r>
-            <a:r>
-              <a:rPr lang="en-GB" sz="2400" b="1" dirty="0" smtClean="0">
-                <a:solidFill>
-                  <a:schemeClr val="accent4"/>
-                </a:solidFill>
-              </a:rPr>
-              <a:t>no transient ST change MI is still poor</a:t>
-            </a:r>
-          </a:p>
-          <a:p>
-            <a:r>
-              <a:rPr lang="en-GB" sz="2400" b="1" dirty="0" smtClean="0">
-                <a:solidFill>
-                  <a:schemeClr val="accent4"/>
-                </a:solidFill>
-              </a:rPr>
-              <a:t>More features should be extracted </a:t>
-            </a:r>
-            <a:r>
-              <a:rPr lang="en-GB" sz="2400" dirty="0" smtClean="0"/>
-              <a:t>in order to reliably detect Myocardial Infarction using </a:t>
-            </a:r>
-            <a:r>
-              <a:rPr lang="en-GB" sz="2400" dirty="0" err="1" smtClean="0"/>
-              <a:t>ECG</a:t>
-            </a:r>
-            <a:r>
-              <a:rPr lang="en-GB" sz="2400" dirty="0" smtClean="0"/>
-              <a:t> </a:t>
-            </a:r>
-            <a:r>
-              <a:rPr lang="en-GB" sz="2400" dirty="0" err="1" smtClean="0"/>
-              <a:t>sigal</a:t>
+              <a:t>Risk score is calibrated, max is 4 and min is 0</a:t>
             </a:r>
             <a:endParaRPr lang="en-US" sz="2400" dirty="0"/>
           </a:p>
         </p:txBody>
       </p:sp>
+      <p:graphicFrame>
+        <p:nvGraphicFramePr>
+          <p:cNvPr id="6" name="Table 5"/>
+          <p:cNvGraphicFramePr>
+            <a:graphicFrameLocks noGrp="1"/>
+          </p:cNvGraphicFramePr>
+          <p:nvPr>
+            <p:extLst>
+              <p:ext uri="{D42A27DB-BD31-4B8C-83A1-F6EECF244321}">
+                <p14:modId xmlns:p14="http://schemas.microsoft.com/office/powerpoint/2010/main" val="2809936783"/>
+              </p:ext>
+            </p:extLst>
+          </p:nvPr>
+        </p:nvGraphicFramePr>
+        <p:xfrm>
+          <a:off x="453211" y="2543839"/>
+          <a:ext cx="11005724" cy="4198140"/>
+        </p:xfrm>
+        <a:graphic>
+          <a:graphicData uri="http://schemas.openxmlformats.org/drawingml/2006/table">
+            <a:tbl>
+              <a:tblPr>
+                <a:tableStyleId>{793D81CF-94F2-401A-BA57-92F5A7B2D0C5}</a:tableStyleId>
+              </a:tblPr>
+              <a:tblGrid>
+                <a:gridCol w="975466"/>
+                <a:gridCol w="1754361"/>
+                <a:gridCol w="1192192"/>
+                <a:gridCol w="4495456"/>
+                <a:gridCol w="2588249"/>
+              </a:tblGrid>
+              <a:tr h="393277">
+                <a:tc gridSpan="2">
+                  <a:txBody>
+                    <a:bodyPr/>
+                    <a:lstStyle/>
+                    <a:p>
+                      <a:pPr>
+                        <a:lnSpc>
+                          <a:spcPct val="150000"/>
+                        </a:lnSpc>
+                        <a:spcAft>
+                          <a:spcPts val="0"/>
+                        </a:spcAft>
+                      </a:pPr>
+                      <a:r>
+                        <a:rPr lang="en-US" sz="2000" dirty="0">
+                          <a:effectLst/>
+                        </a:rPr>
+                        <a:t> </a:t>
+                      </a:r>
+                      <a:endParaRPr lang="en-US" sz="2000" b="1" dirty="0">
+                        <a:effectLst/>
+                        <a:latin typeface="Calibri" panose="020F0502020204030204" pitchFamily="34" charset="0"/>
+                        <a:ea typeface="MS Mincho"/>
+                        <a:cs typeface="Times New Roman" panose="02020603050405020304" pitchFamily="18" charset="0"/>
+                      </a:endParaRPr>
+                    </a:p>
+                  </a:txBody>
+                  <a:tcPr marL="0" marR="0" marT="0" marB="0" anchor="b"/>
+                </a:tc>
+                <a:tc hMerge="1">
+                  <a:txBody>
+                    <a:bodyPr/>
+                    <a:lstStyle/>
+                    <a:p>
+                      <a:endParaRPr lang="en-US"/>
+                    </a:p>
+                  </a:txBody>
+                  <a:tcPr/>
+                </a:tc>
+                <a:tc>
+                  <a:txBody>
+                    <a:bodyPr/>
+                    <a:lstStyle/>
+                    <a:p>
+                      <a:pPr marL="38100" marR="38100" algn="ctr">
+                        <a:lnSpc>
+                          <a:spcPts val="1600"/>
+                        </a:lnSpc>
+                        <a:spcAft>
+                          <a:spcPts val="0"/>
+                        </a:spcAft>
+                      </a:pPr>
+                      <a:r>
+                        <a:rPr lang="en-US" sz="2000">
+                          <a:effectLst/>
+                        </a:rPr>
+                        <a:t>Score</a:t>
+                      </a:r>
+                      <a:endParaRPr lang="en-US" sz="2000" b="1">
+                        <a:effectLst/>
+                        <a:latin typeface="Calibri" panose="020F0502020204030204" pitchFamily="34" charset="0"/>
+                        <a:ea typeface="MS Mincho"/>
+                        <a:cs typeface="Times New Roman" panose="02020603050405020304" pitchFamily="18" charset="0"/>
+                      </a:endParaRPr>
+                    </a:p>
+                  </a:txBody>
+                  <a:tcPr marL="0" marR="0" marT="0" marB="0" anchor="b"/>
+                </a:tc>
+                <a:tc>
+                  <a:txBody>
+                    <a:bodyPr/>
+                    <a:lstStyle/>
+                    <a:p>
+                      <a:pPr marL="38100" marR="38100" algn="ctr">
+                        <a:lnSpc>
+                          <a:spcPts val="1600"/>
+                        </a:lnSpc>
+                        <a:spcAft>
+                          <a:spcPts val="0"/>
+                        </a:spcAft>
+                      </a:pPr>
+                      <a:r>
+                        <a:rPr lang="en-US" sz="2000" dirty="0">
+                          <a:effectLst/>
+                        </a:rPr>
+                        <a:t>Description</a:t>
+                      </a:r>
+                      <a:endParaRPr lang="en-US" sz="2000" b="1" dirty="0">
+                        <a:effectLst/>
+                        <a:latin typeface="Calibri" panose="020F0502020204030204" pitchFamily="34" charset="0"/>
+                        <a:ea typeface="MS Mincho"/>
+                        <a:cs typeface="Times New Roman" panose="02020603050405020304" pitchFamily="18" charset="0"/>
+                      </a:endParaRPr>
+                    </a:p>
+                  </a:txBody>
+                  <a:tcPr marL="0" marR="0" marT="0" marB="0" anchor="b"/>
+                </a:tc>
+                <a:tc>
+                  <a:txBody>
+                    <a:bodyPr/>
+                    <a:lstStyle/>
+                    <a:p>
+                      <a:pPr marL="38100" marR="38100" algn="ctr">
+                        <a:lnSpc>
+                          <a:spcPts val="1600"/>
+                        </a:lnSpc>
+                        <a:spcAft>
+                          <a:spcPts val="0"/>
+                        </a:spcAft>
+                      </a:pPr>
+                      <a:endParaRPr lang="en-US" sz="2000" dirty="0" smtClean="0">
+                        <a:effectLst/>
+                      </a:endParaRPr>
+                    </a:p>
+                    <a:p>
+                      <a:pPr marL="38100" marR="38100" algn="ctr">
+                        <a:lnSpc>
+                          <a:spcPts val="1600"/>
+                        </a:lnSpc>
+                        <a:spcAft>
+                          <a:spcPts val="0"/>
+                        </a:spcAft>
+                      </a:pPr>
+                      <a:r>
+                        <a:rPr lang="en-US" sz="2000" dirty="0" smtClean="0">
+                          <a:effectLst/>
+                        </a:rPr>
+                        <a:t>Disease </a:t>
+                      </a:r>
+                      <a:r>
+                        <a:rPr lang="en-US" sz="2000" dirty="0">
+                          <a:effectLst/>
+                        </a:rPr>
+                        <a:t>types</a:t>
+                      </a:r>
+                      <a:endParaRPr lang="en-US" sz="2000" b="1" dirty="0">
+                        <a:effectLst/>
+                        <a:latin typeface="Calibri" panose="020F0502020204030204" pitchFamily="34" charset="0"/>
+                        <a:ea typeface="MS Mincho"/>
+                        <a:cs typeface="Times New Roman" panose="02020603050405020304" pitchFamily="18" charset="0"/>
+                      </a:endParaRPr>
+                    </a:p>
+                  </a:txBody>
+                  <a:tcPr marL="0" marR="0" marT="0" marB="0"/>
+                </a:tc>
+              </a:tr>
+              <a:tr h="432594">
+                <a:tc rowSpan="5">
+                  <a:txBody>
+                    <a:bodyPr/>
+                    <a:lstStyle/>
+                    <a:p>
+                      <a:pPr marL="38100" marR="38100">
+                        <a:lnSpc>
+                          <a:spcPts val="1600"/>
+                        </a:lnSpc>
+                        <a:spcAft>
+                          <a:spcPts val="0"/>
+                        </a:spcAft>
+                      </a:pPr>
+                      <a:endParaRPr lang="en-US" sz="2000" dirty="0" smtClean="0">
+                        <a:effectLst/>
+                      </a:endParaRPr>
+                    </a:p>
+                    <a:p>
+                      <a:pPr marL="38100" marR="38100">
+                        <a:lnSpc>
+                          <a:spcPts val="1600"/>
+                        </a:lnSpc>
+                        <a:spcAft>
+                          <a:spcPts val="0"/>
+                        </a:spcAft>
+                      </a:pPr>
+                      <a:endParaRPr lang="en-US" sz="2000" dirty="0" smtClean="0">
+                        <a:effectLst/>
+                      </a:endParaRPr>
+                    </a:p>
+                    <a:p>
+                      <a:pPr marL="38100" marR="38100">
+                        <a:lnSpc>
+                          <a:spcPts val="1600"/>
+                        </a:lnSpc>
+                        <a:spcAft>
+                          <a:spcPts val="0"/>
+                        </a:spcAft>
+                      </a:pPr>
+                      <a:endParaRPr lang="en-US" sz="2000" dirty="0" smtClean="0">
+                        <a:effectLst/>
+                      </a:endParaRPr>
+                    </a:p>
+                    <a:p>
+                      <a:pPr marL="38100" marR="38100">
+                        <a:lnSpc>
+                          <a:spcPts val="1600"/>
+                        </a:lnSpc>
+                        <a:spcAft>
+                          <a:spcPts val="0"/>
+                        </a:spcAft>
+                      </a:pPr>
+                      <a:endParaRPr lang="en-US" sz="2000" dirty="0" smtClean="0">
+                        <a:effectLst/>
+                      </a:endParaRPr>
+                    </a:p>
+                    <a:p>
+                      <a:pPr marL="38100" marR="38100">
+                        <a:lnSpc>
+                          <a:spcPts val="1600"/>
+                        </a:lnSpc>
+                        <a:spcAft>
+                          <a:spcPts val="0"/>
+                        </a:spcAft>
+                      </a:pPr>
+                      <a:endParaRPr lang="en-US" sz="2000" dirty="0" smtClean="0">
+                        <a:effectLst/>
+                      </a:endParaRPr>
+                    </a:p>
+                    <a:p>
+                      <a:pPr marL="38100" marR="38100">
+                        <a:lnSpc>
+                          <a:spcPts val="1600"/>
+                        </a:lnSpc>
+                        <a:spcAft>
+                          <a:spcPts val="0"/>
+                        </a:spcAft>
+                      </a:pPr>
+                      <a:endParaRPr lang="en-US" sz="2000" dirty="0" smtClean="0">
+                        <a:effectLst/>
+                      </a:endParaRPr>
+                    </a:p>
+                    <a:p>
+                      <a:pPr marL="38100" marR="38100">
+                        <a:lnSpc>
+                          <a:spcPts val="1600"/>
+                        </a:lnSpc>
+                        <a:spcAft>
+                          <a:spcPts val="0"/>
+                        </a:spcAft>
+                      </a:pPr>
+                      <a:endParaRPr lang="en-US" sz="2000" dirty="0" smtClean="0">
+                        <a:effectLst/>
+                      </a:endParaRPr>
+                    </a:p>
+                    <a:p>
+                      <a:pPr marL="38100" marR="38100">
+                        <a:lnSpc>
+                          <a:spcPts val="1600"/>
+                        </a:lnSpc>
+                        <a:spcAft>
+                          <a:spcPts val="0"/>
+                        </a:spcAft>
+                      </a:pPr>
+                      <a:endParaRPr lang="en-US" sz="2000" dirty="0" smtClean="0">
+                        <a:effectLst/>
+                      </a:endParaRPr>
+                    </a:p>
+                    <a:p>
+                      <a:pPr marL="38100" marR="38100">
+                        <a:lnSpc>
+                          <a:spcPts val="1600"/>
+                        </a:lnSpc>
+                        <a:spcAft>
+                          <a:spcPts val="0"/>
+                        </a:spcAft>
+                      </a:pPr>
+                      <a:r>
+                        <a:rPr lang="en-US" sz="2000" dirty="0" smtClean="0">
+                          <a:effectLst/>
+                        </a:rPr>
+                        <a:t>Valid</a:t>
+                      </a:r>
+                      <a:endParaRPr lang="en-US" sz="2000" dirty="0">
+                        <a:effectLst/>
+                        <a:latin typeface="Calibri" panose="020F0502020204030204" pitchFamily="34" charset="0"/>
+                        <a:ea typeface="MS Mincho"/>
+                        <a:cs typeface="Times New Roman" panose="02020603050405020304" pitchFamily="18" charset="0"/>
+                      </a:endParaRPr>
+                    </a:p>
+                  </a:txBody>
+                  <a:tcPr marL="0" marR="0" marT="0" marB="0"/>
+                </a:tc>
+                <a:tc>
+                  <a:txBody>
+                    <a:bodyPr/>
+                    <a:lstStyle/>
+                    <a:p>
+                      <a:pPr marL="38100" marR="38100">
+                        <a:lnSpc>
+                          <a:spcPts val="1600"/>
+                        </a:lnSpc>
+                        <a:spcAft>
+                          <a:spcPts val="0"/>
+                        </a:spcAft>
+                      </a:pPr>
+                      <a:endParaRPr lang="en-US" sz="2000" dirty="0" smtClean="0">
+                        <a:effectLst/>
+                      </a:endParaRPr>
+                    </a:p>
+                    <a:p>
+                      <a:pPr marL="38100" marR="38100">
+                        <a:lnSpc>
+                          <a:spcPts val="1600"/>
+                        </a:lnSpc>
+                        <a:spcAft>
+                          <a:spcPts val="0"/>
+                        </a:spcAft>
+                      </a:pPr>
+                      <a:r>
+                        <a:rPr lang="en-US" sz="2000" dirty="0" smtClean="0">
+                          <a:effectLst/>
+                        </a:rPr>
+                        <a:t>Normal</a:t>
+                      </a:r>
+                      <a:endParaRPr lang="en-US" sz="2000" dirty="0">
+                        <a:effectLst/>
+                        <a:latin typeface="Calibri" panose="020F0502020204030204" pitchFamily="34" charset="0"/>
+                        <a:ea typeface="MS Mincho"/>
+                        <a:cs typeface="Times New Roman" panose="02020603050405020304" pitchFamily="18" charset="0"/>
+                      </a:endParaRPr>
+                    </a:p>
+                  </a:txBody>
+                  <a:tcPr marL="0" marR="0" marT="0" marB="0"/>
+                </a:tc>
+                <a:tc>
+                  <a:txBody>
+                    <a:bodyPr/>
+                    <a:lstStyle/>
+                    <a:p>
+                      <a:pPr marR="38100" algn="ctr">
+                        <a:lnSpc>
+                          <a:spcPts val="1600"/>
+                        </a:lnSpc>
+                        <a:spcAft>
+                          <a:spcPts val="0"/>
+                        </a:spcAft>
+                      </a:pPr>
+                      <a:r>
+                        <a:rPr lang="en-US" sz="2000">
+                          <a:effectLst/>
+                        </a:rPr>
+                        <a:t>0</a:t>
+                      </a:r>
+                      <a:endParaRPr lang="en-US" sz="2000">
+                        <a:effectLst/>
+                        <a:latin typeface="Calibri" panose="020F0502020204030204" pitchFamily="34" charset="0"/>
+                        <a:ea typeface="MS Mincho"/>
+                        <a:cs typeface="Times New Roman" panose="02020603050405020304" pitchFamily="18" charset="0"/>
+                      </a:endParaRPr>
+                    </a:p>
+                  </a:txBody>
+                  <a:tcPr marL="0" marR="0" marT="0" marB="0" anchor="ctr"/>
+                </a:tc>
+                <a:tc>
+                  <a:txBody>
+                    <a:bodyPr/>
+                    <a:lstStyle/>
+                    <a:p>
+                      <a:pPr marL="38100" marR="38100">
+                        <a:lnSpc>
+                          <a:spcPts val="1600"/>
+                        </a:lnSpc>
+                        <a:spcAft>
+                          <a:spcPts val="0"/>
+                        </a:spcAft>
+                      </a:pPr>
+                      <a:r>
+                        <a:rPr lang="en-US" sz="2000">
+                          <a:effectLst/>
+                        </a:rPr>
+                        <a:t>Normal EKG</a:t>
+                      </a:r>
+                      <a:endParaRPr lang="en-US" sz="2000">
+                        <a:effectLst/>
+                        <a:latin typeface="Calibri" panose="020F0502020204030204" pitchFamily="34" charset="0"/>
+                        <a:ea typeface="MS Mincho"/>
+                        <a:cs typeface="Times New Roman" panose="02020603050405020304" pitchFamily="18" charset="0"/>
+                      </a:endParaRPr>
+                    </a:p>
+                  </a:txBody>
+                  <a:tcPr marL="0" marR="0" marT="0" marB="0" anchor="ctr"/>
+                </a:tc>
+                <a:tc>
+                  <a:txBody>
+                    <a:bodyPr/>
+                    <a:lstStyle/>
+                    <a:p>
+                      <a:pPr marL="38100" marR="38100">
+                        <a:lnSpc>
+                          <a:spcPts val="1600"/>
+                        </a:lnSpc>
+                        <a:spcAft>
+                          <a:spcPts val="0"/>
+                        </a:spcAft>
+                      </a:pPr>
+                      <a:endParaRPr lang="en-US" sz="2000" dirty="0" smtClean="0">
+                        <a:effectLst/>
+                      </a:endParaRPr>
+                    </a:p>
+                    <a:p>
+                      <a:pPr marL="38100" marR="38100">
+                        <a:lnSpc>
+                          <a:spcPts val="1600"/>
+                        </a:lnSpc>
+                        <a:spcAft>
+                          <a:spcPts val="0"/>
+                        </a:spcAft>
+                      </a:pPr>
+                      <a:r>
+                        <a:rPr lang="en-US" sz="2000" dirty="0" smtClean="0">
+                          <a:effectLst/>
+                        </a:rPr>
+                        <a:t>Healthy</a:t>
+                      </a:r>
+                      <a:endParaRPr lang="en-US" sz="2000" dirty="0">
+                        <a:effectLst/>
+                        <a:latin typeface="Calibri" panose="020F0502020204030204" pitchFamily="34" charset="0"/>
+                        <a:ea typeface="MS Mincho"/>
+                        <a:cs typeface="Times New Roman" panose="02020603050405020304" pitchFamily="18" charset="0"/>
+                      </a:endParaRPr>
+                    </a:p>
+                  </a:txBody>
+                  <a:tcPr marL="0" marR="0" marT="0" marB="0"/>
+                </a:tc>
+              </a:tr>
+              <a:tr h="601328">
+                <a:tc vMerge="1">
+                  <a:txBody>
+                    <a:bodyPr/>
+                    <a:lstStyle/>
+                    <a:p>
+                      <a:endParaRPr lang="en-US"/>
+                    </a:p>
+                  </a:txBody>
+                  <a:tcPr/>
+                </a:tc>
+                <a:tc>
+                  <a:txBody>
+                    <a:bodyPr/>
+                    <a:lstStyle/>
+                    <a:p>
+                      <a:pPr marL="38100" marR="38100">
+                        <a:lnSpc>
+                          <a:spcPts val="1600"/>
+                        </a:lnSpc>
+                        <a:spcAft>
+                          <a:spcPts val="0"/>
+                        </a:spcAft>
+                      </a:pPr>
+                      <a:endParaRPr lang="en-US" sz="2000" dirty="0" smtClean="0">
+                        <a:effectLst/>
+                      </a:endParaRPr>
+                    </a:p>
+                    <a:p>
+                      <a:pPr marL="38100" marR="38100">
+                        <a:lnSpc>
+                          <a:spcPts val="1600"/>
+                        </a:lnSpc>
+                        <a:spcAft>
+                          <a:spcPts val="0"/>
+                        </a:spcAft>
+                      </a:pPr>
+                      <a:r>
+                        <a:rPr lang="en-US" sz="2000" dirty="0" smtClean="0">
+                          <a:effectLst/>
+                        </a:rPr>
+                        <a:t>Caution</a:t>
+                      </a:r>
+                      <a:endParaRPr lang="en-US" sz="2000" dirty="0">
+                        <a:effectLst/>
+                        <a:latin typeface="Calibri" panose="020F0502020204030204" pitchFamily="34" charset="0"/>
+                        <a:ea typeface="MS Mincho"/>
+                        <a:cs typeface="Times New Roman" panose="02020603050405020304" pitchFamily="18" charset="0"/>
+                      </a:endParaRPr>
+                    </a:p>
+                  </a:txBody>
+                  <a:tcPr marL="0" marR="0" marT="0" marB="0"/>
+                </a:tc>
+                <a:tc>
+                  <a:txBody>
+                    <a:bodyPr/>
+                    <a:lstStyle/>
+                    <a:p>
+                      <a:pPr marR="38100" algn="ctr">
+                        <a:lnSpc>
+                          <a:spcPts val="1600"/>
+                        </a:lnSpc>
+                        <a:spcAft>
+                          <a:spcPts val="0"/>
+                        </a:spcAft>
+                      </a:pPr>
+                      <a:r>
+                        <a:rPr lang="en-US" sz="2000">
+                          <a:effectLst/>
+                        </a:rPr>
+                        <a:t>1</a:t>
+                      </a:r>
+                      <a:endParaRPr lang="en-US" sz="2000">
+                        <a:effectLst/>
+                        <a:latin typeface="Calibri" panose="020F0502020204030204" pitchFamily="34" charset="0"/>
+                        <a:ea typeface="MS Mincho"/>
+                        <a:cs typeface="Times New Roman" panose="02020603050405020304" pitchFamily="18" charset="0"/>
+                      </a:endParaRPr>
+                    </a:p>
+                  </a:txBody>
+                  <a:tcPr marL="0" marR="0" marT="0" marB="0" anchor="ctr"/>
+                </a:tc>
+                <a:tc>
+                  <a:txBody>
+                    <a:bodyPr/>
+                    <a:lstStyle/>
+                    <a:p>
+                      <a:pPr marL="38100" marR="38100">
+                        <a:lnSpc>
+                          <a:spcPts val="1600"/>
+                        </a:lnSpc>
+                        <a:spcAft>
+                          <a:spcPts val="0"/>
+                        </a:spcAft>
+                      </a:pPr>
+                      <a:r>
+                        <a:rPr lang="en-US" sz="2000">
+                          <a:effectLst/>
+                        </a:rPr>
+                        <a:t>Small ST deviation or T inversion</a:t>
+                      </a:r>
+                      <a:endParaRPr lang="en-US" sz="2000">
+                        <a:effectLst/>
+                        <a:latin typeface="Calibri" panose="020F0502020204030204" pitchFamily="34" charset="0"/>
+                        <a:ea typeface="MS Mincho"/>
+                        <a:cs typeface="Times New Roman" panose="02020603050405020304" pitchFamily="18" charset="0"/>
+                      </a:endParaRPr>
+                    </a:p>
+                  </a:txBody>
+                  <a:tcPr marL="0" marR="0" marT="0" marB="0" anchor="ctr"/>
+                </a:tc>
+                <a:tc>
+                  <a:txBody>
+                    <a:bodyPr/>
+                    <a:lstStyle/>
+                    <a:p>
+                      <a:pPr marL="38100" marR="38100">
+                        <a:lnSpc>
+                          <a:spcPts val="1600"/>
+                        </a:lnSpc>
+                        <a:spcAft>
+                          <a:spcPts val="0"/>
+                        </a:spcAft>
+                      </a:pPr>
+                      <a:endParaRPr lang="en-US" sz="2000" dirty="0" smtClean="0">
+                        <a:effectLst/>
+                      </a:endParaRPr>
+                    </a:p>
+                    <a:p>
+                      <a:pPr marL="38100" marR="38100">
+                        <a:lnSpc>
+                          <a:spcPts val="1600"/>
+                        </a:lnSpc>
+                        <a:spcAft>
+                          <a:spcPts val="0"/>
+                        </a:spcAft>
+                      </a:pPr>
+                      <a:r>
+                        <a:rPr lang="en-US" sz="2000" dirty="0" smtClean="0">
+                          <a:effectLst/>
+                        </a:rPr>
+                        <a:t>Postures </a:t>
+                      </a:r>
+                      <a:r>
+                        <a:rPr lang="en-US" sz="2000" dirty="0">
+                          <a:effectLst/>
+                        </a:rPr>
+                        <a:t>changes or anxiety</a:t>
+                      </a:r>
+                      <a:endParaRPr lang="en-US" sz="2000" dirty="0">
+                        <a:effectLst/>
+                        <a:latin typeface="Calibri" panose="020F0502020204030204" pitchFamily="34" charset="0"/>
+                        <a:ea typeface="MS Mincho"/>
+                        <a:cs typeface="Times New Roman" panose="02020603050405020304" pitchFamily="18" charset="0"/>
+                      </a:endParaRPr>
+                    </a:p>
+                  </a:txBody>
+                  <a:tcPr marL="0" marR="0" marT="0" marB="0"/>
+                </a:tc>
+              </a:tr>
+              <a:tr h="799842">
+                <a:tc vMerge="1">
+                  <a:txBody>
+                    <a:bodyPr/>
+                    <a:lstStyle/>
+                    <a:p>
+                      <a:endParaRPr lang="en-US"/>
+                    </a:p>
+                  </a:txBody>
+                  <a:tcPr/>
+                </a:tc>
+                <a:tc>
+                  <a:txBody>
+                    <a:bodyPr/>
+                    <a:lstStyle/>
+                    <a:p>
+                      <a:pPr marL="38100" marR="38100">
+                        <a:lnSpc>
+                          <a:spcPts val="1600"/>
+                        </a:lnSpc>
+                        <a:spcAft>
+                          <a:spcPts val="0"/>
+                        </a:spcAft>
+                      </a:pPr>
+                      <a:endParaRPr lang="en-US" sz="2000" dirty="0" smtClean="0">
+                        <a:effectLst/>
+                      </a:endParaRPr>
+                    </a:p>
+                    <a:p>
+                      <a:pPr marL="38100" marR="38100">
+                        <a:lnSpc>
+                          <a:spcPts val="1600"/>
+                        </a:lnSpc>
+                        <a:spcAft>
+                          <a:spcPts val="0"/>
+                        </a:spcAft>
+                      </a:pPr>
+                      <a:r>
+                        <a:rPr lang="en-US" sz="2000" dirty="0" smtClean="0">
+                          <a:effectLst/>
+                        </a:rPr>
+                        <a:t>Risk</a:t>
+                      </a:r>
+                      <a:endParaRPr lang="en-US" sz="2000" dirty="0">
+                        <a:effectLst/>
+                        <a:latin typeface="Calibri" panose="020F0502020204030204" pitchFamily="34" charset="0"/>
+                        <a:ea typeface="MS Mincho"/>
+                        <a:cs typeface="Times New Roman" panose="02020603050405020304" pitchFamily="18" charset="0"/>
+                      </a:endParaRPr>
+                    </a:p>
+                  </a:txBody>
+                  <a:tcPr marL="0" marR="0" marT="0" marB="0"/>
+                </a:tc>
+                <a:tc>
+                  <a:txBody>
+                    <a:bodyPr/>
+                    <a:lstStyle/>
+                    <a:p>
+                      <a:pPr marR="38100" algn="ctr">
+                        <a:lnSpc>
+                          <a:spcPts val="1600"/>
+                        </a:lnSpc>
+                        <a:spcAft>
+                          <a:spcPts val="0"/>
+                        </a:spcAft>
+                      </a:pPr>
+                      <a:r>
+                        <a:rPr lang="en-US" sz="2000" dirty="0">
+                          <a:effectLst/>
+                        </a:rPr>
+                        <a:t>2</a:t>
+                      </a:r>
+                      <a:endParaRPr lang="en-US" sz="2000" dirty="0">
+                        <a:effectLst/>
+                        <a:latin typeface="Calibri" panose="020F0502020204030204" pitchFamily="34" charset="0"/>
+                        <a:ea typeface="MS Mincho"/>
+                        <a:cs typeface="Times New Roman" panose="02020603050405020304" pitchFamily="18" charset="0"/>
+                      </a:endParaRPr>
+                    </a:p>
+                  </a:txBody>
+                  <a:tcPr marL="0" marR="0" marT="0" marB="0" anchor="ctr"/>
+                </a:tc>
+                <a:tc>
+                  <a:txBody>
+                    <a:bodyPr/>
+                    <a:lstStyle/>
+                    <a:p>
+                      <a:pPr marL="38100" marR="38100">
+                        <a:lnSpc>
+                          <a:spcPts val="1600"/>
+                        </a:lnSpc>
+                        <a:spcAft>
+                          <a:spcPts val="0"/>
+                        </a:spcAft>
+                      </a:pPr>
+                      <a:r>
+                        <a:rPr lang="en-US" sz="2000" dirty="0">
+                          <a:effectLst/>
+                        </a:rPr>
+                        <a:t>Transient ST deviation with </a:t>
+                      </a:r>
+                      <a:r>
+                        <a:rPr lang="en-US" sz="2000" dirty="0" err="1">
+                          <a:effectLst/>
+                        </a:rPr>
+                        <a:t>DFA</a:t>
+                      </a:r>
+                      <a:r>
+                        <a:rPr lang="en-US" sz="2000" dirty="0">
+                          <a:effectLst/>
+                        </a:rPr>
+                        <a:t> confirmation or with T inversion</a:t>
+                      </a:r>
+                      <a:endParaRPr lang="en-US" sz="2000" dirty="0">
+                        <a:effectLst/>
+                        <a:latin typeface="Calibri" panose="020F0502020204030204" pitchFamily="34" charset="0"/>
+                        <a:ea typeface="MS Mincho"/>
+                        <a:cs typeface="Times New Roman" panose="02020603050405020304" pitchFamily="18" charset="0"/>
+                      </a:endParaRPr>
+                    </a:p>
+                  </a:txBody>
+                  <a:tcPr marL="0" marR="0" marT="0" marB="0" anchor="ctr"/>
+                </a:tc>
+                <a:tc>
+                  <a:txBody>
+                    <a:bodyPr/>
+                    <a:lstStyle/>
+                    <a:p>
+                      <a:pPr marL="38100" marR="38100">
+                        <a:lnSpc>
+                          <a:spcPts val="1600"/>
+                        </a:lnSpc>
+                        <a:spcAft>
+                          <a:spcPts val="0"/>
+                        </a:spcAft>
+                      </a:pPr>
+                      <a:endParaRPr lang="en-US" sz="2000" dirty="0" smtClean="0">
+                        <a:effectLst/>
+                      </a:endParaRPr>
+                    </a:p>
+                    <a:p>
+                      <a:pPr marL="38100" marR="38100">
+                        <a:lnSpc>
+                          <a:spcPts val="1600"/>
+                        </a:lnSpc>
+                        <a:spcAft>
+                          <a:spcPts val="0"/>
+                        </a:spcAft>
+                      </a:pPr>
+                      <a:r>
+                        <a:rPr lang="en-US" sz="2000" dirty="0" smtClean="0">
+                          <a:effectLst/>
+                        </a:rPr>
+                        <a:t>Suspected </a:t>
+                      </a:r>
+                      <a:r>
+                        <a:rPr lang="en-US" sz="2000" dirty="0">
+                          <a:effectLst/>
+                        </a:rPr>
+                        <a:t>of myocardial injury or ischemia</a:t>
+                      </a:r>
+                      <a:endParaRPr lang="en-US" sz="2000" dirty="0">
+                        <a:effectLst/>
+                        <a:latin typeface="Calibri" panose="020F0502020204030204" pitchFamily="34" charset="0"/>
+                        <a:ea typeface="MS Mincho"/>
+                        <a:cs typeface="Times New Roman" panose="02020603050405020304" pitchFamily="18" charset="0"/>
+                      </a:endParaRPr>
+                    </a:p>
+                  </a:txBody>
+                  <a:tcPr marL="0" marR="0" marT="0" marB="0"/>
+                </a:tc>
+              </a:tr>
+              <a:tr h="799842">
+                <a:tc vMerge="1">
+                  <a:txBody>
+                    <a:bodyPr/>
+                    <a:lstStyle/>
+                    <a:p>
+                      <a:endParaRPr lang="en-US"/>
+                    </a:p>
+                  </a:txBody>
+                  <a:tcPr/>
+                </a:tc>
+                <a:tc>
+                  <a:txBody>
+                    <a:bodyPr/>
+                    <a:lstStyle/>
+                    <a:p>
+                      <a:pPr marL="38100" marR="38100">
+                        <a:lnSpc>
+                          <a:spcPts val="1600"/>
+                        </a:lnSpc>
+                        <a:spcAft>
+                          <a:spcPts val="0"/>
+                        </a:spcAft>
+                      </a:pPr>
+                      <a:endParaRPr lang="en-US" sz="2000" dirty="0" smtClean="0">
+                        <a:effectLst/>
+                      </a:endParaRPr>
+                    </a:p>
+                    <a:p>
+                      <a:pPr marL="38100" marR="38100">
+                        <a:lnSpc>
+                          <a:spcPts val="1600"/>
+                        </a:lnSpc>
+                        <a:spcAft>
+                          <a:spcPts val="0"/>
+                        </a:spcAft>
+                      </a:pPr>
+                      <a:r>
+                        <a:rPr lang="en-US" sz="2000" dirty="0" smtClean="0">
+                          <a:effectLst/>
+                        </a:rPr>
+                        <a:t>Danger </a:t>
+                      </a:r>
+                      <a:r>
+                        <a:rPr lang="en-US" sz="2000" dirty="0">
+                          <a:effectLst/>
+                        </a:rPr>
+                        <a:t>1</a:t>
+                      </a:r>
+                      <a:endParaRPr lang="en-US" sz="2000" dirty="0">
+                        <a:effectLst/>
+                        <a:latin typeface="Calibri" panose="020F0502020204030204" pitchFamily="34" charset="0"/>
+                        <a:ea typeface="MS Mincho"/>
+                        <a:cs typeface="Times New Roman" panose="02020603050405020304" pitchFamily="18" charset="0"/>
+                      </a:endParaRPr>
+                    </a:p>
+                  </a:txBody>
+                  <a:tcPr marL="0" marR="0" marT="0" marB="0"/>
+                </a:tc>
+                <a:tc>
+                  <a:txBody>
+                    <a:bodyPr/>
+                    <a:lstStyle/>
+                    <a:p>
+                      <a:pPr marR="38100" algn="ctr">
+                        <a:lnSpc>
+                          <a:spcPts val="1600"/>
+                        </a:lnSpc>
+                        <a:spcAft>
+                          <a:spcPts val="0"/>
+                        </a:spcAft>
+                      </a:pPr>
+                      <a:r>
+                        <a:rPr lang="en-US" sz="2000" dirty="0">
+                          <a:effectLst/>
+                        </a:rPr>
+                        <a:t>3</a:t>
+                      </a:r>
+                      <a:endParaRPr lang="en-US" sz="2000" dirty="0">
+                        <a:effectLst/>
+                        <a:latin typeface="Calibri" panose="020F0502020204030204" pitchFamily="34" charset="0"/>
+                        <a:ea typeface="MS Mincho"/>
+                        <a:cs typeface="Times New Roman" panose="02020603050405020304" pitchFamily="18" charset="0"/>
+                      </a:endParaRPr>
+                    </a:p>
+                  </a:txBody>
+                  <a:tcPr marL="0" marR="0" marT="0" marB="0" anchor="ctr"/>
+                </a:tc>
+                <a:tc>
+                  <a:txBody>
+                    <a:bodyPr/>
+                    <a:lstStyle/>
+                    <a:p>
+                      <a:pPr marL="38100" marR="38100">
+                        <a:lnSpc>
+                          <a:spcPts val="1600"/>
+                        </a:lnSpc>
+                        <a:spcAft>
+                          <a:spcPts val="0"/>
+                        </a:spcAft>
+                      </a:pPr>
+                      <a:r>
+                        <a:rPr lang="en-US" sz="2000" dirty="0">
+                          <a:effectLst/>
+                        </a:rPr>
+                        <a:t>Transient ST deviation, ST slope with </a:t>
+                      </a:r>
+                      <a:r>
+                        <a:rPr lang="en-US" sz="2000" dirty="0" err="1">
+                          <a:effectLst/>
+                        </a:rPr>
+                        <a:t>DFA</a:t>
+                      </a:r>
+                      <a:r>
+                        <a:rPr lang="en-US" sz="2000" dirty="0">
+                          <a:effectLst/>
+                        </a:rPr>
+                        <a:t> </a:t>
+                      </a:r>
+                      <a:r>
+                        <a:rPr lang="en-US" sz="2000" dirty="0" err="1">
+                          <a:effectLst/>
+                        </a:rPr>
+                        <a:t>comfirmation</a:t>
+                      </a:r>
+                      <a:endParaRPr lang="en-US" sz="2000" dirty="0">
+                        <a:effectLst/>
+                        <a:latin typeface="Calibri" panose="020F0502020204030204" pitchFamily="34" charset="0"/>
+                        <a:ea typeface="MS Mincho"/>
+                        <a:cs typeface="Times New Roman" panose="02020603050405020304" pitchFamily="18" charset="0"/>
+                      </a:endParaRPr>
+                    </a:p>
+                  </a:txBody>
+                  <a:tcPr marL="0" marR="0" marT="0" marB="0" anchor="ctr"/>
+                </a:tc>
+                <a:tc>
+                  <a:txBody>
+                    <a:bodyPr/>
+                    <a:lstStyle/>
+                    <a:p>
+                      <a:pPr marL="38100" marR="38100">
+                        <a:lnSpc>
+                          <a:spcPts val="1600"/>
+                        </a:lnSpc>
+                        <a:spcAft>
+                          <a:spcPts val="0"/>
+                        </a:spcAft>
+                      </a:pPr>
+                      <a:endParaRPr lang="en-US" sz="2000" dirty="0" smtClean="0">
+                        <a:effectLst/>
+                      </a:endParaRPr>
+                    </a:p>
+                    <a:p>
+                      <a:pPr marL="38100" marR="38100">
+                        <a:lnSpc>
+                          <a:spcPts val="1600"/>
+                        </a:lnSpc>
+                        <a:spcAft>
+                          <a:spcPts val="0"/>
+                        </a:spcAft>
+                      </a:pPr>
+                      <a:r>
+                        <a:rPr lang="en-US" sz="2000" dirty="0" smtClean="0">
+                          <a:effectLst/>
+                        </a:rPr>
+                        <a:t>Diagnosis </a:t>
+                      </a:r>
+                      <a:r>
+                        <a:rPr lang="en-US" sz="2000" dirty="0">
+                          <a:effectLst/>
+                        </a:rPr>
+                        <a:t>with ST elevation myocardial infarction</a:t>
+                      </a:r>
+                      <a:endParaRPr lang="en-US" sz="2000" dirty="0">
+                        <a:effectLst/>
+                        <a:latin typeface="Calibri" panose="020F0502020204030204" pitchFamily="34" charset="0"/>
+                        <a:ea typeface="MS Mincho"/>
+                        <a:cs typeface="Times New Roman" panose="02020603050405020304" pitchFamily="18" charset="0"/>
+                      </a:endParaRPr>
+                    </a:p>
+                  </a:txBody>
+                  <a:tcPr marL="0" marR="0" marT="0" marB="0"/>
+                </a:tc>
+              </a:tr>
+              <a:tr h="1073146">
+                <a:tc vMerge="1">
+                  <a:txBody>
+                    <a:bodyPr/>
+                    <a:lstStyle/>
+                    <a:p>
+                      <a:endParaRPr lang="en-US"/>
+                    </a:p>
+                  </a:txBody>
+                  <a:tcPr/>
+                </a:tc>
+                <a:tc>
+                  <a:txBody>
+                    <a:bodyPr/>
+                    <a:lstStyle/>
+                    <a:p>
+                      <a:pPr marL="38100" marR="38100">
+                        <a:lnSpc>
+                          <a:spcPts val="1600"/>
+                        </a:lnSpc>
+                        <a:spcAft>
+                          <a:spcPts val="0"/>
+                        </a:spcAft>
+                      </a:pPr>
+                      <a:endParaRPr lang="en-US" sz="2000" dirty="0" smtClean="0">
+                        <a:effectLst/>
+                      </a:endParaRPr>
+                    </a:p>
+                    <a:p>
+                      <a:pPr marL="38100" marR="38100">
+                        <a:lnSpc>
+                          <a:spcPts val="1600"/>
+                        </a:lnSpc>
+                        <a:spcAft>
+                          <a:spcPts val="0"/>
+                        </a:spcAft>
+                      </a:pPr>
+                      <a:endParaRPr lang="en-US" sz="2000" dirty="0" smtClean="0">
+                        <a:effectLst/>
+                      </a:endParaRPr>
+                    </a:p>
+                    <a:p>
+                      <a:pPr marL="38100" marR="38100">
+                        <a:lnSpc>
+                          <a:spcPts val="1600"/>
+                        </a:lnSpc>
+                        <a:spcAft>
+                          <a:spcPts val="0"/>
+                        </a:spcAft>
+                      </a:pPr>
+                      <a:endParaRPr lang="en-US" sz="2000" dirty="0" smtClean="0">
+                        <a:effectLst/>
+                      </a:endParaRPr>
+                    </a:p>
+                    <a:p>
+                      <a:pPr marL="38100" marR="38100">
+                        <a:lnSpc>
+                          <a:spcPts val="1600"/>
+                        </a:lnSpc>
+                        <a:spcAft>
+                          <a:spcPts val="0"/>
+                        </a:spcAft>
+                      </a:pPr>
+                      <a:r>
+                        <a:rPr lang="en-US" sz="2000" dirty="0" smtClean="0">
+                          <a:effectLst/>
+                        </a:rPr>
+                        <a:t>Danger </a:t>
+                      </a:r>
+                      <a:r>
+                        <a:rPr lang="en-US" sz="2000" dirty="0">
+                          <a:effectLst/>
+                        </a:rPr>
+                        <a:t>2</a:t>
+                      </a:r>
+                      <a:endParaRPr lang="en-US" sz="2000" dirty="0">
+                        <a:effectLst/>
+                        <a:latin typeface="Calibri" panose="020F0502020204030204" pitchFamily="34" charset="0"/>
+                        <a:ea typeface="MS Mincho"/>
+                        <a:cs typeface="Times New Roman" panose="02020603050405020304" pitchFamily="18" charset="0"/>
+                      </a:endParaRPr>
+                    </a:p>
+                  </a:txBody>
+                  <a:tcPr marL="0" marR="0" marT="0" marB="0"/>
+                </a:tc>
+                <a:tc>
+                  <a:txBody>
+                    <a:bodyPr/>
+                    <a:lstStyle/>
+                    <a:p>
+                      <a:pPr marR="38100" algn="ctr">
+                        <a:lnSpc>
+                          <a:spcPts val="1600"/>
+                        </a:lnSpc>
+                        <a:spcAft>
+                          <a:spcPts val="0"/>
+                        </a:spcAft>
+                      </a:pPr>
+                      <a:r>
+                        <a:rPr lang="en-US" sz="2000" dirty="0">
+                          <a:effectLst/>
+                        </a:rPr>
+                        <a:t>4</a:t>
+                      </a:r>
+                      <a:endParaRPr lang="en-US" sz="2000" dirty="0">
+                        <a:effectLst/>
+                        <a:latin typeface="Calibri" panose="020F0502020204030204" pitchFamily="34" charset="0"/>
+                        <a:ea typeface="MS Mincho"/>
+                        <a:cs typeface="Times New Roman" panose="02020603050405020304" pitchFamily="18" charset="0"/>
+                      </a:endParaRPr>
+                    </a:p>
+                  </a:txBody>
+                  <a:tcPr marL="0" marR="0" marT="0" marB="0" anchor="ctr"/>
+                </a:tc>
+                <a:tc>
+                  <a:txBody>
+                    <a:bodyPr/>
+                    <a:lstStyle/>
+                    <a:p>
+                      <a:pPr marL="38100" marR="38100">
+                        <a:lnSpc>
+                          <a:spcPts val="1600"/>
+                        </a:lnSpc>
+                        <a:spcAft>
+                          <a:spcPts val="0"/>
+                        </a:spcAft>
+                      </a:pPr>
+                      <a:r>
+                        <a:rPr lang="en-US" sz="2000" dirty="0">
+                          <a:effectLst/>
+                        </a:rPr>
+                        <a:t>Transient ST deviation, ST slope with </a:t>
+                      </a:r>
+                      <a:r>
+                        <a:rPr lang="en-US" sz="2000" dirty="0" err="1">
+                          <a:effectLst/>
+                        </a:rPr>
+                        <a:t>DFA</a:t>
+                      </a:r>
+                      <a:r>
+                        <a:rPr lang="en-US" sz="2000" dirty="0">
+                          <a:effectLst/>
+                        </a:rPr>
+                        <a:t> confirmation and T wave inversion</a:t>
+                      </a:r>
+                      <a:endParaRPr lang="en-US" sz="2000" dirty="0">
+                        <a:effectLst/>
+                        <a:latin typeface="Calibri" panose="020F0502020204030204" pitchFamily="34" charset="0"/>
+                        <a:ea typeface="MS Mincho"/>
+                        <a:cs typeface="Times New Roman" panose="02020603050405020304" pitchFamily="18" charset="0"/>
+                      </a:endParaRPr>
+                    </a:p>
+                  </a:txBody>
+                  <a:tcPr marL="0" marR="0" marT="0" marB="0" anchor="ctr"/>
+                </a:tc>
+                <a:tc>
+                  <a:txBody>
+                    <a:bodyPr/>
+                    <a:lstStyle/>
+                    <a:p>
+                      <a:pPr marL="38100" marR="38100">
+                        <a:lnSpc>
+                          <a:spcPts val="1600"/>
+                        </a:lnSpc>
+                        <a:spcAft>
+                          <a:spcPts val="0"/>
+                        </a:spcAft>
+                      </a:pPr>
+                      <a:endParaRPr lang="en-US" sz="2000" dirty="0" smtClean="0">
+                        <a:effectLst/>
+                      </a:endParaRPr>
+                    </a:p>
+                    <a:p>
+                      <a:pPr marL="38100" marR="38100">
+                        <a:lnSpc>
+                          <a:spcPts val="1600"/>
+                        </a:lnSpc>
+                        <a:spcAft>
+                          <a:spcPts val="0"/>
+                        </a:spcAft>
+                      </a:pPr>
+                      <a:r>
+                        <a:rPr lang="en-US" sz="2000" dirty="0" smtClean="0">
+                          <a:effectLst/>
+                        </a:rPr>
+                        <a:t>Diagnosis </a:t>
+                      </a:r>
+                      <a:r>
+                        <a:rPr lang="en-US" sz="2000" dirty="0">
+                          <a:effectLst/>
+                        </a:rPr>
+                        <a:t>with ST depression myocardial infarction</a:t>
+                      </a:r>
+                      <a:endParaRPr lang="en-US" sz="2000" dirty="0">
+                        <a:effectLst/>
+                        <a:latin typeface="Calibri" panose="020F0502020204030204" pitchFamily="34" charset="0"/>
+                        <a:ea typeface="MS Mincho"/>
+                        <a:cs typeface="Times New Roman" panose="02020603050405020304" pitchFamily="18" charset="0"/>
+                      </a:endParaRPr>
+                    </a:p>
+                  </a:txBody>
+                  <a:tcPr marL="0" marR="0" marT="0" marB="0"/>
+                </a:tc>
+              </a:tr>
+            </a:tbl>
+          </a:graphicData>
+        </a:graphic>
+      </p:graphicFrame>
     </p:spTree>
     <p:extLst>
       <p:ext uri="{BB962C8B-B14F-4D97-AF65-F5344CB8AC3E}">
-        <p14:creationId xmlns:p14="http://schemas.microsoft.com/office/powerpoint/2010/main" val="3604008901"/>
+        <p14:creationId xmlns:p14="http://schemas.microsoft.com/office/powerpoint/2010/main" val="1937948314"/>
       </p:ext>
     </p:extLst>
   </p:cSld>
@@ -9219,7 +9841,12 @@
             <p:ph type="title"/>
           </p:nvPr>
         </p:nvSpPr>
-        <p:spPr/>
+        <p:spPr>
+          <a:xfrm>
+            <a:off x="341157" y="354106"/>
+            <a:ext cx="8596668" cy="1320800"/>
+          </a:xfrm>
+        </p:spPr>
         <p:txBody>
           <a:bodyPr>
             <a:normAutofit/>
@@ -9228,7 +9855,7 @@
           <a:p>
             <a:r>
               <a:rPr lang="en-GB" sz="4200" b="1" dirty="0" smtClean="0"/>
-              <a:t>VII. References</a:t>
+              <a:t>Validation</a:t>
             </a:r>
             <a:endParaRPr lang="en-US" sz="4200" b="1" dirty="0"/>
           </a:p>
@@ -9236,7 +9863,7 @@
       </p:sp>
       <p:sp>
         <p:nvSpPr>
-          <p:cNvPr id="3" name="Content Placeholder 2"/>
+          <p:cNvPr id="4" name="Content Placeholder 3"/>
           <p:cNvSpPr>
             <a:spLocks noGrp="1"/>
           </p:cNvSpPr>
@@ -9244,258 +9871,54 @@
             <p:ph idx="1"/>
           </p:nvPr>
         </p:nvSpPr>
-        <p:spPr>
-          <a:xfrm>
-            <a:off x="677334" y="1438836"/>
-            <a:ext cx="8596668" cy="4642868"/>
-          </a:xfrm>
-        </p:spPr>
+        <p:spPr/>
         <p:txBody>
-          <a:bodyPr>
-            <a:noAutofit/>
-          </a:bodyPr>
+          <a:bodyPr/>
           <a:lstStyle/>
           <a:p>
-            <a:pPr>
-              <a:buFont typeface="+mj-lt"/>
-              <a:buAutoNum type="arabicPeriod"/>
-            </a:pPr>
-            <a:r>
-              <a:rPr lang="en-US" sz="2000" dirty="0"/>
-              <a:t>Woo MA, Stevenson </a:t>
-            </a:r>
-            <a:r>
-              <a:rPr lang="en-US" sz="2000" dirty="0" err="1"/>
-              <a:t>WG</a:t>
-            </a:r>
-            <a:r>
-              <a:rPr lang="en-US" sz="2000" dirty="0"/>
-              <a:t>, Moser DK, </a:t>
-            </a:r>
-            <a:r>
-              <a:rPr lang="en-US" sz="2000" dirty="0" err="1"/>
-              <a:t>Trelease</a:t>
-            </a:r>
-            <a:r>
-              <a:rPr lang="en-US" sz="2000" dirty="0"/>
-              <a:t> </a:t>
-            </a:r>
-            <a:r>
-              <a:rPr lang="en-US" sz="2000" dirty="0" err="1"/>
-              <a:t>RB</a:t>
-            </a:r>
-            <a:r>
-              <a:rPr lang="en-US" sz="2000" dirty="0"/>
-              <a:t>, </a:t>
-            </a:r>
-            <a:r>
-              <a:rPr lang="en-US" sz="2000" dirty="0" smtClean="0"/>
-              <a:t>Harper RH </a:t>
-            </a:r>
-            <a:r>
-              <a:rPr lang="en-US" sz="2000" dirty="0"/>
-              <a:t>(1992) Patterns of beat-to-beat heart rate variability </a:t>
-            </a:r>
-            <a:r>
-              <a:rPr lang="en-US" sz="2000" dirty="0" smtClean="0"/>
-              <a:t>in advanced </a:t>
-            </a:r>
-            <a:r>
-              <a:rPr lang="en-US" sz="2000" dirty="0"/>
-              <a:t>heart failure. Am Heart J </a:t>
-            </a:r>
-            <a:r>
-              <a:rPr lang="en-US" sz="2000" dirty="0" smtClean="0"/>
-              <a:t>123:704–707</a:t>
-            </a:r>
-          </a:p>
-          <a:p>
-            <a:pPr>
-              <a:buFont typeface="+mj-lt"/>
-              <a:buAutoNum type="arabicPeriod"/>
-            </a:pPr>
-            <a:r>
-              <a:rPr lang="en-US" sz="2000" dirty="0"/>
-              <a:t>Wharton </a:t>
-            </a:r>
-            <a:r>
-              <a:rPr lang="en-US" sz="2000" dirty="0" err="1"/>
-              <a:t>JM</a:t>
-            </a:r>
-            <a:r>
-              <a:rPr lang="en-US" sz="2000" dirty="0"/>
-              <a:t>, Coleman RE, Strauss HC (1992) The role </a:t>
-            </a:r>
-            <a:r>
-              <a:rPr lang="en-US" sz="2000" dirty="0" smtClean="0"/>
-              <a:t>of the </a:t>
-            </a:r>
-            <a:r>
-              <a:rPr lang="en-US" sz="2000" dirty="0"/>
-              <a:t>autonomic nervous system in sudden cardiac </a:t>
-            </a:r>
-            <a:r>
-              <a:rPr lang="en-US" sz="2000" dirty="0" smtClean="0"/>
-              <a:t>death. Trends </a:t>
-            </a:r>
-            <a:r>
-              <a:rPr lang="en-US" sz="2000" dirty="0" err="1"/>
-              <a:t>Cardiovasc</a:t>
-            </a:r>
-            <a:r>
-              <a:rPr lang="en-US" sz="2000" dirty="0"/>
-              <a:t> Med </a:t>
-            </a:r>
-            <a:r>
-              <a:rPr lang="en-US" sz="2000" dirty="0" smtClean="0"/>
-              <a:t>2:65–71</a:t>
-            </a:r>
-          </a:p>
-          <a:p>
-            <a:pPr>
-              <a:buFont typeface="+mj-lt"/>
-              <a:buAutoNum type="arabicPeriod"/>
-            </a:pPr>
-            <a:r>
-              <a:rPr lang="en-US" sz="2000" dirty="0"/>
-              <a:t>Wilson PW, Evans </a:t>
-            </a:r>
-            <a:r>
-              <a:rPr lang="en-US" sz="2000" dirty="0" err="1"/>
-              <a:t>JC</a:t>
-            </a:r>
-            <a:r>
-              <a:rPr lang="en-US" sz="2000" dirty="0"/>
-              <a:t> (1993) Coronary artery </a:t>
-            </a:r>
-            <a:r>
-              <a:rPr lang="en-US" sz="2000" dirty="0" smtClean="0"/>
-              <a:t>prediction. Am </a:t>
-            </a:r>
-            <a:r>
-              <a:rPr lang="en-US" sz="2000" dirty="0"/>
-              <a:t>J </a:t>
-            </a:r>
-            <a:r>
-              <a:rPr lang="en-US" sz="2000" dirty="0" err="1"/>
-              <a:t>Hypertens</a:t>
-            </a:r>
-            <a:r>
-              <a:rPr lang="en-US" sz="2000" dirty="0"/>
-              <a:t> </a:t>
-            </a:r>
-            <a:r>
-              <a:rPr lang="en-US" sz="2000" dirty="0" err="1" smtClean="0"/>
-              <a:t>6:309S</a:t>
-            </a:r>
-            <a:r>
-              <a:rPr lang="en-US" sz="2000" dirty="0" smtClean="0"/>
-              <a:t>–</a:t>
-            </a:r>
-            <a:r>
-              <a:rPr lang="en-US" sz="2000" dirty="0" err="1" smtClean="0"/>
-              <a:t>313S</a:t>
-            </a:r>
-            <a:endParaRPr lang="en-US" sz="2000" dirty="0" smtClean="0"/>
-          </a:p>
-          <a:p>
-            <a:pPr>
-              <a:buFont typeface="+mj-lt"/>
-              <a:buAutoNum type="arabicPeriod"/>
-            </a:pPr>
-            <a:r>
-              <a:rPr lang="en-US" sz="2000" dirty="0"/>
-              <a:t>Rothschild M, Rothschild A, Pfeifer M (1988) </a:t>
-            </a:r>
-            <a:r>
-              <a:rPr lang="en-US" sz="2000" dirty="0" smtClean="0"/>
-              <a:t>Temporary decrease </a:t>
-            </a:r>
-            <a:r>
-              <a:rPr lang="en-US" sz="2000" dirty="0"/>
-              <a:t>in cardiac parasympathetic tone after acute myocardial infarction. Am J </a:t>
-            </a:r>
-            <a:r>
-              <a:rPr lang="en-US" sz="2000" dirty="0" err="1"/>
-              <a:t>Cardiol</a:t>
-            </a:r>
-            <a:r>
-              <a:rPr lang="en-US" sz="2000" dirty="0"/>
-              <a:t> </a:t>
-            </a:r>
-            <a:r>
-              <a:rPr lang="en-US" sz="2000" dirty="0" smtClean="0"/>
-              <a:t>18:637–639</a:t>
-            </a:r>
-          </a:p>
-          <a:p>
-            <a:pPr>
-              <a:buFont typeface="+mj-lt"/>
-              <a:buAutoNum type="arabicPeriod"/>
-            </a:pPr>
-            <a:r>
-              <a:rPr lang="en-US" sz="2000" dirty="0" err="1"/>
-              <a:t>Rossinin</a:t>
-            </a:r>
-            <a:r>
-              <a:rPr lang="en-US" sz="2000" dirty="0"/>
-              <a:t> J, </a:t>
-            </a:r>
-            <a:r>
-              <a:rPr lang="en-US" sz="2000" dirty="0" err="1"/>
-              <a:t>Vitasalo</a:t>
-            </a:r>
-            <a:r>
-              <a:rPr lang="en-US" sz="2000" dirty="0"/>
-              <a:t> M, </a:t>
-            </a:r>
-            <a:r>
-              <a:rPr lang="en-US" sz="2000" dirty="0" err="1"/>
-              <a:t>Partanen</a:t>
-            </a:r>
-            <a:r>
-              <a:rPr lang="en-US" sz="2000" dirty="0"/>
-              <a:t> J et al (1997) Effects </a:t>
-            </a:r>
-            <a:r>
-              <a:rPr lang="en-US" sz="2000" dirty="0" smtClean="0"/>
-              <a:t>of acute </a:t>
-            </a:r>
-            <a:r>
-              <a:rPr lang="en-US" sz="2000" dirty="0"/>
-              <a:t>alcohol ingestion on heart rate variability in </a:t>
-            </a:r>
-            <a:r>
-              <a:rPr lang="en-US" sz="2000" dirty="0" smtClean="0"/>
-              <a:t>patients with </a:t>
-            </a:r>
-            <a:r>
-              <a:rPr lang="en-US" sz="2000" dirty="0"/>
-              <a:t>documented coronary artery disease and stable </a:t>
-            </a:r>
-            <a:r>
-              <a:rPr lang="en-US" sz="2000" dirty="0" smtClean="0"/>
-              <a:t>angina pectoris</a:t>
-            </a:r>
-            <a:r>
-              <a:rPr lang="en-US" sz="2000" dirty="0"/>
-              <a:t>. Am J </a:t>
-            </a:r>
-            <a:r>
-              <a:rPr lang="en-US" sz="2000" dirty="0" err="1"/>
-              <a:t>Cardiol</a:t>
-            </a:r>
-            <a:r>
-              <a:rPr lang="en-US" sz="2000" dirty="0"/>
-              <a:t> 79:487–491</a:t>
-            </a:r>
+            <a:endParaRPr lang="en-US"/>
           </a:p>
         </p:txBody>
       </p:sp>
+      <p:pic>
+        <p:nvPicPr>
+          <p:cNvPr id="5" name="Picture 4"/>
+          <p:cNvPicPr/>
+          <p:nvPr/>
+        </p:nvPicPr>
+        <p:blipFill>
+          <a:blip r:embed="rId2">
+            <a:extLst>
+              <a:ext uri="{28A0092B-C50C-407E-A947-70E740481C1C}">
+                <a14:useLocalDpi xmlns:a14="http://schemas.microsoft.com/office/drawing/2010/main" val="0"/>
+              </a:ext>
+            </a:extLst>
+          </a:blip>
+          <a:srcRect/>
+          <a:stretch>
+            <a:fillRect/>
+          </a:stretch>
+        </p:blipFill>
+        <p:spPr bwMode="auto">
+          <a:xfrm>
+            <a:off x="243069" y="127322"/>
+            <a:ext cx="11681816" cy="6531349"/>
+          </a:xfrm>
+          <a:prstGeom prst="rect">
+            <a:avLst/>
+          </a:prstGeom>
+          <a:noFill/>
+          <a:ln>
+            <a:solidFill>
+              <a:schemeClr val="tx1"/>
+            </a:solidFill>
+          </a:ln>
+        </p:spPr>
+      </p:pic>
     </p:spTree>
     <p:extLst>
       <p:ext uri="{BB962C8B-B14F-4D97-AF65-F5344CB8AC3E}">
-        <p14:creationId xmlns:p14="http://schemas.microsoft.com/office/powerpoint/2010/main" val="3698201762"/>
+        <p14:creationId xmlns:p14="http://schemas.microsoft.com/office/powerpoint/2010/main" val="1724297616"/>
       </p:ext>
     </p:extLst>
   </p:cSld>
@@ -9541,8 +9964,977 @@
         </p:nvSpPr>
         <p:spPr>
           <a:xfrm>
-            <a:off x="448734" y="2680447"/>
+            <a:off x="341157" y="354106"/>
             <a:ext cx="8596668" cy="1320800"/>
+          </a:xfrm>
+        </p:spPr>
+        <p:txBody>
+          <a:bodyPr>
+            <a:normAutofit/>
+          </a:bodyPr>
+          <a:lstStyle/>
+          <a:p>
+            <a:r>
+              <a:rPr lang="en-GB" sz="4200" b="1" dirty="0" smtClean="0"/>
+              <a:t>Result: </a:t>
+            </a:r>
+            <a:r>
+              <a:rPr lang="en-GB" sz="4200" b="1" dirty="0" err="1" smtClean="0"/>
+              <a:t>DFA</a:t>
+            </a:r>
+            <a:r>
+              <a:rPr lang="en-GB" sz="4200" b="1" dirty="0" smtClean="0"/>
+              <a:t> value</a:t>
+            </a:r>
+            <a:endParaRPr lang="en-US" sz="4200" b="1" dirty="0"/>
+          </a:p>
+        </p:txBody>
+      </p:sp>
+      <p:sp>
+        <p:nvSpPr>
+          <p:cNvPr id="4" name="Content Placeholder 3"/>
+          <p:cNvSpPr>
+            <a:spLocks noGrp="1"/>
+          </p:cNvSpPr>
+          <p:nvPr>
+            <p:ph idx="1"/>
+          </p:nvPr>
+        </p:nvSpPr>
+        <p:spPr>
+          <a:xfrm>
+            <a:off x="341157" y="1223039"/>
+            <a:ext cx="8596668" cy="3880773"/>
+          </a:xfrm>
+        </p:spPr>
+        <p:txBody>
+          <a:bodyPr>
+            <a:normAutofit/>
+          </a:bodyPr>
+          <a:lstStyle/>
+          <a:p>
+            <a:r>
+              <a:rPr lang="en-GB" sz="2400" dirty="0" smtClean="0"/>
+              <a:t>potential value for detection of transient ST deviation</a:t>
+            </a:r>
+            <a:endParaRPr lang="en-US" sz="2400" dirty="0"/>
+          </a:p>
+        </p:txBody>
+      </p:sp>
+      <p:pic>
+        <p:nvPicPr>
+          <p:cNvPr id="5" name="Picture 4"/>
+          <p:cNvPicPr/>
+          <p:nvPr/>
+        </p:nvPicPr>
+        <p:blipFill>
+          <a:blip r:embed="rId2"/>
+          <a:stretch>
+            <a:fillRect/>
+          </a:stretch>
+        </p:blipFill>
+        <p:spPr>
+          <a:xfrm>
+            <a:off x="449816" y="1782501"/>
+            <a:ext cx="9053000" cy="4190244"/>
+          </a:xfrm>
+          <a:prstGeom prst="rect">
+            <a:avLst/>
+          </a:prstGeom>
+          <a:ln>
+            <a:solidFill>
+              <a:schemeClr val="tx1"/>
+            </a:solidFill>
+          </a:ln>
+        </p:spPr>
+      </p:pic>
+      <p:sp>
+        <p:nvSpPr>
+          <p:cNvPr id="3" name="Rectangle 2"/>
+          <p:cNvSpPr/>
+          <p:nvPr/>
+        </p:nvSpPr>
+        <p:spPr>
+          <a:xfrm>
+            <a:off x="2052577" y="6164272"/>
+            <a:ext cx="6096000" cy="646331"/>
+          </a:xfrm>
+          <a:prstGeom prst="rect">
+            <a:avLst/>
+          </a:prstGeom>
+        </p:spPr>
+        <p:txBody>
+          <a:bodyPr>
+            <a:spAutoFit/>
+          </a:bodyPr>
+          <a:lstStyle/>
+          <a:p>
+            <a:r>
+              <a:rPr lang="en-US" i="1" dirty="0">
+                <a:latin typeface="Calibri" panose="020F0502020204030204" pitchFamily="34" charset="0"/>
+                <a:ea typeface="MS Mincho"/>
+                <a:cs typeface="Times New Roman" panose="02020603050405020304" pitchFamily="18" charset="0"/>
+              </a:rPr>
+              <a:t>Scatter plot of 180 data entries computed from the European database</a:t>
+            </a:r>
+            <a:endParaRPr lang="en-US" dirty="0"/>
+          </a:p>
+        </p:txBody>
+      </p:sp>
+    </p:spTree>
+    <p:extLst>
+      <p:ext uri="{BB962C8B-B14F-4D97-AF65-F5344CB8AC3E}">
+        <p14:creationId xmlns:p14="http://schemas.microsoft.com/office/powerpoint/2010/main" val="417224337"/>
+      </p:ext>
+    </p:extLst>
+  </p:cSld>
+  <p:clrMapOvr>
+    <a:masterClrMapping/>
+  </p:clrMapOvr>
+  <p:timing>
+    <p:tnLst>
+      <p:par>
+        <p:cTn id="1" dur="indefinite" restart="never" nodeType="tmRoot"/>
+      </p:par>
+    </p:tnLst>
+  </p:timing>
+</p:sld>
+</file>
+
+<file path=ppt/slides/slide18.xml><?xml version="1.0" encoding="utf-8"?>
+<p:sld xmlns:a="http://schemas.openxmlformats.org/drawingml/2006/main" xmlns:r="http://schemas.openxmlformats.org/officeDocument/2006/relationships" xmlns:p="http://schemas.openxmlformats.org/presentationml/2006/main">
+  <p:cSld>
+    <p:spTree>
+      <p:nvGrpSpPr>
+        <p:cNvPr id="1" name=""/>
+        <p:cNvGrpSpPr/>
+        <p:nvPr/>
+      </p:nvGrpSpPr>
+      <p:grpSpPr>
+        <a:xfrm>
+          <a:off x="0" y="0"/>
+          <a:ext cx="0" cy="0"/>
+          <a:chOff x="0" y="0"/>
+          <a:chExt cx="0" cy="0"/>
+        </a:xfrm>
+      </p:grpSpPr>
+      <p:sp>
+        <p:nvSpPr>
+          <p:cNvPr id="2" name="Title 1"/>
+          <p:cNvSpPr>
+            <a:spLocks noGrp="1"/>
+          </p:cNvSpPr>
+          <p:nvPr>
+            <p:ph type="title"/>
+          </p:nvPr>
+        </p:nvSpPr>
+        <p:spPr>
+          <a:xfrm>
+            <a:off x="341157" y="354106"/>
+            <a:ext cx="8596668" cy="1320800"/>
+          </a:xfrm>
+        </p:spPr>
+        <p:txBody>
+          <a:bodyPr>
+            <a:normAutofit/>
+          </a:bodyPr>
+          <a:lstStyle/>
+          <a:p>
+            <a:r>
+              <a:rPr lang="en-GB" sz="4200" b="1" dirty="0" smtClean="0"/>
+              <a:t>Result: </a:t>
+            </a:r>
+            <a:r>
+              <a:rPr lang="en-GB" sz="4200" b="1" dirty="0" err="1" smtClean="0"/>
+              <a:t>DFA</a:t>
+            </a:r>
+            <a:r>
+              <a:rPr lang="en-GB" sz="4200" b="1" dirty="0" smtClean="0"/>
+              <a:t> value</a:t>
+            </a:r>
+            <a:endParaRPr lang="en-US" sz="4200" b="1" dirty="0"/>
+          </a:p>
+        </p:txBody>
+      </p:sp>
+      <p:sp>
+        <p:nvSpPr>
+          <p:cNvPr id="4" name="Content Placeholder 3"/>
+          <p:cNvSpPr>
+            <a:spLocks noGrp="1"/>
+          </p:cNvSpPr>
+          <p:nvPr>
+            <p:ph idx="1"/>
+          </p:nvPr>
+        </p:nvSpPr>
+        <p:spPr>
+          <a:xfrm>
+            <a:off x="341157" y="1223039"/>
+            <a:ext cx="8596668" cy="3880773"/>
+          </a:xfrm>
+        </p:spPr>
+        <p:txBody>
+          <a:bodyPr>
+            <a:normAutofit/>
+          </a:bodyPr>
+          <a:lstStyle/>
+          <a:p>
+            <a:r>
+              <a:rPr lang="en-GB" sz="2400" dirty="0" smtClean="0"/>
+              <a:t>Analysis is carried out from all records of the 3 databases. The sensitivity and specificity is described below:</a:t>
+            </a:r>
+          </a:p>
+          <a:p>
+            <a:pPr marL="0" indent="0">
+              <a:buNone/>
+            </a:pPr>
+            <a:endParaRPr lang="en-US" sz="2400" dirty="0"/>
+          </a:p>
+        </p:txBody>
+      </p:sp>
+      <p:graphicFrame>
+        <p:nvGraphicFramePr>
+          <p:cNvPr id="3" name="Table 2"/>
+          <p:cNvGraphicFramePr>
+            <a:graphicFrameLocks noGrp="1"/>
+          </p:cNvGraphicFramePr>
+          <p:nvPr>
+            <p:extLst>
+              <p:ext uri="{D42A27DB-BD31-4B8C-83A1-F6EECF244321}">
+                <p14:modId xmlns:p14="http://schemas.microsoft.com/office/powerpoint/2010/main" val="889203050"/>
+              </p:ext>
+            </p:extLst>
+          </p:nvPr>
+        </p:nvGraphicFramePr>
+        <p:xfrm>
+          <a:off x="509286" y="2106592"/>
+          <a:ext cx="8947231" cy="3080537"/>
+        </p:xfrm>
+        <a:graphic>
+          <a:graphicData uri="http://schemas.openxmlformats.org/drawingml/2006/table">
+            <a:tbl>
+              <a:tblPr>
+                <a:tableStyleId>{793D81CF-94F2-401A-BA57-92F5A7B2D0C5}</a:tableStyleId>
+              </a:tblPr>
+              <a:tblGrid>
+                <a:gridCol w="1530223"/>
+                <a:gridCol w="1502344"/>
+                <a:gridCol w="2604304"/>
+                <a:gridCol w="1546022"/>
+                <a:gridCol w="1764338"/>
+              </a:tblGrid>
+              <a:tr h="995423">
+                <a:tc gridSpan="2">
+                  <a:txBody>
+                    <a:bodyPr/>
+                    <a:lstStyle/>
+                    <a:p>
+                      <a:pPr algn="ctr">
+                        <a:lnSpc>
+                          <a:spcPct val="150000"/>
+                        </a:lnSpc>
+                        <a:spcAft>
+                          <a:spcPts val="0"/>
+                        </a:spcAft>
+                      </a:pPr>
+                      <a:r>
+                        <a:rPr lang="en-US" sz="2000" dirty="0">
+                          <a:effectLst/>
+                        </a:rPr>
+                        <a:t> </a:t>
+                      </a:r>
+                      <a:endParaRPr lang="en-US" sz="2000" dirty="0">
+                        <a:effectLst/>
+                        <a:latin typeface="Calibri" panose="020F0502020204030204" pitchFamily="34" charset="0"/>
+                        <a:ea typeface="MS Mincho"/>
+                        <a:cs typeface="Times New Roman" panose="02020603050405020304" pitchFamily="18" charset="0"/>
+                      </a:endParaRPr>
+                    </a:p>
+                  </a:txBody>
+                  <a:tcPr marL="0" marR="0" marT="0" marB="0" anchor="b"/>
+                </a:tc>
+                <a:tc hMerge="1">
+                  <a:txBody>
+                    <a:bodyPr/>
+                    <a:lstStyle/>
+                    <a:p>
+                      <a:endParaRPr lang="en-US"/>
+                    </a:p>
+                  </a:txBody>
+                  <a:tcPr/>
+                </a:tc>
+                <a:tc>
+                  <a:txBody>
+                    <a:bodyPr/>
+                    <a:lstStyle/>
+                    <a:p>
+                      <a:pPr marL="38100" marR="38100" algn="ctr">
+                        <a:lnSpc>
+                          <a:spcPts val="1600"/>
+                        </a:lnSpc>
+                        <a:spcAft>
+                          <a:spcPts val="0"/>
+                        </a:spcAft>
+                      </a:pPr>
+                      <a:r>
+                        <a:rPr lang="en-US" sz="2000" dirty="0">
+                          <a:effectLst/>
+                        </a:rPr>
+                        <a:t>Number of cases</a:t>
+                      </a:r>
+                      <a:endParaRPr lang="en-US" sz="2000" dirty="0">
+                        <a:effectLst/>
+                        <a:latin typeface="Calibri" panose="020F0502020204030204" pitchFamily="34" charset="0"/>
+                        <a:ea typeface="MS Mincho"/>
+                        <a:cs typeface="Times New Roman" panose="02020603050405020304" pitchFamily="18" charset="0"/>
+                      </a:endParaRPr>
+                    </a:p>
+                  </a:txBody>
+                  <a:tcPr marL="0" marR="0" marT="0" marB="0" anchor="b"/>
+                </a:tc>
+                <a:tc>
+                  <a:txBody>
+                    <a:bodyPr/>
+                    <a:lstStyle/>
+                    <a:p>
+                      <a:pPr marL="38100" marR="38100" algn="ctr">
+                        <a:lnSpc>
+                          <a:spcPts val="1600"/>
+                        </a:lnSpc>
+                        <a:spcAft>
+                          <a:spcPts val="0"/>
+                        </a:spcAft>
+                      </a:pPr>
+                      <a:r>
+                        <a:rPr lang="en-US" sz="2000">
+                          <a:effectLst/>
+                        </a:rPr>
+                        <a:t>Sensitivity</a:t>
+                      </a:r>
+                      <a:endParaRPr lang="en-US" sz="2000">
+                        <a:effectLst/>
+                        <a:latin typeface="Calibri" panose="020F0502020204030204" pitchFamily="34" charset="0"/>
+                        <a:ea typeface="MS Mincho"/>
+                        <a:cs typeface="Times New Roman" panose="02020603050405020304" pitchFamily="18" charset="0"/>
+                      </a:endParaRPr>
+                    </a:p>
+                  </a:txBody>
+                  <a:tcPr marL="0" marR="0" marT="0" marB="0" anchor="b"/>
+                </a:tc>
+                <a:tc>
+                  <a:txBody>
+                    <a:bodyPr/>
+                    <a:lstStyle/>
+                    <a:p>
+                      <a:pPr marL="38100" marR="38100" algn="ctr">
+                        <a:lnSpc>
+                          <a:spcPts val="1600"/>
+                        </a:lnSpc>
+                        <a:spcAft>
+                          <a:spcPts val="0"/>
+                        </a:spcAft>
+                      </a:pPr>
+                      <a:r>
+                        <a:rPr lang="en-US" sz="2000">
+                          <a:effectLst/>
+                        </a:rPr>
+                        <a:t>Specificity</a:t>
+                      </a:r>
+                      <a:endParaRPr lang="en-US" sz="2000">
+                        <a:effectLst/>
+                        <a:latin typeface="Calibri" panose="020F0502020204030204" pitchFamily="34" charset="0"/>
+                        <a:ea typeface="MS Mincho"/>
+                        <a:cs typeface="Times New Roman" panose="02020603050405020304" pitchFamily="18" charset="0"/>
+                      </a:endParaRPr>
+                    </a:p>
+                  </a:txBody>
+                  <a:tcPr marL="0" marR="0" marT="0" marB="0" anchor="b"/>
+                </a:tc>
+              </a:tr>
+              <a:tr h="695038">
+                <a:tc rowSpan="3">
+                  <a:txBody>
+                    <a:bodyPr/>
+                    <a:lstStyle/>
+                    <a:p>
+                      <a:pPr marL="38100" marR="38100" algn="ctr">
+                        <a:lnSpc>
+                          <a:spcPts val="1600"/>
+                        </a:lnSpc>
+                        <a:spcAft>
+                          <a:spcPts val="0"/>
+                        </a:spcAft>
+                      </a:pPr>
+                      <a:endParaRPr lang="en-US" sz="2000" dirty="0" smtClean="0">
+                        <a:effectLst/>
+                      </a:endParaRPr>
+                    </a:p>
+                    <a:p>
+                      <a:pPr marL="38100" marR="38100" algn="ctr">
+                        <a:lnSpc>
+                          <a:spcPts val="1600"/>
+                        </a:lnSpc>
+                        <a:spcAft>
+                          <a:spcPts val="0"/>
+                        </a:spcAft>
+                      </a:pPr>
+                      <a:endParaRPr lang="en-US" sz="2000" dirty="0" smtClean="0">
+                        <a:effectLst/>
+                      </a:endParaRPr>
+                    </a:p>
+                    <a:p>
+                      <a:pPr marL="38100" marR="38100" algn="ctr">
+                        <a:lnSpc>
+                          <a:spcPts val="1600"/>
+                        </a:lnSpc>
+                        <a:spcAft>
+                          <a:spcPts val="0"/>
+                        </a:spcAft>
+                      </a:pPr>
+                      <a:endParaRPr lang="en-US" sz="2000" dirty="0" smtClean="0">
+                        <a:effectLst/>
+                      </a:endParaRPr>
+                    </a:p>
+                    <a:p>
+                      <a:pPr marL="38100" marR="38100" algn="ctr">
+                        <a:lnSpc>
+                          <a:spcPts val="1600"/>
+                        </a:lnSpc>
+                        <a:spcAft>
+                          <a:spcPts val="0"/>
+                        </a:spcAft>
+                      </a:pPr>
+                      <a:endParaRPr lang="en-US" sz="2000" dirty="0" smtClean="0">
+                        <a:effectLst/>
+                      </a:endParaRPr>
+                    </a:p>
+                    <a:p>
+                      <a:pPr marL="38100" marR="38100" algn="ctr">
+                        <a:lnSpc>
+                          <a:spcPts val="1600"/>
+                        </a:lnSpc>
+                        <a:spcAft>
+                          <a:spcPts val="0"/>
+                        </a:spcAft>
+                      </a:pPr>
+                      <a:r>
+                        <a:rPr lang="en-US" sz="2000" dirty="0" smtClean="0">
+                          <a:effectLst/>
+                        </a:rPr>
+                        <a:t>DB</a:t>
+                      </a:r>
+                      <a:endParaRPr lang="en-US" sz="2000" dirty="0">
+                        <a:effectLst/>
+                        <a:latin typeface="Calibri" panose="020F0502020204030204" pitchFamily="34" charset="0"/>
+                        <a:ea typeface="MS Mincho"/>
+                        <a:cs typeface="Times New Roman" panose="02020603050405020304" pitchFamily="18" charset="0"/>
+                      </a:endParaRPr>
+                    </a:p>
+                  </a:txBody>
+                  <a:tcPr marL="0" marR="0" marT="0" marB="0"/>
+                </a:tc>
+                <a:tc>
+                  <a:txBody>
+                    <a:bodyPr/>
+                    <a:lstStyle/>
+                    <a:p>
+                      <a:pPr marL="38100" marR="38100" algn="ctr">
+                        <a:lnSpc>
+                          <a:spcPts val="1600"/>
+                        </a:lnSpc>
+                        <a:spcAft>
+                          <a:spcPts val="0"/>
+                        </a:spcAft>
+                      </a:pPr>
+                      <a:endParaRPr lang="en-US" sz="2000" dirty="0" smtClean="0">
+                        <a:effectLst/>
+                      </a:endParaRPr>
+                    </a:p>
+                    <a:p>
+                      <a:pPr marL="38100" marR="38100" algn="ctr">
+                        <a:lnSpc>
+                          <a:spcPts val="1600"/>
+                        </a:lnSpc>
+                        <a:spcAft>
+                          <a:spcPts val="0"/>
+                        </a:spcAft>
+                      </a:pPr>
+                      <a:r>
+                        <a:rPr lang="en-US" sz="2000" dirty="0" smtClean="0">
+                          <a:effectLst/>
+                        </a:rPr>
+                        <a:t>European</a:t>
+                      </a:r>
+                      <a:endParaRPr lang="en-US" sz="2000" dirty="0">
+                        <a:effectLst/>
+                        <a:latin typeface="Calibri" panose="020F0502020204030204" pitchFamily="34" charset="0"/>
+                        <a:ea typeface="MS Mincho"/>
+                        <a:cs typeface="Times New Roman" panose="02020603050405020304" pitchFamily="18" charset="0"/>
+                      </a:endParaRPr>
+                    </a:p>
+                  </a:txBody>
+                  <a:tcPr marL="0" marR="0" marT="0" marB="0"/>
+                </a:tc>
+                <a:tc>
+                  <a:txBody>
+                    <a:bodyPr/>
+                    <a:lstStyle/>
+                    <a:p>
+                      <a:pPr marL="38100" marR="38100" algn="ctr">
+                        <a:lnSpc>
+                          <a:spcPts val="1600"/>
+                        </a:lnSpc>
+                        <a:spcAft>
+                          <a:spcPts val="0"/>
+                        </a:spcAft>
+                      </a:pPr>
+                      <a:r>
+                        <a:rPr lang="en-US" sz="2000" dirty="0">
+                          <a:effectLst/>
+                        </a:rPr>
+                        <a:t>12523</a:t>
+                      </a:r>
+                      <a:endParaRPr lang="en-US" sz="2000" dirty="0">
+                        <a:effectLst/>
+                        <a:latin typeface="Calibri" panose="020F0502020204030204" pitchFamily="34" charset="0"/>
+                        <a:ea typeface="MS Mincho"/>
+                        <a:cs typeface="Times New Roman" panose="02020603050405020304" pitchFamily="18" charset="0"/>
+                      </a:endParaRPr>
+                    </a:p>
+                  </a:txBody>
+                  <a:tcPr marL="0" marR="0" marT="0" marB="0" anchor="ctr"/>
+                </a:tc>
+                <a:tc>
+                  <a:txBody>
+                    <a:bodyPr/>
+                    <a:lstStyle/>
+                    <a:p>
+                      <a:pPr marL="38100" marR="38100" algn="ctr">
+                        <a:lnSpc>
+                          <a:spcPts val="1600"/>
+                        </a:lnSpc>
+                        <a:spcAft>
+                          <a:spcPts val="0"/>
+                        </a:spcAft>
+                      </a:pPr>
+                      <a:r>
+                        <a:rPr lang="en-US" sz="2000">
+                          <a:effectLst/>
+                        </a:rPr>
+                        <a:t>0.8594</a:t>
+                      </a:r>
+                      <a:endParaRPr lang="en-US" sz="2000">
+                        <a:effectLst/>
+                        <a:latin typeface="Calibri" panose="020F0502020204030204" pitchFamily="34" charset="0"/>
+                        <a:ea typeface="MS Mincho"/>
+                        <a:cs typeface="Times New Roman" panose="02020603050405020304" pitchFamily="18" charset="0"/>
+                      </a:endParaRPr>
+                    </a:p>
+                  </a:txBody>
+                  <a:tcPr marL="0" marR="0" marT="0" marB="0" anchor="ctr"/>
+                </a:tc>
+                <a:tc>
+                  <a:txBody>
+                    <a:bodyPr/>
+                    <a:lstStyle/>
+                    <a:p>
+                      <a:pPr marL="38100" marR="38100" algn="ctr">
+                        <a:lnSpc>
+                          <a:spcPts val="1600"/>
+                        </a:lnSpc>
+                        <a:spcAft>
+                          <a:spcPts val="0"/>
+                        </a:spcAft>
+                      </a:pPr>
+                      <a:r>
+                        <a:rPr lang="en-US" sz="2000">
+                          <a:effectLst/>
+                        </a:rPr>
+                        <a:t>0.6539</a:t>
+                      </a:r>
+                      <a:endParaRPr lang="en-US" sz="2000">
+                        <a:effectLst/>
+                        <a:latin typeface="Calibri" panose="020F0502020204030204" pitchFamily="34" charset="0"/>
+                        <a:ea typeface="MS Mincho"/>
+                        <a:cs typeface="Times New Roman" panose="02020603050405020304" pitchFamily="18" charset="0"/>
+                      </a:endParaRPr>
+                    </a:p>
+                  </a:txBody>
+                  <a:tcPr marL="0" marR="0" marT="0" marB="0" anchor="ctr"/>
+                </a:tc>
+              </a:tr>
+              <a:tr h="695038">
+                <a:tc vMerge="1">
+                  <a:txBody>
+                    <a:bodyPr/>
+                    <a:lstStyle/>
+                    <a:p>
+                      <a:endParaRPr lang="en-US"/>
+                    </a:p>
+                  </a:txBody>
+                  <a:tcPr/>
+                </a:tc>
+                <a:tc>
+                  <a:txBody>
+                    <a:bodyPr/>
+                    <a:lstStyle/>
+                    <a:p>
+                      <a:pPr marL="38100" marR="38100" algn="ctr">
+                        <a:lnSpc>
+                          <a:spcPts val="1600"/>
+                        </a:lnSpc>
+                        <a:spcAft>
+                          <a:spcPts val="0"/>
+                        </a:spcAft>
+                      </a:pPr>
+                      <a:endParaRPr lang="en-US" sz="2000" dirty="0" smtClean="0">
+                        <a:effectLst/>
+                      </a:endParaRPr>
+                    </a:p>
+                    <a:p>
+                      <a:pPr marL="38100" marR="38100" algn="ctr">
+                        <a:lnSpc>
+                          <a:spcPts val="1600"/>
+                        </a:lnSpc>
+                        <a:spcAft>
+                          <a:spcPts val="0"/>
+                        </a:spcAft>
+                      </a:pPr>
+                      <a:r>
+                        <a:rPr lang="en-US" sz="2000" dirty="0" smtClean="0">
+                          <a:effectLst/>
+                        </a:rPr>
+                        <a:t>Long </a:t>
+                      </a:r>
+                      <a:r>
+                        <a:rPr lang="en-US" sz="2000" dirty="0">
+                          <a:effectLst/>
+                        </a:rPr>
+                        <a:t>ST</a:t>
+                      </a:r>
+                      <a:endParaRPr lang="en-US" sz="2000" dirty="0">
+                        <a:effectLst/>
+                        <a:latin typeface="Calibri" panose="020F0502020204030204" pitchFamily="34" charset="0"/>
+                        <a:ea typeface="MS Mincho"/>
+                        <a:cs typeface="Times New Roman" panose="02020603050405020304" pitchFamily="18" charset="0"/>
+                      </a:endParaRPr>
+                    </a:p>
+                  </a:txBody>
+                  <a:tcPr marL="0" marR="0" marT="0" marB="0"/>
+                </a:tc>
+                <a:tc>
+                  <a:txBody>
+                    <a:bodyPr/>
+                    <a:lstStyle/>
+                    <a:p>
+                      <a:pPr marL="38100" marR="38100" algn="ctr">
+                        <a:lnSpc>
+                          <a:spcPts val="1600"/>
+                        </a:lnSpc>
+                        <a:spcAft>
+                          <a:spcPts val="0"/>
+                        </a:spcAft>
+                      </a:pPr>
+                      <a:r>
+                        <a:rPr lang="en-US" sz="2000" dirty="0">
+                          <a:effectLst/>
+                        </a:rPr>
+                        <a:t>15155</a:t>
+                      </a:r>
+                      <a:endParaRPr lang="en-US" sz="2000" dirty="0">
+                        <a:effectLst/>
+                        <a:latin typeface="Calibri" panose="020F0502020204030204" pitchFamily="34" charset="0"/>
+                        <a:ea typeface="MS Mincho"/>
+                        <a:cs typeface="Times New Roman" panose="02020603050405020304" pitchFamily="18" charset="0"/>
+                      </a:endParaRPr>
+                    </a:p>
+                  </a:txBody>
+                  <a:tcPr marL="0" marR="0" marT="0" marB="0" anchor="ctr"/>
+                </a:tc>
+                <a:tc>
+                  <a:txBody>
+                    <a:bodyPr/>
+                    <a:lstStyle/>
+                    <a:p>
+                      <a:pPr marL="38100" marR="38100" algn="ctr">
+                        <a:lnSpc>
+                          <a:spcPts val="1600"/>
+                        </a:lnSpc>
+                        <a:spcAft>
+                          <a:spcPts val="0"/>
+                        </a:spcAft>
+                      </a:pPr>
+                      <a:r>
+                        <a:rPr lang="en-US" sz="2000">
+                          <a:effectLst/>
+                        </a:rPr>
+                        <a:t>0.9166</a:t>
+                      </a:r>
+                      <a:endParaRPr lang="en-US" sz="2000">
+                        <a:effectLst/>
+                        <a:latin typeface="Calibri" panose="020F0502020204030204" pitchFamily="34" charset="0"/>
+                        <a:ea typeface="MS Mincho"/>
+                        <a:cs typeface="Times New Roman" panose="02020603050405020304" pitchFamily="18" charset="0"/>
+                      </a:endParaRPr>
+                    </a:p>
+                  </a:txBody>
+                  <a:tcPr marL="0" marR="0" marT="0" marB="0" anchor="ctr"/>
+                </a:tc>
+                <a:tc>
+                  <a:txBody>
+                    <a:bodyPr/>
+                    <a:lstStyle/>
+                    <a:p>
+                      <a:pPr marL="38100" marR="38100" algn="ctr">
+                        <a:lnSpc>
+                          <a:spcPts val="1600"/>
+                        </a:lnSpc>
+                        <a:spcAft>
+                          <a:spcPts val="0"/>
+                        </a:spcAft>
+                      </a:pPr>
+                      <a:r>
+                        <a:rPr lang="en-US" sz="2000">
+                          <a:effectLst/>
+                        </a:rPr>
+                        <a:t>0.7022</a:t>
+                      </a:r>
+                      <a:endParaRPr lang="en-US" sz="2000">
+                        <a:effectLst/>
+                        <a:latin typeface="Calibri" panose="020F0502020204030204" pitchFamily="34" charset="0"/>
+                        <a:ea typeface="MS Mincho"/>
+                        <a:cs typeface="Times New Roman" panose="02020603050405020304" pitchFamily="18" charset="0"/>
+                      </a:endParaRPr>
+                    </a:p>
+                  </a:txBody>
+                  <a:tcPr marL="0" marR="0" marT="0" marB="0" anchor="ctr"/>
+                </a:tc>
+              </a:tr>
+              <a:tr h="695038">
+                <a:tc vMerge="1">
+                  <a:txBody>
+                    <a:bodyPr/>
+                    <a:lstStyle/>
+                    <a:p>
+                      <a:endParaRPr lang="en-US"/>
+                    </a:p>
+                  </a:txBody>
+                  <a:tcPr/>
+                </a:tc>
+                <a:tc>
+                  <a:txBody>
+                    <a:bodyPr/>
+                    <a:lstStyle/>
+                    <a:p>
+                      <a:pPr marL="38100" marR="38100" algn="ctr">
+                        <a:lnSpc>
+                          <a:spcPts val="1600"/>
+                        </a:lnSpc>
+                        <a:spcAft>
+                          <a:spcPts val="0"/>
+                        </a:spcAft>
+                      </a:pPr>
+                      <a:endParaRPr lang="en-US" sz="2000" dirty="0" smtClean="0">
+                        <a:effectLst/>
+                      </a:endParaRPr>
+                    </a:p>
+                    <a:p>
+                      <a:pPr marL="38100" marR="38100" algn="ctr">
+                        <a:lnSpc>
+                          <a:spcPts val="1600"/>
+                        </a:lnSpc>
+                        <a:spcAft>
+                          <a:spcPts val="0"/>
+                        </a:spcAft>
+                      </a:pPr>
+                      <a:r>
+                        <a:rPr lang="en-US" sz="2000" dirty="0" smtClean="0">
+                          <a:effectLst/>
+                        </a:rPr>
+                        <a:t>ST </a:t>
+                      </a:r>
+                      <a:r>
+                        <a:rPr lang="en-US" sz="2000" dirty="0">
+                          <a:effectLst/>
+                        </a:rPr>
+                        <a:t>changes</a:t>
+                      </a:r>
+                      <a:endParaRPr lang="en-US" sz="2000" dirty="0">
+                        <a:effectLst/>
+                        <a:latin typeface="Calibri" panose="020F0502020204030204" pitchFamily="34" charset="0"/>
+                        <a:ea typeface="MS Mincho"/>
+                        <a:cs typeface="Times New Roman" panose="02020603050405020304" pitchFamily="18" charset="0"/>
+                      </a:endParaRPr>
+                    </a:p>
+                  </a:txBody>
+                  <a:tcPr marL="0" marR="0" marT="0" marB="0"/>
+                </a:tc>
+                <a:tc>
+                  <a:txBody>
+                    <a:bodyPr/>
+                    <a:lstStyle/>
+                    <a:p>
+                      <a:pPr marL="38100" marR="38100" algn="ctr">
+                        <a:lnSpc>
+                          <a:spcPts val="1600"/>
+                        </a:lnSpc>
+                        <a:spcAft>
+                          <a:spcPts val="0"/>
+                        </a:spcAft>
+                      </a:pPr>
+                      <a:r>
+                        <a:rPr lang="en-US" sz="2000" dirty="0">
+                          <a:effectLst/>
+                        </a:rPr>
+                        <a:t>4263</a:t>
+                      </a:r>
+                      <a:endParaRPr lang="en-US" sz="2000" dirty="0">
+                        <a:effectLst/>
+                        <a:latin typeface="Calibri" panose="020F0502020204030204" pitchFamily="34" charset="0"/>
+                        <a:ea typeface="MS Mincho"/>
+                        <a:cs typeface="Times New Roman" panose="02020603050405020304" pitchFamily="18" charset="0"/>
+                      </a:endParaRPr>
+                    </a:p>
+                  </a:txBody>
+                  <a:tcPr marL="0" marR="0" marT="0" marB="0" anchor="ctr"/>
+                </a:tc>
+                <a:tc>
+                  <a:txBody>
+                    <a:bodyPr/>
+                    <a:lstStyle/>
+                    <a:p>
+                      <a:pPr marL="38100" marR="38100" algn="ctr">
+                        <a:lnSpc>
+                          <a:spcPts val="1600"/>
+                        </a:lnSpc>
+                        <a:spcAft>
+                          <a:spcPts val="0"/>
+                        </a:spcAft>
+                      </a:pPr>
+                      <a:r>
+                        <a:rPr lang="en-US" sz="2000" dirty="0">
+                          <a:effectLst/>
+                        </a:rPr>
+                        <a:t>0.8108</a:t>
+                      </a:r>
+                      <a:endParaRPr lang="en-US" sz="2000" dirty="0">
+                        <a:effectLst/>
+                        <a:latin typeface="Calibri" panose="020F0502020204030204" pitchFamily="34" charset="0"/>
+                        <a:ea typeface="MS Mincho"/>
+                        <a:cs typeface="Times New Roman" panose="02020603050405020304" pitchFamily="18" charset="0"/>
+                      </a:endParaRPr>
+                    </a:p>
+                  </a:txBody>
+                  <a:tcPr marL="0" marR="0" marT="0" marB="0" anchor="ctr"/>
+                </a:tc>
+                <a:tc>
+                  <a:txBody>
+                    <a:bodyPr/>
+                    <a:lstStyle/>
+                    <a:p>
+                      <a:pPr marL="38100" marR="38100" algn="ctr">
+                        <a:lnSpc>
+                          <a:spcPts val="1600"/>
+                        </a:lnSpc>
+                        <a:spcAft>
+                          <a:spcPts val="0"/>
+                        </a:spcAft>
+                      </a:pPr>
+                      <a:r>
+                        <a:rPr lang="en-US" sz="2000" dirty="0">
+                          <a:effectLst/>
+                        </a:rPr>
+                        <a:t>0.5395</a:t>
+                      </a:r>
+                      <a:endParaRPr lang="en-US" sz="2000" dirty="0">
+                        <a:effectLst/>
+                        <a:latin typeface="Calibri" panose="020F0502020204030204" pitchFamily="34" charset="0"/>
+                        <a:ea typeface="MS Mincho"/>
+                        <a:cs typeface="Times New Roman" panose="02020603050405020304" pitchFamily="18" charset="0"/>
+                      </a:endParaRPr>
+                    </a:p>
+                  </a:txBody>
+                  <a:tcPr marL="0" marR="0" marT="0" marB="0" anchor="ctr"/>
+                </a:tc>
+              </a:tr>
+            </a:tbl>
+          </a:graphicData>
+        </a:graphic>
+      </p:graphicFrame>
+    </p:spTree>
+    <p:extLst>
+      <p:ext uri="{BB962C8B-B14F-4D97-AF65-F5344CB8AC3E}">
+        <p14:creationId xmlns:p14="http://schemas.microsoft.com/office/powerpoint/2010/main" val="4128015376"/>
+      </p:ext>
+    </p:extLst>
+  </p:cSld>
+  <p:clrMapOvr>
+    <a:masterClrMapping/>
+  </p:clrMapOvr>
+  <p:timing>
+    <p:tnLst>
+      <p:par>
+        <p:cTn id="1" dur="indefinite" restart="never" nodeType="tmRoot"/>
+      </p:par>
+    </p:tnLst>
+  </p:timing>
+</p:sld>
+</file>
+
+<file path=ppt/slides/slide19.xml><?xml version="1.0" encoding="utf-8"?>
+<p:sld xmlns:a="http://schemas.openxmlformats.org/drawingml/2006/main" xmlns:r="http://schemas.openxmlformats.org/officeDocument/2006/relationships" xmlns:p="http://schemas.openxmlformats.org/presentationml/2006/main">
+  <p:cSld>
+    <p:spTree>
+      <p:nvGrpSpPr>
+        <p:cNvPr id="1" name=""/>
+        <p:cNvGrpSpPr/>
+        <p:nvPr/>
+      </p:nvGrpSpPr>
+      <p:grpSpPr>
+        <a:xfrm>
+          <a:off x="0" y="0"/>
+          <a:ext cx="0" cy="0"/>
+          <a:chOff x="0" y="0"/>
+          <a:chExt cx="0" cy="0"/>
+        </a:xfrm>
+      </p:grpSpPr>
+      <p:sp>
+        <p:nvSpPr>
+          <p:cNvPr id="2" name="Title 1"/>
+          <p:cNvSpPr>
+            <a:spLocks noGrp="1"/>
+          </p:cNvSpPr>
+          <p:nvPr>
+            <p:ph type="title"/>
+          </p:nvPr>
+        </p:nvSpPr>
+        <p:spPr/>
+        <p:txBody>
+          <a:bodyPr>
+            <a:normAutofit/>
+          </a:bodyPr>
+          <a:lstStyle/>
+          <a:p>
+            <a:r>
+              <a:rPr lang="en-GB" sz="4200" b="1" dirty="0" smtClean="0"/>
+              <a:t>VI. Conclusion and Discussion</a:t>
+            </a:r>
+            <a:endParaRPr lang="en-US" sz="4200" b="1" dirty="0"/>
+          </a:p>
+        </p:txBody>
+      </p:sp>
+      <p:sp>
+        <p:nvSpPr>
+          <p:cNvPr id="3" name="Content Placeholder 2"/>
+          <p:cNvSpPr>
+            <a:spLocks noGrp="1"/>
+          </p:cNvSpPr>
+          <p:nvPr>
+            <p:ph idx="1"/>
+          </p:nvPr>
+        </p:nvSpPr>
+        <p:spPr>
+          <a:xfrm>
+            <a:off x="515970" y="1674906"/>
+            <a:ext cx="9206254" cy="3880773"/>
           </a:xfrm>
         </p:spPr>
         <p:txBody>
@@ -9552,17 +10944,178 @@
           <a:lstStyle/>
           <a:p>
             <a:r>
-              <a:rPr lang="en-GB" sz="9200" b="1" dirty="0" smtClean="0"/>
-              <a:t>THANK YOU</a:t>
-            </a:r>
-            <a:endParaRPr lang="en-US" sz="9200" b="1" dirty="0"/>
+              <a:rPr lang="en-GB" sz="2400" dirty="0" smtClean="0"/>
+              <a:t>In order to obtain good result using EKG, </a:t>
+            </a:r>
+            <a:r>
+              <a:rPr lang="en-GB" sz="2400" b="1" dirty="0" err="1" smtClean="0">
+                <a:solidFill>
+                  <a:schemeClr val="accent4"/>
+                </a:solidFill>
+              </a:rPr>
+              <a:t>QRS</a:t>
+            </a:r>
+            <a:r>
+              <a:rPr lang="en-GB" sz="2400" b="1" dirty="0" smtClean="0">
+                <a:solidFill>
+                  <a:schemeClr val="accent4"/>
+                </a:solidFill>
+              </a:rPr>
+              <a:t> detection </a:t>
+            </a:r>
+            <a:r>
+              <a:rPr lang="en-GB" sz="2400" dirty="0" smtClean="0"/>
+              <a:t>need to be </a:t>
+            </a:r>
+            <a:r>
+              <a:rPr lang="en-GB" sz="2400" b="1" dirty="0" smtClean="0">
+                <a:solidFill>
+                  <a:schemeClr val="accent4"/>
+                </a:solidFill>
+              </a:rPr>
+              <a:t>extremely precise</a:t>
+            </a:r>
+          </a:p>
+          <a:p>
+            <a:r>
+              <a:rPr lang="en-GB" sz="2400" b="1" dirty="0" err="1" smtClean="0">
+                <a:solidFill>
+                  <a:schemeClr val="accent4"/>
+                </a:solidFill>
+              </a:rPr>
+              <a:t>DFA</a:t>
+            </a:r>
+            <a:r>
+              <a:rPr lang="en-GB" sz="2400" dirty="0" smtClean="0">
+                <a:solidFill>
+                  <a:schemeClr val="accent4"/>
+                </a:solidFill>
+              </a:rPr>
+              <a:t> </a:t>
+            </a:r>
+            <a:r>
+              <a:rPr lang="en-GB" sz="2400" dirty="0" smtClean="0"/>
+              <a:t>is found to be </a:t>
+            </a:r>
+            <a:r>
+              <a:rPr lang="en-GB" sz="2400" b="1" dirty="0" smtClean="0">
+                <a:solidFill>
+                  <a:schemeClr val="accent4"/>
+                </a:solidFill>
+              </a:rPr>
+              <a:t>valuable</a:t>
+            </a:r>
+            <a:r>
+              <a:rPr lang="en-GB" sz="2400" dirty="0" smtClean="0">
+                <a:solidFill>
+                  <a:schemeClr val="accent4"/>
+                </a:solidFill>
+              </a:rPr>
+              <a:t> </a:t>
+            </a:r>
+            <a:r>
+              <a:rPr lang="en-GB" sz="2400" dirty="0" smtClean="0"/>
+              <a:t>in detection of transient Myocardial Infarction</a:t>
+            </a:r>
+          </a:p>
+          <a:p>
+            <a:r>
+              <a:rPr lang="en-GB" sz="2400" dirty="0" smtClean="0"/>
+              <a:t>The </a:t>
+            </a:r>
+            <a:r>
+              <a:rPr lang="en-GB" sz="2400" b="1" dirty="0" err="1" smtClean="0">
+                <a:solidFill>
+                  <a:schemeClr val="accent4"/>
+                </a:solidFill>
+              </a:rPr>
+              <a:t>DFA</a:t>
+            </a:r>
+            <a:r>
+              <a:rPr lang="en-GB" sz="2400" b="1" dirty="0" smtClean="0">
+                <a:solidFill>
+                  <a:schemeClr val="accent4"/>
+                </a:solidFill>
+              </a:rPr>
+              <a:t> higher than 1</a:t>
+            </a:r>
+            <a:r>
+              <a:rPr lang="en-GB" sz="2400" dirty="0"/>
+              <a:t> </a:t>
+            </a:r>
+            <a:r>
+              <a:rPr lang="en-GB" sz="2400" dirty="0" smtClean="0"/>
+              <a:t>indicate </a:t>
+            </a:r>
+            <a:r>
+              <a:rPr lang="en-GB" sz="2400" b="1" dirty="0" smtClean="0">
+                <a:solidFill>
+                  <a:schemeClr val="accent4"/>
+                </a:solidFill>
+              </a:rPr>
+              <a:t>transient ST deviation</a:t>
+            </a:r>
+          </a:p>
+          <a:p>
+            <a:r>
+              <a:rPr lang="en-GB" sz="2400" b="1" dirty="0" smtClean="0">
+                <a:solidFill>
+                  <a:schemeClr val="accent4"/>
+                </a:solidFill>
+              </a:rPr>
+              <a:t>Sensitivity</a:t>
+            </a:r>
+            <a:r>
+              <a:rPr lang="en-GB" sz="2400" dirty="0" smtClean="0"/>
+              <a:t> is potentially good, but </a:t>
+            </a:r>
+            <a:r>
+              <a:rPr lang="en-GB" sz="2400" b="1" dirty="0" smtClean="0">
+                <a:solidFill>
+                  <a:schemeClr val="accent4"/>
+                </a:solidFill>
+              </a:rPr>
+              <a:t>specificity</a:t>
+            </a:r>
+            <a:r>
+              <a:rPr lang="en-GB" sz="2400" dirty="0" smtClean="0">
+                <a:solidFill>
+                  <a:schemeClr val="accent4"/>
+                </a:solidFill>
+              </a:rPr>
+              <a:t> </a:t>
+            </a:r>
+            <a:r>
+              <a:rPr lang="en-GB" sz="2400" dirty="0" smtClean="0"/>
+              <a:t>is still poor</a:t>
+            </a:r>
+            <a:endParaRPr lang="en-GB" sz="2400" b="1" dirty="0" smtClean="0">
+              <a:solidFill>
+                <a:schemeClr val="accent4"/>
+              </a:solidFill>
+            </a:endParaRPr>
+          </a:p>
+          <a:p>
+            <a:r>
+              <a:rPr lang="en-GB" sz="2400" b="1" dirty="0" smtClean="0">
+                <a:solidFill>
+                  <a:schemeClr val="accent4"/>
+                </a:solidFill>
+              </a:rPr>
+              <a:t>More features should be extracted </a:t>
+            </a:r>
+            <a:r>
+              <a:rPr lang="en-GB" sz="2400" dirty="0" smtClean="0"/>
+              <a:t>in order to reliably detect Myocardial Infarction using EKG signal</a:t>
+            </a:r>
+            <a:endParaRPr lang="en-US" sz="2400" dirty="0"/>
           </a:p>
         </p:txBody>
       </p:sp>
     </p:spTree>
     <p:extLst>
       <p:ext uri="{BB962C8B-B14F-4D97-AF65-F5344CB8AC3E}">
-        <p14:creationId xmlns:p14="http://schemas.microsoft.com/office/powerpoint/2010/main" val="637053306"/>
+        <p14:creationId xmlns:p14="http://schemas.microsoft.com/office/powerpoint/2010/main" val="1172486549"/>
       </p:ext>
     </p:extLst>
   </p:cSld>
@@ -9722,6 +11275,689 @@
     <p:extLst>
       <p:ext uri="{BB962C8B-B14F-4D97-AF65-F5344CB8AC3E}">
         <p14:creationId xmlns:p14="http://schemas.microsoft.com/office/powerpoint/2010/main" val="2095966359"/>
+      </p:ext>
+    </p:extLst>
+  </p:cSld>
+  <p:clrMapOvr>
+    <a:masterClrMapping/>
+  </p:clrMapOvr>
+  <p:timing>
+    <p:tnLst>
+      <p:par>
+        <p:cTn id="1" dur="indefinite" restart="never" nodeType="tmRoot"/>
+      </p:par>
+    </p:tnLst>
+  </p:timing>
+</p:sld>
+</file>
+
+<file path=ppt/slides/slide20.xml><?xml version="1.0" encoding="utf-8"?>
+<p:sld xmlns:a="http://schemas.openxmlformats.org/drawingml/2006/main" xmlns:r="http://schemas.openxmlformats.org/officeDocument/2006/relationships" xmlns:p="http://schemas.openxmlformats.org/presentationml/2006/main">
+  <p:cSld>
+    <p:spTree>
+      <p:nvGrpSpPr>
+        <p:cNvPr id="1" name=""/>
+        <p:cNvGrpSpPr/>
+        <p:nvPr/>
+      </p:nvGrpSpPr>
+      <p:grpSpPr>
+        <a:xfrm>
+          <a:off x="0" y="0"/>
+          <a:ext cx="0" cy="0"/>
+          <a:chOff x="0" y="0"/>
+          <a:chExt cx="0" cy="0"/>
+        </a:xfrm>
+      </p:grpSpPr>
+      <p:sp>
+        <p:nvSpPr>
+          <p:cNvPr id="2" name="Title 1"/>
+          <p:cNvSpPr>
+            <a:spLocks noGrp="1"/>
+          </p:cNvSpPr>
+          <p:nvPr>
+            <p:ph type="title"/>
+          </p:nvPr>
+        </p:nvSpPr>
+        <p:spPr/>
+        <p:txBody>
+          <a:bodyPr>
+            <a:normAutofit/>
+          </a:bodyPr>
+          <a:lstStyle/>
+          <a:p>
+            <a:r>
+              <a:rPr lang="en-GB" sz="4200" b="1" dirty="0" smtClean="0"/>
+              <a:t>VI. Conclusion and Discussion</a:t>
+            </a:r>
+            <a:endParaRPr lang="en-US" sz="4200" b="1" dirty="0"/>
+          </a:p>
+        </p:txBody>
+      </p:sp>
+      <p:sp>
+        <p:nvSpPr>
+          <p:cNvPr id="3" name="Content Placeholder 2"/>
+          <p:cNvSpPr>
+            <a:spLocks noGrp="1"/>
+          </p:cNvSpPr>
+          <p:nvPr>
+            <p:ph idx="1"/>
+          </p:nvPr>
+        </p:nvSpPr>
+        <p:spPr>
+          <a:xfrm>
+            <a:off x="515969" y="1674906"/>
+            <a:ext cx="9692901" cy="4401803"/>
+          </a:xfrm>
+        </p:spPr>
+        <p:txBody>
+          <a:bodyPr>
+            <a:noAutofit/>
+          </a:bodyPr>
+          <a:lstStyle/>
+          <a:p>
+            <a:pPr marL="0" indent="0">
+              <a:buNone/>
+            </a:pPr>
+            <a:r>
+              <a:rPr lang="en-GB" sz="2400" b="1" dirty="0" smtClean="0"/>
+              <a:t>Short term plan</a:t>
+            </a:r>
+            <a:r>
+              <a:rPr lang="en-GB" sz="2400" dirty="0" smtClean="0"/>
+              <a:t>:</a:t>
+            </a:r>
+          </a:p>
+          <a:p>
+            <a:pPr>
+              <a:buFont typeface="Wingdings" panose="05000000000000000000" pitchFamily="2" charset="2"/>
+              <a:buChar char="q"/>
+            </a:pPr>
+            <a:r>
+              <a:rPr lang="en-GB" sz="2400" b="1" dirty="0" smtClean="0">
+                <a:solidFill>
+                  <a:schemeClr val="accent4"/>
+                </a:solidFill>
+              </a:rPr>
+              <a:t>Working with doctors</a:t>
+            </a:r>
+            <a:r>
+              <a:rPr lang="en-GB" sz="2400" dirty="0" smtClean="0"/>
+              <a:t> to </a:t>
+            </a:r>
+            <a:r>
+              <a:rPr lang="en-GB" sz="2400" b="1" dirty="0" smtClean="0">
+                <a:solidFill>
+                  <a:schemeClr val="accent4"/>
+                </a:solidFill>
+              </a:rPr>
+              <a:t>validate the accuracy</a:t>
+            </a:r>
+            <a:r>
+              <a:rPr lang="en-GB" sz="2400" dirty="0" smtClean="0"/>
+              <a:t> of the risk score</a:t>
+            </a:r>
+          </a:p>
+          <a:p>
+            <a:pPr>
+              <a:buFont typeface="Wingdings" panose="05000000000000000000" pitchFamily="2" charset="2"/>
+              <a:buChar char="q"/>
+            </a:pPr>
+            <a:r>
+              <a:rPr lang="en-GB" sz="2400" dirty="0" smtClean="0"/>
+              <a:t>Implement the system to an </a:t>
+            </a:r>
+            <a:r>
+              <a:rPr lang="en-GB" sz="2400" b="1" dirty="0" smtClean="0">
+                <a:solidFill>
+                  <a:schemeClr val="accent4"/>
+                </a:solidFill>
+              </a:rPr>
+              <a:t>online platform</a:t>
+            </a:r>
+          </a:p>
+          <a:p>
+            <a:pPr>
+              <a:buFont typeface="Wingdings" panose="05000000000000000000" pitchFamily="2" charset="2"/>
+              <a:buChar char="q"/>
+            </a:pPr>
+            <a:r>
+              <a:rPr lang="en-GB" sz="2400" dirty="0" smtClean="0"/>
+              <a:t>Building </a:t>
+            </a:r>
+            <a:r>
+              <a:rPr lang="en-GB" sz="2400" b="1" dirty="0" smtClean="0">
+                <a:solidFill>
+                  <a:schemeClr val="accent4"/>
+                </a:solidFill>
+              </a:rPr>
+              <a:t>android</a:t>
+            </a:r>
+            <a:r>
+              <a:rPr lang="en-GB" sz="2400" dirty="0" smtClean="0"/>
+              <a:t>, </a:t>
+            </a:r>
+            <a:r>
+              <a:rPr lang="en-GB" sz="2400" b="1" dirty="0" err="1" smtClean="0">
+                <a:solidFill>
+                  <a:schemeClr val="accent4"/>
+                </a:solidFill>
+              </a:rPr>
+              <a:t>iOS</a:t>
+            </a:r>
+            <a:r>
+              <a:rPr lang="en-GB" sz="2400" dirty="0" smtClean="0">
+                <a:solidFill>
+                  <a:schemeClr val="accent4"/>
+                </a:solidFill>
+              </a:rPr>
+              <a:t> </a:t>
+            </a:r>
+            <a:r>
+              <a:rPr lang="en-GB" sz="2400" dirty="0" smtClean="0"/>
+              <a:t>and </a:t>
+            </a:r>
+            <a:r>
+              <a:rPr lang="en-GB" sz="2400" b="1" dirty="0" smtClean="0">
+                <a:solidFill>
+                  <a:schemeClr val="accent4"/>
+                </a:solidFill>
+              </a:rPr>
+              <a:t>desktop</a:t>
+            </a:r>
+            <a:r>
+              <a:rPr lang="en-GB" sz="2400" dirty="0" smtClean="0">
+                <a:solidFill>
+                  <a:schemeClr val="accent4"/>
+                </a:solidFill>
+              </a:rPr>
+              <a:t> </a:t>
+            </a:r>
+            <a:r>
+              <a:rPr lang="en-GB" sz="2400" b="1" dirty="0" smtClean="0">
+                <a:solidFill>
+                  <a:schemeClr val="accent4"/>
+                </a:solidFill>
+              </a:rPr>
+              <a:t>applications</a:t>
+            </a:r>
+            <a:r>
+              <a:rPr lang="en-GB" sz="2400" dirty="0" smtClean="0">
+                <a:solidFill>
+                  <a:schemeClr val="accent4"/>
+                </a:solidFill>
+              </a:rPr>
+              <a:t> </a:t>
+            </a:r>
+            <a:r>
+              <a:rPr lang="en-GB" sz="2400" dirty="0" smtClean="0"/>
+              <a:t>for this algorithm</a:t>
+            </a:r>
+          </a:p>
+          <a:p>
+            <a:pPr marL="0" indent="0">
+              <a:buNone/>
+            </a:pPr>
+            <a:r>
+              <a:rPr lang="en-GB" sz="2400" b="1" dirty="0" smtClean="0"/>
+              <a:t>Long term plan</a:t>
+            </a:r>
+            <a:r>
+              <a:rPr lang="en-GB" sz="2400" dirty="0" smtClean="0"/>
+              <a:t>:</a:t>
+            </a:r>
+          </a:p>
+          <a:p>
+            <a:pPr>
+              <a:buFont typeface="Wingdings" panose="05000000000000000000" pitchFamily="2" charset="2"/>
+              <a:buChar char="q"/>
+            </a:pPr>
+            <a:r>
+              <a:rPr lang="en-GB" sz="2400" b="1" dirty="0" smtClean="0">
+                <a:solidFill>
+                  <a:schemeClr val="accent4"/>
+                </a:solidFill>
+              </a:rPr>
+              <a:t>Extracting more features </a:t>
+            </a:r>
+            <a:r>
+              <a:rPr lang="en-GB" sz="2400" dirty="0" smtClean="0"/>
+              <a:t>for further analysis</a:t>
+            </a:r>
+          </a:p>
+          <a:p>
+            <a:pPr>
+              <a:buFont typeface="Wingdings" panose="05000000000000000000" pitchFamily="2" charset="2"/>
+              <a:buChar char="q"/>
+            </a:pPr>
+            <a:r>
+              <a:rPr lang="en-GB" sz="2400" dirty="0" smtClean="0"/>
+              <a:t>Research on the technique that </a:t>
+            </a:r>
+            <a:r>
+              <a:rPr lang="en-GB" sz="2400" b="1" dirty="0" smtClean="0">
+                <a:solidFill>
+                  <a:schemeClr val="accent4"/>
+                </a:solidFill>
+              </a:rPr>
+              <a:t>discriminate</a:t>
+            </a:r>
+            <a:r>
+              <a:rPr lang="en-GB" sz="2400" dirty="0" smtClean="0">
+                <a:solidFill>
+                  <a:schemeClr val="accent4"/>
+                </a:solidFill>
+              </a:rPr>
+              <a:t> </a:t>
+            </a:r>
+            <a:r>
+              <a:rPr lang="en-GB" sz="2400" b="1" dirty="0" smtClean="0">
+                <a:solidFill>
+                  <a:schemeClr val="accent4"/>
+                </a:solidFill>
+              </a:rPr>
+              <a:t>ST segment myocardial infarction</a:t>
+            </a:r>
+            <a:r>
+              <a:rPr lang="en-GB" sz="2400" dirty="0" smtClean="0"/>
+              <a:t> from other diseases</a:t>
+            </a:r>
+          </a:p>
+          <a:p>
+            <a:endParaRPr lang="en-GB" sz="2400" dirty="0" smtClean="0"/>
+          </a:p>
+        </p:txBody>
+      </p:sp>
+    </p:spTree>
+    <p:extLst>
+      <p:ext uri="{BB962C8B-B14F-4D97-AF65-F5344CB8AC3E}">
+        <p14:creationId xmlns:p14="http://schemas.microsoft.com/office/powerpoint/2010/main" val="3604008901"/>
+      </p:ext>
+    </p:extLst>
+  </p:cSld>
+  <p:clrMapOvr>
+    <a:masterClrMapping/>
+  </p:clrMapOvr>
+  <p:timing>
+    <p:tnLst>
+      <p:par>
+        <p:cTn id="1" dur="indefinite" restart="never" nodeType="tmRoot"/>
+      </p:par>
+    </p:tnLst>
+  </p:timing>
+</p:sld>
+</file>
+
+<file path=ppt/slides/slide21.xml><?xml version="1.0" encoding="utf-8"?>
+<p:sld xmlns:a="http://schemas.openxmlformats.org/drawingml/2006/main" xmlns:r="http://schemas.openxmlformats.org/officeDocument/2006/relationships" xmlns:p="http://schemas.openxmlformats.org/presentationml/2006/main">
+  <p:cSld>
+    <p:spTree>
+      <p:nvGrpSpPr>
+        <p:cNvPr id="1" name=""/>
+        <p:cNvGrpSpPr/>
+        <p:nvPr/>
+      </p:nvGrpSpPr>
+      <p:grpSpPr>
+        <a:xfrm>
+          <a:off x="0" y="0"/>
+          <a:ext cx="0" cy="0"/>
+          <a:chOff x="0" y="0"/>
+          <a:chExt cx="0" cy="0"/>
+        </a:xfrm>
+      </p:grpSpPr>
+      <p:sp>
+        <p:nvSpPr>
+          <p:cNvPr id="2" name="Title 1"/>
+          <p:cNvSpPr>
+            <a:spLocks noGrp="1"/>
+          </p:cNvSpPr>
+          <p:nvPr>
+            <p:ph type="title"/>
+          </p:nvPr>
+        </p:nvSpPr>
+        <p:spPr/>
+        <p:txBody>
+          <a:bodyPr>
+            <a:normAutofit/>
+          </a:bodyPr>
+          <a:lstStyle/>
+          <a:p>
+            <a:r>
+              <a:rPr lang="en-GB" sz="4200" b="1" dirty="0" smtClean="0"/>
+              <a:t>VII. References</a:t>
+            </a:r>
+            <a:endParaRPr lang="en-US" sz="4200" b="1" dirty="0"/>
+          </a:p>
+        </p:txBody>
+      </p:sp>
+      <p:sp>
+        <p:nvSpPr>
+          <p:cNvPr id="3" name="Content Placeholder 2"/>
+          <p:cNvSpPr>
+            <a:spLocks noGrp="1"/>
+          </p:cNvSpPr>
+          <p:nvPr>
+            <p:ph idx="1"/>
+          </p:nvPr>
+        </p:nvSpPr>
+        <p:spPr>
+          <a:xfrm>
+            <a:off x="677334" y="1438836"/>
+            <a:ext cx="8596668" cy="4642868"/>
+          </a:xfrm>
+        </p:spPr>
+        <p:txBody>
+          <a:bodyPr>
+            <a:noAutofit/>
+          </a:bodyPr>
+          <a:lstStyle/>
+          <a:p>
+            <a:pPr>
+              <a:buFont typeface="+mj-lt"/>
+              <a:buAutoNum type="arabicPeriod"/>
+            </a:pPr>
+            <a:r>
+              <a:rPr lang="en-US" sz="2000" dirty="0"/>
+              <a:t>Woo MA, Stevenson </a:t>
+            </a:r>
+            <a:r>
+              <a:rPr lang="en-US" sz="2000" dirty="0" err="1"/>
+              <a:t>WG</a:t>
+            </a:r>
+            <a:r>
+              <a:rPr lang="en-US" sz="2000" dirty="0"/>
+              <a:t>, Moser DK, </a:t>
+            </a:r>
+            <a:r>
+              <a:rPr lang="en-US" sz="2000" dirty="0" err="1"/>
+              <a:t>Trelease</a:t>
+            </a:r>
+            <a:r>
+              <a:rPr lang="en-US" sz="2000" dirty="0"/>
+              <a:t> </a:t>
+            </a:r>
+            <a:r>
+              <a:rPr lang="en-US" sz="2000" dirty="0" err="1"/>
+              <a:t>RB</a:t>
+            </a:r>
+            <a:r>
+              <a:rPr lang="en-US" sz="2000" dirty="0"/>
+              <a:t>, </a:t>
+            </a:r>
+            <a:r>
+              <a:rPr lang="en-US" sz="2000" dirty="0" smtClean="0"/>
+              <a:t>Harper RH </a:t>
+            </a:r>
+            <a:r>
+              <a:rPr lang="en-US" sz="2000" dirty="0"/>
+              <a:t>(1992) Patterns of beat-to-beat heart rate variability </a:t>
+            </a:r>
+            <a:r>
+              <a:rPr lang="en-US" sz="2000" dirty="0" smtClean="0"/>
+              <a:t>in advanced </a:t>
+            </a:r>
+            <a:r>
+              <a:rPr lang="en-US" sz="2000" dirty="0"/>
+              <a:t>heart failure. Am Heart J </a:t>
+            </a:r>
+            <a:r>
+              <a:rPr lang="en-US" sz="2000" dirty="0" smtClean="0"/>
+              <a:t>123:704–707</a:t>
+            </a:r>
+          </a:p>
+          <a:p>
+            <a:pPr>
+              <a:buFont typeface="+mj-lt"/>
+              <a:buAutoNum type="arabicPeriod"/>
+            </a:pPr>
+            <a:r>
+              <a:rPr lang="en-US" sz="2000" dirty="0"/>
+              <a:t>Wharton </a:t>
+            </a:r>
+            <a:r>
+              <a:rPr lang="en-US" sz="2000" dirty="0" err="1"/>
+              <a:t>JM</a:t>
+            </a:r>
+            <a:r>
+              <a:rPr lang="en-US" sz="2000" dirty="0"/>
+              <a:t>, Coleman RE, Strauss HC (1992) The role </a:t>
+            </a:r>
+            <a:r>
+              <a:rPr lang="en-US" sz="2000" dirty="0" smtClean="0"/>
+              <a:t>of the </a:t>
+            </a:r>
+            <a:r>
+              <a:rPr lang="en-US" sz="2000" dirty="0"/>
+              <a:t>autonomic nervous system in sudden cardiac </a:t>
+            </a:r>
+            <a:r>
+              <a:rPr lang="en-US" sz="2000" dirty="0" smtClean="0"/>
+              <a:t>death. Trends </a:t>
+            </a:r>
+            <a:r>
+              <a:rPr lang="en-US" sz="2000" dirty="0" err="1"/>
+              <a:t>Cardiovasc</a:t>
+            </a:r>
+            <a:r>
+              <a:rPr lang="en-US" sz="2000" dirty="0"/>
+              <a:t> Med </a:t>
+            </a:r>
+            <a:r>
+              <a:rPr lang="en-US" sz="2000" dirty="0" smtClean="0"/>
+              <a:t>2:65–71</a:t>
+            </a:r>
+          </a:p>
+          <a:p>
+            <a:pPr>
+              <a:buFont typeface="+mj-lt"/>
+              <a:buAutoNum type="arabicPeriod"/>
+            </a:pPr>
+            <a:r>
+              <a:rPr lang="en-US" sz="2000" dirty="0"/>
+              <a:t>Wilson PW, Evans </a:t>
+            </a:r>
+            <a:r>
+              <a:rPr lang="en-US" sz="2000" dirty="0" err="1"/>
+              <a:t>JC</a:t>
+            </a:r>
+            <a:r>
+              <a:rPr lang="en-US" sz="2000" dirty="0"/>
+              <a:t> (1993) Coronary artery </a:t>
+            </a:r>
+            <a:r>
+              <a:rPr lang="en-US" sz="2000" dirty="0" smtClean="0"/>
+              <a:t>prediction. Am </a:t>
+            </a:r>
+            <a:r>
+              <a:rPr lang="en-US" sz="2000" dirty="0"/>
+              <a:t>J </a:t>
+            </a:r>
+            <a:r>
+              <a:rPr lang="en-US" sz="2000" dirty="0" err="1"/>
+              <a:t>Hypertens</a:t>
+            </a:r>
+            <a:r>
+              <a:rPr lang="en-US" sz="2000" dirty="0"/>
+              <a:t> </a:t>
+            </a:r>
+            <a:r>
+              <a:rPr lang="en-US" sz="2000" dirty="0" err="1" smtClean="0"/>
+              <a:t>6:309S</a:t>
+            </a:r>
+            <a:r>
+              <a:rPr lang="en-US" sz="2000" dirty="0" smtClean="0"/>
+              <a:t>–</a:t>
+            </a:r>
+            <a:r>
+              <a:rPr lang="en-US" sz="2000" dirty="0" err="1" smtClean="0"/>
+              <a:t>313S</a:t>
+            </a:r>
+            <a:endParaRPr lang="en-US" sz="2000" dirty="0" smtClean="0"/>
+          </a:p>
+          <a:p>
+            <a:pPr>
+              <a:buFont typeface="+mj-lt"/>
+              <a:buAutoNum type="arabicPeriod"/>
+            </a:pPr>
+            <a:r>
+              <a:rPr lang="en-US" sz="2000" dirty="0"/>
+              <a:t>Rothschild M, Rothschild A, Pfeifer M (1988) </a:t>
+            </a:r>
+            <a:r>
+              <a:rPr lang="en-US" sz="2000" dirty="0" smtClean="0"/>
+              <a:t>Temporary decrease </a:t>
+            </a:r>
+            <a:r>
+              <a:rPr lang="en-US" sz="2000" dirty="0"/>
+              <a:t>in cardiac parasympathetic tone after acute myocardial infarction. Am J </a:t>
+            </a:r>
+            <a:r>
+              <a:rPr lang="en-US" sz="2000" dirty="0" err="1"/>
+              <a:t>Cardiol</a:t>
+            </a:r>
+            <a:r>
+              <a:rPr lang="en-US" sz="2000" dirty="0"/>
+              <a:t> </a:t>
+            </a:r>
+            <a:r>
+              <a:rPr lang="en-US" sz="2000" dirty="0" smtClean="0"/>
+              <a:t>18:637–639</a:t>
+            </a:r>
+          </a:p>
+          <a:p>
+            <a:pPr>
+              <a:buFont typeface="+mj-lt"/>
+              <a:buAutoNum type="arabicPeriod"/>
+            </a:pPr>
+            <a:r>
+              <a:rPr lang="en-US" sz="2000" dirty="0" err="1"/>
+              <a:t>Rossinin</a:t>
+            </a:r>
+            <a:r>
+              <a:rPr lang="en-US" sz="2000" dirty="0"/>
+              <a:t> J, </a:t>
+            </a:r>
+            <a:r>
+              <a:rPr lang="en-US" sz="2000" dirty="0" err="1"/>
+              <a:t>Vitasalo</a:t>
+            </a:r>
+            <a:r>
+              <a:rPr lang="en-US" sz="2000" dirty="0"/>
+              <a:t> M, </a:t>
+            </a:r>
+            <a:r>
+              <a:rPr lang="en-US" sz="2000" dirty="0" err="1"/>
+              <a:t>Partanen</a:t>
+            </a:r>
+            <a:r>
+              <a:rPr lang="en-US" sz="2000" dirty="0"/>
+              <a:t> J et al (1997) Effects </a:t>
+            </a:r>
+            <a:r>
+              <a:rPr lang="en-US" sz="2000" dirty="0" smtClean="0"/>
+              <a:t>of acute </a:t>
+            </a:r>
+            <a:r>
+              <a:rPr lang="en-US" sz="2000" dirty="0"/>
+              <a:t>alcohol ingestion on heart rate variability in </a:t>
+            </a:r>
+            <a:r>
+              <a:rPr lang="en-US" sz="2000" dirty="0" smtClean="0"/>
+              <a:t>patients with </a:t>
+            </a:r>
+            <a:r>
+              <a:rPr lang="en-US" sz="2000" dirty="0"/>
+              <a:t>documented coronary artery disease and stable </a:t>
+            </a:r>
+            <a:r>
+              <a:rPr lang="en-US" sz="2000" dirty="0" smtClean="0"/>
+              <a:t>angina pectoris</a:t>
+            </a:r>
+            <a:r>
+              <a:rPr lang="en-US" sz="2000" dirty="0"/>
+              <a:t>. Am J </a:t>
+            </a:r>
+            <a:r>
+              <a:rPr lang="en-US" sz="2000" dirty="0" err="1"/>
+              <a:t>Cardiol</a:t>
+            </a:r>
+            <a:r>
+              <a:rPr lang="en-US" sz="2000" dirty="0"/>
+              <a:t> 79:487–491</a:t>
+            </a:r>
+          </a:p>
+        </p:txBody>
+      </p:sp>
+    </p:spTree>
+    <p:extLst>
+      <p:ext uri="{BB962C8B-B14F-4D97-AF65-F5344CB8AC3E}">
+        <p14:creationId xmlns:p14="http://schemas.microsoft.com/office/powerpoint/2010/main" val="3698201762"/>
+      </p:ext>
+    </p:extLst>
+  </p:cSld>
+  <p:clrMapOvr>
+    <a:masterClrMapping/>
+  </p:clrMapOvr>
+  <p:timing>
+    <p:tnLst>
+      <p:par>
+        <p:cTn id="1" dur="indefinite" restart="never" nodeType="tmRoot"/>
+      </p:par>
+    </p:tnLst>
+  </p:timing>
+</p:sld>
+</file>
+
+<file path=ppt/slides/slide22.xml><?xml version="1.0" encoding="utf-8"?>
+<p:sld xmlns:a="http://schemas.openxmlformats.org/drawingml/2006/main" xmlns:r="http://schemas.openxmlformats.org/officeDocument/2006/relationships" xmlns:p="http://schemas.openxmlformats.org/presentationml/2006/main">
+  <p:cSld>
+    <p:spTree>
+      <p:nvGrpSpPr>
+        <p:cNvPr id="1" name=""/>
+        <p:cNvGrpSpPr/>
+        <p:nvPr/>
+      </p:nvGrpSpPr>
+      <p:grpSpPr>
+        <a:xfrm>
+          <a:off x="0" y="0"/>
+          <a:ext cx="0" cy="0"/>
+          <a:chOff x="0" y="0"/>
+          <a:chExt cx="0" cy="0"/>
+        </a:xfrm>
+      </p:grpSpPr>
+      <p:sp>
+        <p:nvSpPr>
+          <p:cNvPr id="2" name="Title 1"/>
+          <p:cNvSpPr>
+            <a:spLocks noGrp="1"/>
+          </p:cNvSpPr>
+          <p:nvPr>
+            <p:ph type="title"/>
+          </p:nvPr>
+        </p:nvSpPr>
+        <p:spPr>
+          <a:xfrm>
+            <a:off x="448734" y="2680447"/>
+            <a:ext cx="8596668" cy="1320800"/>
+          </a:xfrm>
+        </p:spPr>
+        <p:txBody>
+          <a:bodyPr>
+            <a:noAutofit/>
+          </a:bodyPr>
+          <a:lstStyle/>
+          <a:p>
+            <a:r>
+              <a:rPr lang="en-GB" sz="9200" b="1" dirty="0" smtClean="0"/>
+              <a:t>THANK YOU</a:t>
+            </a:r>
+            <a:endParaRPr lang="en-US" sz="9200" b="1" dirty="0"/>
+          </a:p>
+        </p:txBody>
+      </p:sp>
+    </p:spTree>
+    <p:extLst>
+      <p:ext uri="{BB962C8B-B14F-4D97-AF65-F5344CB8AC3E}">
+        <p14:creationId xmlns:p14="http://schemas.microsoft.com/office/powerpoint/2010/main" val="637053306"/>
       </p:ext>
     </p:extLst>
   </p:cSld>
@@ -9792,8 +12028,8 @@
         </p:nvSpPr>
         <p:spPr>
           <a:xfrm>
-            <a:off x="677334" y="1810966"/>
-            <a:ext cx="5462943" cy="4764646"/>
+            <a:off x="677334" y="1362218"/>
+            <a:ext cx="10422788" cy="4764646"/>
           </a:xfrm>
         </p:spPr>
         <p:txBody>
@@ -9894,26 +12130,35 @@
       </p:sp>
       <p:pic>
         <p:nvPicPr>
-          <p:cNvPr id="4" name="Picture 3"/>
-          <p:cNvPicPr>
-            <a:picLocks noChangeAspect="1"/>
-          </p:cNvPicPr>
+          <p:cNvPr id="5" name="Picture 4" descr="Hình ảnh có liên quan"/>
+          <p:cNvPicPr/>
           <p:nvPr/>
         </p:nvPicPr>
         <p:blipFill>
-          <a:blip r:embed="rId2"/>
+          <a:blip r:embed="rId2">
+            <a:extLst>
+              <a:ext uri="{28A0092B-C50C-407E-A947-70E740481C1C}">
+                <a14:useLocalDpi xmlns:a14="http://schemas.microsoft.com/office/drawing/2010/main" val="0"/>
+              </a:ext>
+            </a:extLst>
+          </a:blip>
+          <a:srcRect/>
           <a:stretch>
             <a:fillRect/>
           </a:stretch>
         </p:blipFill>
-        <p:spPr>
+        <p:spPr bwMode="auto">
           <a:xfrm>
-            <a:off x="6449559" y="1265463"/>
-            <a:ext cx="3931571" cy="5198277"/>
+            <a:off x="677335" y="3773347"/>
+            <a:ext cx="6742038" cy="3084653"/>
           </a:xfrm>
           <a:prstGeom prst="rect">
             <a:avLst/>
           </a:prstGeom>
+          <a:noFill/>
+          <a:ln>
+            <a:noFill/>
+          </a:ln>
         </p:spPr>
       </p:pic>
     </p:spTree>
@@ -10158,189 +12403,6 @@
             <p:ph type="title"/>
           </p:nvPr>
         </p:nvSpPr>
-        <p:spPr>
-          <a:xfrm>
-            <a:off x="677334" y="609600"/>
-            <a:ext cx="9892054" cy="752499"/>
-          </a:xfrm>
-        </p:spPr>
-        <p:txBody>
-          <a:bodyPr>
-            <a:normAutofit/>
-          </a:bodyPr>
-          <a:lstStyle/>
-          <a:p>
-            <a:r>
-              <a:rPr lang="en-GB" sz="4200" b="1" dirty="0" smtClean="0"/>
-              <a:t>II. The electrocardiogram signal</a:t>
-            </a:r>
-            <a:endParaRPr lang="en-US" sz="4200" b="1" dirty="0"/>
-          </a:p>
-        </p:txBody>
-      </p:sp>
-      <p:sp>
-        <p:nvSpPr>
-          <p:cNvPr id="3" name="Content Placeholder 2"/>
-          <p:cNvSpPr>
-            <a:spLocks noGrp="1"/>
-          </p:cNvSpPr>
-          <p:nvPr>
-            <p:ph idx="1"/>
-          </p:nvPr>
-        </p:nvSpPr>
-        <p:spPr>
-          <a:xfrm>
-            <a:off x="677334" y="1362099"/>
-            <a:ext cx="8596668" cy="3880773"/>
-          </a:xfrm>
-        </p:spPr>
-        <p:txBody>
-          <a:bodyPr>
-            <a:normAutofit/>
-          </a:bodyPr>
-          <a:lstStyle/>
-          <a:p>
-            <a:r>
-              <a:rPr lang="en-GB" sz="2400" b="1" dirty="0" smtClean="0">
-                <a:solidFill>
-                  <a:schemeClr val="accent4"/>
-                </a:solidFill>
-              </a:rPr>
-              <a:t>Sources of noises:</a:t>
-            </a:r>
-          </a:p>
-          <a:p>
-            <a:pPr marL="457200" indent="-457200">
-              <a:buFont typeface="+mj-lt"/>
-              <a:buAutoNum type="arabicPeriod"/>
-            </a:pPr>
-            <a:r>
-              <a:rPr lang="en-GB" sz="2400" b="1" dirty="0" smtClean="0">
-                <a:solidFill>
-                  <a:schemeClr val="tx1"/>
-                </a:solidFill>
-              </a:rPr>
-              <a:t>Instrumentation noise</a:t>
-            </a:r>
-          </a:p>
-          <a:p>
-            <a:pPr marL="457200" indent="-457200">
-              <a:buFont typeface="+mj-lt"/>
-              <a:buAutoNum type="arabicPeriod"/>
-            </a:pPr>
-            <a:r>
-              <a:rPr lang="en-GB" sz="2400" b="1" dirty="0" smtClean="0">
-                <a:solidFill>
-                  <a:schemeClr val="tx1"/>
-                </a:solidFill>
-              </a:rPr>
-              <a:t>Electrode noise</a:t>
-            </a:r>
-          </a:p>
-          <a:p>
-            <a:pPr marL="457200" indent="-457200">
-              <a:buFont typeface="+mj-lt"/>
-              <a:buAutoNum type="arabicPeriod"/>
-            </a:pPr>
-            <a:r>
-              <a:rPr lang="en-GB" sz="2400" b="1" dirty="0" smtClean="0">
-                <a:solidFill>
-                  <a:schemeClr val="tx1"/>
-                </a:solidFill>
-              </a:rPr>
-              <a:t>Skin contact</a:t>
-            </a:r>
-          </a:p>
-          <a:p>
-            <a:pPr marL="457200" indent="-457200">
-              <a:buFont typeface="+mj-lt"/>
-              <a:buAutoNum type="arabicPeriod"/>
-            </a:pPr>
-            <a:r>
-              <a:rPr lang="en-GB" sz="2400" b="1" dirty="0" err="1" smtClean="0">
-                <a:solidFill>
-                  <a:schemeClr val="tx1"/>
-                </a:solidFill>
-              </a:rPr>
-              <a:t>EMG</a:t>
-            </a:r>
-            <a:endParaRPr lang="en-GB" sz="2400" b="1" dirty="0" smtClean="0">
-              <a:solidFill>
-                <a:schemeClr val="tx1"/>
-              </a:solidFill>
-            </a:endParaRPr>
-          </a:p>
-          <a:p>
-            <a:pPr marL="457200" indent="-457200">
-              <a:buFont typeface="+mj-lt"/>
-              <a:buAutoNum type="arabicPeriod"/>
-            </a:pPr>
-            <a:r>
-              <a:rPr lang="en-GB" sz="2400" b="1" dirty="0" smtClean="0">
-                <a:solidFill>
-                  <a:schemeClr val="tx1"/>
-                </a:solidFill>
-              </a:rPr>
-              <a:t>Electric field from nearby devices</a:t>
-            </a:r>
-            <a:endParaRPr lang="en-GB" sz="2400" b="1" dirty="0" smtClean="0">
-              <a:solidFill>
-                <a:schemeClr val="tx1"/>
-              </a:solidFill>
-            </a:endParaRPr>
-          </a:p>
-          <a:p>
-            <a:endParaRPr lang="en-US" sz="2400" dirty="0" smtClean="0"/>
-          </a:p>
-        </p:txBody>
-      </p:sp>
-    </p:spTree>
-    <p:extLst>
-      <p:ext uri="{BB962C8B-B14F-4D97-AF65-F5344CB8AC3E}">
-        <p14:creationId xmlns:p14="http://schemas.microsoft.com/office/powerpoint/2010/main" val="844191576"/>
-      </p:ext>
-    </p:extLst>
-  </p:cSld>
-  <p:clrMapOvr>
-    <a:masterClrMapping/>
-  </p:clrMapOvr>
-  <p:timing>
-    <p:tnLst>
-      <p:par>
-        <p:cTn id="1" dur="indefinite" restart="never" nodeType="tmRoot"/>
-      </p:par>
-    </p:tnLst>
-  </p:timing>
-</p:sld>
-</file>
-
-<file path=ppt/slides/slide6.xml><?xml version="1.0" encoding="utf-8"?>
-<p:sld xmlns:a="http://schemas.openxmlformats.org/drawingml/2006/main" xmlns:r="http://schemas.openxmlformats.org/officeDocument/2006/relationships" xmlns:p="http://schemas.openxmlformats.org/presentationml/2006/main">
-  <p:cSld>
-    <p:spTree>
-      <p:nvGrpSpPr>
-        <p:cNvPr id="1" name=""/>
-        <p:cNvGrpSpPr/>
-        <p:nvPr/>
-      </p:nvGrpSpPr>
-      <p:grpSpPr>
-        <a:xfrm>
-          <a:off x="0" y="0"/>
-          <a:ext cx="0" cy="0"/>
-          <a:chOff x="0" y="0"/>
-          <a:chExt cx="0" cy="0"/>
-        </a:xfrm>
-      </p:grpSpPr>
-      <p:sp>
-        <p:nvSpPr>
-          <p:cNvPr id="2" name="Title 1"/>
-          <p:cNvSpPr>
-            <a:spLocks noGrp="1"/>
-          </p:cNvSpPr>
-          <p:nvPr>
-            <p:ph type="title"/>
-          </p:nvPr>
-        </p:nvSpPr>
         <p:spPr/>
         <p:txBody>
           <a:bodyPr>
@@ -10408,15 +12470,7 @@
             </a:r>
             <a:r>
               <a:rPr lang="en-GB" sz="2400" dirty="0" smtClean="0"/>
-              <a:t>(ST segment Elevation or Depression) in the </a:t>
-            </a:r>
-            <a:r>
-              <a:rPr lang="en-GB" sz="2400" dirty="0" err="1" smtClean="0"/>
-              <a:t>ECG</a:t>
-            </a:r>
-            <a:r>
-              <a:rPr lang="en-GB" sz="2400" dirty="0" smtClean="0"/>
-              <a:t> signal</a:t>
+              <a:t>(ST segment Elevation or Depression) in the EKG signal</a:t>
             </a:r>
           </a:p>
           <a:p>
@@ -10452,15 +12506,7 @@
             </a:r>
             <a:r>
               <a:rPr lang="en-GB" sz="2400" dirty="0" smtClean="0"/>
-              <a:t>Myocardial Infarction for an </a:t>
-            </a:r>
-            <a:r>
-              <a:rPr lang="en-GB" sz="2400" dirty="0" err="1" smtClean="0"/>
-              <a:t>ECG</a:t>
-            </a:r>
-            <a:r>
-              <a:rPr lang="en-GB" sz="2400" dirty="0" smtClean="0"/>
-              <a:t> record</a:t>
+              <a:t>Myocardial Infarction using a risk score system</a:t>
             </a:r>
           </a:p>
           <a:p>
@@ -10515,7 +12561,7 @@
 </p:sld>
 </file>
 
-<file path=ppt/slides/slide7.xml><?xml version="1.0" encoding="utf-8"?>
+<file path=ppt/slides/slide6.xml><?xml version="1.0" encoding="utf-8"?>
 <p:sld xmlns:a="http://schemas.openxmlformats.org/drawingml/2006/main" xmlns:r="http://schemas.openxmlformats.org/officeDocument/2006/relationships" xmlns:p="http://schemas.openxmlformats.org/presentationml/2006/main">
   <p:cSld>
     <p:spTree>
@@ -10613,21 +12659,7 @@
                 <a:ea typeface="Calibri" panose="020F0502020204030204" pitchFamily="34" charset="0"/>
                 <a:cs typeface="Times New Roman" panose="02020603050405020304" pitchFamily="18" charset="0"/>
               </a:rPr>
-              <a:t>Raw </a:t>
-            </a:r>
-            <a:r>
-              <a:rPr lang="en-GB" dirty="0" err="1" smtClean="0">
-                <a:ea typeface="Calibri" panose="020F0502020204030204" pitchFamily="34" charset="0"/>
-                <a:cs typeface="Times New Roman" panose="02020603050405020304" pitchFamily="18" charset="0"/>
-              </a:rPr>
-              <a:t>ECG</a:t>
-            </a:r>
-            <a:r>
-              <a:rPr lang="en-GB" dirty="0" smtClean="0">
-                <a:ea typeface="Calibri" panose="020F0502020204030204" pitchFamily="34" charset="0"/>
-                <a:cs typeface="Times New Roman" panose="02020603050405020304" pitchFamily="18" charset="0"/>
-              </a:rPr>
-              <a:t> signal</a:t>
+              <a:t>Raw EKG signal</a:t>
             </a:r>
             <a:endParaRPr lang="en-US" dirty="0">
               <a:effectLst/>
@@ -10808,20 +12840,12 @@
               </a:spcAft>
             </a:pPr>
             <a:r>
-              <a:rPr lang="en-GB" dirty="0" err="1" smtClean="0">
-                <a:effectLst/>
-                <a:ea typeface="Calibri" panose="020F0502020204030204" pitchFamily="34" charset="0"/>
-                <a:cs typeface="Times New Roman" panose="02020603050405020304" pitchFamily="18" charset="0"/>
-              </a:rPr>
-              <a:t>QRS</a:t>
-            </a:r>
-            <a:r>
               <a:rPr lang="en-GB" dirty="0" smtClean="0">
                 <a:effectLst/>
                 <a:ea typeface="Calibri" panose="020F0502020204030204" pitchFamily="34" charset="0"/>
                 <a:cs typeface="Times New Roman" panose="02020603050405020304" pitchFamily="18" charset="0"/>
               </a:rPr>
-              <a:t> Detection</a:t>
+              <a:t>Delineation</a:t>
             </a:r>
             <a:endParaRPr lang="en-US" dirty="0">
               <a:effectLst/>
@@ -11039,20 +13063,12 @@
               </a:spcAft>
             </a:pPr>
             <a:r>
-              <a:rPr lang="en-GB" dirty="0" err="1" smtClean="0">
-                <a:effectLst/>
-                <a:ea typeface="Calibri" panose="020F0502020204030204" pitchFamily="34" charset="0"/>
-                <a:cs typeface="Times New Roman" panose="02020603050405020304" pitchFamily="18" charset="0"/>
-              </a:rPr>
-              <a:t>Detrended</a:t>
-            </a:r>
-            <a:r>
               <a:rPr lang="en-GB" dirty="0" smtClean="0">
                 <a:effectLst/>
                 <a:ea typeface="Calibri" panose="020F0502020204030204" pitchFamily="34" charset="0"/>
                 <a:cs typeface="Times New Roman" panose="02020603050405020304" pitchFamily="18" charset="0"/>
               </a:rPr>
-              <a:t> Fluctuation Analysis</a:t>
+              <a:t>De-trended Fluctuation Analysis</a:t>
             </a:r>
             <a:endParaRPr lang="en-US" dirty="0">
               <a:effectLst/>
@@ -11340,7 +13356,7 @@
 </p:sld>
 </file>
 
-<file path=ppt/slides/slide8.xml><?xml version="1.0" encoding="utf-8"?>
+<file path=ppt/slides/slide7.xml><?xml version="1.0" encoding="utf-8"?>
 <p:sld xmlns:a="http://schemas.openxmlformats.org/drawingml/2006/main" xmlns:r="http://schemas.openxmlformats.org/officeDocument/2006/relationships" xmlns:p="http://schemas.openxmlformats.org/presentationml/2006/main">
   <p:cSld>
     <p:spTree>
@@ -11381,11 +13397,7 @@
           <a:p>
             <a:r>
               <a:rPr lang="en-GB" sz="4200" b="1" dirty="0" smtClean="0"/>
-              <a:t>RAW </a:t>
-            </a:r>
-            <a:r>
-              <a:rPr lang="en-GB" sz="4200" b="1" dirty="0" err="1" smtClean="0"/>
-              <a:t>ECG</a:t>
+              <a:t>Database Acquisition</a:t>
             </a:r>
             <a:endParaRPr lang="en-US" sz="4200" b="1" dirty="0"/>
           </a:p>
@@ -11431,7 +13443,7 @@
             </a:r>
             <a:r>
               <a:rPr lang="en-GB" sz="2400" dirty="0" smtClean="0"/>
-              <a:t> Database:</a:t>
+              <a:t> Databases:</a:t>
             </a:r>
           </a:p>
           <a:p>
@@ -11469,7 +13481,7 @@
             </a:pPr>
             <a:r>
               <a:rPr lang="en-US" sz="2400" dirty="0"/>
-              <a:t>	recordings = [20011 20221 20271 20272 20273 20274 20461 20161 20361];</a:t>
+              <a:t>	dedicated for development and quantification of ischemia</a:t>
             </a:r>
           </a:p>
           <a:p>
@@ -11491,7 +13503,11 @@
             </a:pPr>
             <a:r>
               <a:rPr lang="en-US" sz="2400" dirty="0"/>
-              <a:t>	recordings = [103 112 118 111 121 119 129 139 133 162 161 154];</a:t>
+              <a:t>	</a:t>
+            </a:r>
+            <a:r>
+              <a:rPr lang="en-US" sz="2400" dirty="0" smtClean="0"/>
+              <a:t>intended to be used for algorithms evaluation of ST and T-wave changes</a:t>
             </a:r>
           </a:p>
           <a:p>
@@ -11499,12 +13515,20 @@
               <a:buNone/>
             </a:pPr>
             <a:r>
+              <a:rPr lang="en-GB" sz="2400" b="1" dirty="0" smtClean="0">
+                <a:solidFill>
+                  <a:schemeClr val="accent4"/>
+                </a:solidFill>
+              </a:rPr>
+              <a:t>ST-change </a:t>
+            </a:r>
+            <a:r>
               <a:rPr lang="en-GB" sz="2400" b="1" dirty="0">
                 <a:solidFill>
                   <a:schemeClr val="accent4"/>
                 </a:solidFill>
               </a:rPr>
-              <a:t>ST-change Database</a:t>
+              <a:t>Database</a:t>
             </a:r>
           </a:p>
           <a:p>
@@ -11513,20 +13537,9 @@
             </a:pPr>
             <a:r>
               <a:rPr lang="en-US" sz="2400" dirty="0"/>
-              <a:t>	recordings = [300 302 303 306 317</a:t>
-            </a:r>
-            <a:r>
-              <a:rPr lang="en-US" sz="2400" dirty="0" smtClean="0"/>
-              <a:t>];</a:t>
-            </a:r>
-            <a:endParaRPr lang="en-GB" sz="2400" dirty="0" smtClean="0"/>
-          </a:p>
-          <a:p>
-            <a:r>
-              <a:rPr lang="en-GB" sz="2400" dirty="0" smtClean="0"/>
-              <a:t>12 bit resolution</a:t>
-            </a:r>
-            <a:endParaRPr lang="en-GB" sz="2400" dirty="0"/>
+              <a:t>	 recorded during exercise stress tests and most of which exhibit transient ST deviation </a:t>
+            </a:r>
+            <a:endParaRPr lang="en-US" sz="2400" dirty="0" smtClean="0"/>
           </a:p>
           <a:p>
             <a:r>
@@ -11537,13 +13550,13 @@
           <a:p>
             <a:r>
               <a:rPr lang="en-GB" sz="2400" dirty="0" smtClean="0"/>
-              <a:t>Sampling rate of 250 Hz</a:t>
+              <a:t>Sampling rate of 250 Hz, 12 bit resolution</a:t>
             </a:r>
           </a:p>
           <a:p>
             <a:r>
               <a:rPr lang="en-GB" sz="2400" dirty="0" smtClean="0"/>
-              <a:t>Contain 16 cases of MI, 10 cases of Normal</a:t>
+              <a:t>Total 94 records, 26 cases of STD, 38 cases of STE</a:t>
             </a:r>
           </a:p>
           <a:p>
@@ -11564,6 +13577,870 @@
     <p:extLst>
       <p:ext uri="{BB962C8B-B14F-4D97-AF65-F5344CB8AC3E}">
         <p14:creationId xmlns:p14="http://schemas.microsoft.com/office/powerpoint/2010/main" val="1678100682"/>
+      </p:ext>
+    </p:extLst>
+  </p:cSld>
+  <p:clrMapOvr>
+    <a:masterClrMapping/>
+  </p:clrMapOvr>
+  <p:timing>
+    <p:tnLst>
+      <p:par>
+        <p:cTn id="1" dur="indefinite" restart="never" nodeType="tmRoot"/>
+      </p:par>
+    </p:tnLst>
+  </p:timing>
+</p:sld>
+</file>
+
+<file path=ppt/slides/slide8.xml><?xml version="1.0" encoding="utf-8"?>
+<p:sld xmlns:a="http://schemas.openxmlformats.org/drawingml/2006/main" xmlns:r="http://schemas.openxmlformats.org/officeDocument/2006/relationships" xmlns:p="http://schemas.openxmlformats.org/presentationml/2006/main">
+  <p:cSld>
+    <p:spTree>
+      <p:nvGrpSpPr>
+        <p:cNvPr id="1" name=""/>
+        <p:cNvGrpSpPr/>
+        <p:nvPr/>
+      </p:nvGrpSpPr>
+      <p:grpSpPr>
+        <a:xfrm>
+          <a:off x="0" y="0"/>
+          <a:ext cx="0" cy="0"/>
+          <a:chOff x="0" y="0"/>
+          <a:chExt cx="0" cy="0"/>
+        </a:xfrm>
+      </p:grpSpPr>
+      <p:sp>
+        <p:nvSpPr>
+          <p:cNvPr id="2" name="Title 1"/>
+          <p:cNvSpPr>
+            <a:spLocks noGrp="1"/>
+          </p:cNvSpPr>
+          <p:nvPr>
+            <p:ph type="title"/>
+          </p:nvPr>
+        </p:nvSpPr>
+        <p:spPr>
+          <a:xfrm>
+            <a:off x="501453" y="428296"/>
+            <a:ext cx="8596668" cy="1320800"/>
+          </a:xfrm>
+        </p:spPr>
+        <p:txBody>
+          <a:bodyPr>
+            <a:normAutofit/>
+          </a:bodyPr>
+          <a:lstStyle/>
+          <a:p>
+            <a:r>
+              <a:rPr lang="en-GB" sz="4200" b="1" dirty="0" smtClean="0"/>
+              <a:t>Normalization</a:t>
+            </a:r>
+            <a:endParaRPr lang="en-US" sz="4200" b="1" dirty="0"/>
+          </a:p>
+        </p:txBody>
+      </p:sp>
+      <p:sp>
+        <p:nvSpPr>
+          <p:cNvPr id="3" name="Content Placeholder 2"/>
+          <p:cNvSpPr>
+            <a:spLocks noGrp="1"/>
+          </p:cNvSpPr>
+          <p:nvPr>
+            <p:ph idx="1"/>
+          </p:nvPr>
+        </p:nvSpPr>
+        <p:spPr>
+          <a:xfrm>
+            <a:off x="501453" y="1161745"/>
+            <a:ext cx="4474215" cy="1022037"/>
+          </a:xfrm>
+        </p:spPr>
+        <p:txBody>
+          <a:bodyPr>
+            <a:noAutofit/>
+          </a:bodyPr>
+          <a:lstStyle/>
+          <a:p>
+            <a:r>
+              <a:rPr lang="en-GB" sz="2400" b="1" dirty="0">
+                <a:solidFill>
+                  <a:schemeClr val="accent4"/>
+                </a:solidFill>
+              </a:rPr>
+              <a:t>S</a:t>
+            </a:r>
+            <a:r>
+              <a:rPr lang="en-GB" sz="2400" b="1" dirty="0" smtClean="0">
+                <a:solidFill>
+                  <a:schemeClr val="accent4"/>
+                </a:solidFill>
+              </a:rPr>
+              <a:t>cale down </a:t>
+            </a:r>
+            <a:r>
+              <a:rPr lang="en-GB" sz="2400" dirty="0" smtClean="0"/>
+              <a:t>the signal with its energy, make the signal </a:t>
+            </a:r>
+            <a:r>
+              <a:rPr lang="en-GB" sz="2400" b="1" dirty="0" smtClean="0">
+                <a:solidFill>
+                  <a:schemeClr val="accent4"/>
+                </a:solidFill>
+              </a:rPr>
+              <a:t>comparable</a:t>
+            </a:r>
+          </a:p>
+          <a:p>
+            <a:endParaRPr lang="en-US" sz="2400" dirty="0"/>
+          </a:p>
+        </p:txBody>
+      </p:sp>
+      <p:sp>
+        <p:nvSpPr>
+          <p:cNvPr id="4" name="Rectangle 3"/>
+          <p:cNvSpPr/>
+          <p:nvPr/>
+        </p:nvSpPr>
+        <p:spPr>
+          <a:xfrm>
+            <a:off x="5556167" y="652048"/>
+            <a:ext cx="5504525" cy="2041433"/>
+          </a:xfrm>
+          <a:prstGeom prst="rect">
+            <a:avLst/>
+          </a:prstGeom>
+        </p:spPr>
+        <p:style>
+          <a:lnRef idx="2">
+            <a:schemeClr val="accent6"/>
+          </a:lnRef>
+          <a:fillRef idx="1">
+            <a:schemeClr val="lt1"/>
+          </a:fillRef>
+          <a:effectRef idx="0">
+            <a:schemeClr val="accent6"/>
+          </a:effectRef>
+          <a:fontRef idx="minor">
+            <a:schemeClr val="dk1"/>
+          </a:fontRef>
+        </p:style>
+        <p:txBody>
+          <a:bodyPr rtlCol="0" anchor="ctr"/>
+          <a:lstStyle/>
+          <a:p>
+            <a:endParaRPr lang="en-US" sz="1600" dirty="0" smtClean="0">
+              <a:solidFill>
+                <a:srgbClr val="228B22"/>
+              </a:solidFill>
+              <a:latin typeface="Courier New" panose="02070309020205020404" pitchFamily="49" charset="0"/>
+            </a:endParaRPr>
+          </a:p>
+          <a:p>
+            <a:r>
+              <a:rPr lang="en-US" sz="1600" dirty="0" smtClean="0">
+                <a:solidFill>
+                  <a:srgbClr val="228B22"/>
+                </a:solidFill>
+                <a:latin typeface="Courier New" panose="02070309020205020404" pitchFamily="49" charset="0"/>
+              </a:rPr>
+              <a:t>% </a:t>
+            </a:r>
+            <a:r>
+              <a:rPr lang="en-US" sz="1600" dirty="0">
+                <a:solidFill>
+                  <a:srgbClr val="228B22"/>
+                </a:solidFill>
+                <a:latin typeface="Courier New" panose="02070309020205020404" pitchFamily="49" charset="0"/>
+              </a:rPr>
+              <a:t>NORMALIZATION CODES-</a:t>
+            </a:r>
+            <a:r>
+              <a:rPr lang="en-US" sz="1600" dirty="0" smtClean="0">
+                <a:solidFill>
+                  <a:srgbClr val="228B22"/>
+                </a:solidFill>
+                <a:latin typeface="Courier New" panose="02070309020205020404" pitchFamily="49" charset="0"/>
+              </a:rPr>
+              <a:t>--------------------</a:t>
+            </a:r>
+            <a:endParaRPr lang="en-US" sz="1600" dirty="0">
+              <a:solidFill>
+                <a:srgbClr val="228B22"/>
+              </a:solidFill>
+              <a:latin typeface="Courier New" panose="02070309020205020404" pitchFamily="49" charset="0"/>
+            </a:endParaRPr>
+          </a:p>
+          <a:p>
+            <a:r>
+              <a:rPr lang="en-US" sz="1600" dirty="0">
+                <a:solidFill>
+                  <a:srgbClr val="000000"/>
+                </a:solidFill>
+                <a:latin typeface="Courier New" panose="02070309020205020404" pitchFamily="49" charset="0"/>
+              </a:rPr>
+              <a:t>    </a:t>
+            </a:r>
+            <a:r>
+              <a:rPr lang="en-US" sz="1600" dirty="0" err="1">
+                <a:solidFill>
+                  <a:srgbClr val="000000"/>
+                </a:solidFill>
+                <a:latin typeface="Courier New" panose="02070309020205020404" pitchFamily="49" charset="0"/>
+              </a:rPr>
+              <a:t>sig1_raw</a:t>
+            </a:r>
+            <a:r>
+              <a:rPr lang="en-US" sz="1600" dirty="0">
+                <a:solidFill>
+                  <a:srgbClr val="000000"/>
+                </a:solidFill>
+                <a:latin typeface="Courier New" panose="02070309020205020404" pitchFamily="49" charset="0"/>
+              </a:rPr>
+              <a:t> = </a:t>
+            </a:r>
+            <a:r>
+              <a:rPr lang="en-US" sz="1600" dirty="0" err="1">
+                <a:solidFill>
+                  <a:srgbClr val="000000"/>
+                </a:solidFill>
+                <a:latin typeface="Courier New" panose="02070309020205020404" pitchFamily="49" charset="0"/>
+              </a:rPr>
+              <a:t>sig1_raw</a:t>
+            </a:r>
+            <a:r>
+              <a:rPr lang="en-US" sz="1600" dirty="0">
+                <a:solidFill>
+                  <a:srgbClr val="000000"/>
+                </a:solidFill>
+                <a:latin typeface="Courier New" panose="02070309020205020404" pitchFamily="49" charset="0"/>
+              </a:rPr>
+              <a:t> - mean(</a:t>
+            </a:r>
+            <a:r>
+              <a:rPr lang="en-US" sz="1600" dirty="0" err="1">
+                <a:solidFill>
+                  <a:srgbClr val="000000"/>
+                </a:solidFill>
+                <a:latin typeface="Courier New" panose="02070309020205020404" pitchFamily="49" charset="0"/>
+              </a:rPr>
+              <a:t>sig1_raw</a:t>
+            </a:r>
+            <a:r>
+              <a:rPr lang="en-US" sz="1600" dirty="0">
+                <a:solidFill>
+                  <a:srgbClr val="000000"/>
+                </a:solidFill>
+                <a:latin typeface="Courier New" panose="02070309020205020404" pitchFamily="49" charset="0"/>
+              </a:rPr>
+              <a:t>);</a:t>
+            </a:r>
+          </a:p>
+          <a:p>
+            <a:r>
+              <a:rPr lang="en-US" sz="1600" dirty="0">
+                <a:solidFill>
+                  <a:srgbClr val="000000"/>
+                </a:solidFill>
+                <a:latin typeface="Courier New" panose="02070309020205020404" pitchFamily="49" charset="0"/>
+              </a:rPr>
+              <a:t>    L = length(</a:t>
+            </a:r>
+            <a:r>
+              <a:rPr lang="en-US" sz="1600" dirty="0" err="1">
+                <a:solidFill>
+                  <a:srgbClr val="000000"/>
+                </a:solidFill>
+                <a:latin typeface="Courier New" panose="02070309020205020404" pitchFamily="49" charset="0"/>
+              </a:rPr>
+              <a:t>sig1_raw</a:t>
+            </a:r>
+            <a:r>
+              <a:rPr lang="en-US" sz="1600" dirty="0">
+                <a:solidFill>
+                  <a:srgbClr val="000000"/>
+                </a:solidFill>
+                <a:latin typeface="Courier New" panose="02070309020205020404" pitchFamily="49" charset="0"/>
+              </a:rPr>
+              <a:t>);</a:t>
+            </a:r>
+          </a:p>
+          <a:p>
+            <a:r>
+              <a:rPr lang="en-US" sz="1600" dirty="0">
+                <a:solidFill>
+                  <a:srgbClr val="000000"/>
+                </a:solidFill>
+                <a:latin typeface="Courier New" panose="02070309020205020404" pitchFamily="49" charset="0"/>
+              </a:rPr>
+              <a:t>    Ex = 1/L * sum(abs(</a:t>
+            </a:r>
+            <a:r>
+              <a:rPr lang="en-US" sz="1600" dirty="0" err="1">
+                <a:solidFill>
+                  <a:srgbClr val="000000"/>
+                </a:solidFill>
+                <a:latin typeface="Courier New" panose="02070309020205020404" pitchFamily="49" charset="0"/>
+              </a:rPr>
+              <a:t>sig1_raw</a:t>
+            </a:r>
+            <a:r>
+              <a:rPr lang="en-US" sz="1600" dirty="0">
+                <a:solidFill>
+                  <a:srgbClr val="000000"/>
+                </a:solidFill>
+                <a:latin typeface="Courier New" panose="02070309020205020404" pitchFamily="49" charset="0"/>
+              </a:rPr>
+              <a:t>).^2);</a:t>
+            </a:r>
+          </a:p>
+          <a:p>
+            <a:r>
+              <a:rPr lang="en-US" sz="1600" dirty="0">
+                <a:solidFill>
+                  <a:srgbClr val="000000"/>
+                </a:solidFill>
+                <a:latin typeface="Courier New" panose="02070309020205020404" pitchFamily="49" charset="0"/>
+              </a:rPr>
+              <a:t>    </a:t>
+            </a:r>
+            <a:r>
+              <a:rPr lang="en-US" sz="1600" dirty="0" err="1">
+                <a:solidFill>
+                  <a:srgbClr val="000000"/>
+                </a:solidFill>
+                <a:latin typeface="Courier New" panose="02070309020205020404" pitchFamily="49" charset="0"/>
+              </a:rPr>
+              <a:t>sig1_raw</a:t>
+            </a:r>
+            <a:r>
+              <a:rPr lang="en-US" sz="1600" dirty="0">
+                <a:solidFill>
+                  <a:srgbClr val="000000"/>
+                </a:solidFill>
+                <a:latin typeface="Courier New" panose="02070309020205020404" pitchFamily="49" charset="0"/>
+              </a:rPr>
+              <a:t> = </a:t>
+            </a:r>
+            <a:r>
+              <a:rPr lang="en-US" sz="1600" dirty="0" err="1">
+                <a:solidFill>
+                  <a:srgbClr val="000000"/>
+                </a:solidFill>
+                <a:latin typeface="Courier New" panose="02070309020205020404" pitchFamily="49" charset="0"/>
+              </a:rPr>
+              <a:t>sig1_raw</a:t>
+            </a:r>
+            <a:r>
+              <a:rPr lang="en-US" sz="1600" dirty="0">
+                <a:solidFill>
+                  <a:srgbClr val="000000"/>
+                </a:solidFill>
+                <a:latin typeface="Courier New" panose="02070309020205020404" pitchFamily="49" charset="0"/>
+              </a:rPr>
+              <a:t> / Ex</a:t>
+            </a:r>
+            <a:r>
+              <a:rPr lang="en-US" sz="1600" dirty="0" smtClean="0">
+                <a:solidFill>
+                  <a:srgbClr val="000000"/>
+                </a:solidFill>
+                <a:latin typeface="Courier New" panose="02070309020205020404" pitchFamily="49" charset="0"/>
+              </a:rPr>
+              <a:t>;</a:t>
+            </a:r>
+          </a:p>
+          <a:p>
+            <a:r>
+              <a:rPr lang="en-US" sz="1600" dirty="0">
+                <a:solidFill>
+                  <a:srgbClr val="228B22"/>
+                </a:solidFill>
+                <a:latin typeface="Courier New" panose="02070309020205020404" pitchFamily="49" charset="0"/>
+              </a:rPr>
+              <a:t>% </a:t>
+            </a:r>
+            <a:r>
+              <a:rPr lang="en-US" sz="1600" dirty="0" err="1">
+                <a:solidFill>
+                  <a:srgbClr val="228B22"/>
+                </a:solidFill>
+                <a:latin typeface="Courier New" panose="02070309020205020404" pitchFamily="49" charset="0"/>
+              </a:rPr>
+              <a:t>NORMALIZA</a:t>
+            </a:r>
+            <a:r>
+              <a:rPr lang="en-US" sz="1600" dirty="0">
+                <a:solidFill>
+                  <a:srgbClr val="228B22"/>
+                </a:solidFill>
+                <a:latin typeface="Courier New" panose="02070309020205020404" pitchFamily="49" charset="0"/>
+              </a:rPr>
+              <a:t> THE SIGNAL FROM 0 TO 1</a:t>
+            </a:r>
+          </a:p>
+          <a:p>
+            <a:r>
+              <a:rPr lang="en-US" sz="1600" dirty="0">
+                <a:solidFill>
+                  <a:srgbClr val="000000"/>
+                </a:solidFill>
+                <a:latin typeface="Courier New" panose="02070309020205020404" pitchFamily="49" charset="0"/>
+              </a:rPr>
+              <a:t>    </a:t>
+            </a:r>
+            <a:r>
+              <a:rPr lang="en-US" sz="1600" dirty="0" err="1">
+                <a:solidFill>
+                  <a:srgbClr val="000000"/>
+                </a:solidFill>
+                <a:latin typeface="Courier New" panose="02070309020205020404" pitchFamily="49" charset="0"/>
+              </a:rPr>
+              <a:t>sig1</a:t>
+            </a:r>
+            <a:r>
+              <a:rPr lang="en-US" sz="1600" dirty="0">
+                <a:solidFill>
+                  <a:srgbClr val="000000"/>
+                </a:solidFill>
+                <a:latin typeface="Courier New" panose="02070309020205020404" pitchFamily="49" charset="0"/>
+              </a:rPr>
+              <a:t> = </a:t>
+            </a:r>
+            <a:r>
+              <a:rPr lang="en-US" sz="1600" dirty="0" err="1">
+                <a:solidFill>
+                  <a:srgbClr val="000000"/>
+                </a:solidFill>
+                <a:latin typeface="Courier New" panose="02070309020205020404" pitchFamily="49" charset="0"/>
+              </a:rPr>
+              <a:t>sig1</a:t>
+            </a:r>
+            <a:r>
+              <a:rPr lang="en-US" sz="1600" dirty="0">
+                <a:solidFill>
+                  <a:srgbClr val="000000"/>
+                </a:solidFill>
+                <a:latin typeface="Courier New" panose="02070309020205020404" pitchFamily="49" charset="0"/>
+              </a:rPr>
+              <a:t> + abs(min(</a:t>
+            </a:r>
+            <a:r>
+              <a:rPr lang="en-US" sz="1600" dirty="0" err="1">
+                <a:solidFill>
+                  <a:srgbClr val="000000"/>
+                </a:solidFill>
+                <a:latin typeface="Courier New" panose="02070309020205020404" pitchFamily="49" charset="0"/>
+              </a:rPr>
+              <a:t>sig1</a:t>
+            </a:r>
+            <a:r>
+              <a:rPr lang="en-US" sz="1600" dirty="0">
+                <a:solidFill>
+                  <a:srgbClr val="000000"/>
+                </a:solidFill>
+                <a:latin typeface="Courier New" panose="02070309020205020404" pitchFamily="49" charset="0"/>
+              </a:rPr>
+              <a:t>));</a:t>
+            </a:r>
+          </a:p>
+          <a:p>
+            <a:r>
+              <a:rPr lang="en-US" sz="1600" dirty="0">
+                <a:solidFill>
+                  <a:srgbClr val="000000"/>
+                </a:solidFill>
+                <a:latin typeface="Courier New" panose="02070309020205020404" pitchFamily="49" charset="0"/>
+              </a:rPr>
+              <a:t>    </a:t>
+            </a:r>
+            <a:r>
+              <a:rPr lang="en-US" sz="1600" dirty="0" err="1">
+                <a:solidFill>
+                  <a:srgbClr val="000000"/>
+                </a:solidFill>
+                <a:latin typeface="Courier New" panose="02070309020205020404" pitchFamily="49" charset="0"/>
+              </a:rPr>
+              <a:t>sig1</a:t>
+            </a:r>
+            <a:r>
+              <a:rPr lang="en-US" sz="1600" dirty="0">
+                <a:solidFill>
+                  <a:srgbClr val="000000"/>
+                </a:solidFill>
+                <a:latin typeface="Courier New" panose="02070309020205020404" pitchFamily="49" charset="0"/>
+              </a:rPr>
+              <a:t> = </a:t>
+            </a:r>
+            <a:r>
+              <a:rPr lang="en-US" sz="1600" dirty="0" err="1">
+                <a:solidFill>
+                  <a:srgbClr val="000000"/>
+                </a:solidFill>
+                <a:latin typeface="Courier New" panose="02070309020205020404" pitchFamily="49" charset="0"/>
+              </a:rPr>
+              <a:t>sig1</a:t>
+            </a:r>
+            <a:r>
+              <a:rPr lang="en-US" sz="1600" dirty="0">
+                <a:solidFill>
+                  <a:srgbClr val="000000"/>
+                </a:solidFill>
+                <a:latin typeface="Courier New" panose="02070309020205020404" pitchFamily="49" charset="0"/>
+              </a:rPr>
+              <a:t> / max(</a:t>
+            </a:r>
+            <a:r>
+              <a:rPr lang="en-US" sz="1600" dirty="0" err="1">
+                <a:solidFill>
+                  <a:srgbClr val="000000"/>
+                </a:solidFill>
+                <a:latin typeface="Courier New" panose="02070309020205020404" pitchFamily="49" charset="0"/>
+              </a:rPr>
+              <a:t>sig1</a:t>
+            </a:r>
+            <a:r>
+              <a:rPr lang="en-US" sz="1600" dirty="0">
+                <a:solidFill>
+                  <a:srgbClr val="000000"/>
+                </a:solidFill>
+                <a:latin typeface="Courier New" panose="02070309020205020404" pitchFamily="49" charset="0"/>
+              </a:rPr>
+              <a:t>);</a:t>
+            </a:r>
+          </a:p>
+          <a:p>
+            <a:endParaRPr lang="en-US" dirty="0">
+              <a:solidFill>
+                <a:srgbClr val="000000"/>
+              </a:solidFill>
+              <a:latin typeface="Courier New" panose="02070309020205020404" pitchFamily="49" charset="0"/>
+            </a:endParaRPr>
+          </a:p>
+        </p:txBody>
+      </p:sp>
+      <p:pic>
+        <p:nvPicPr>
+          <p:cNvPr id="5" name="Picture 4"/>
+          <p:cNvPicPr>
+            <a:picLocks noChangeAspect="1"/>
+          </p:cNvPicPr>
+          <p:nvPr/>
+        </p:nvPicPr>
+        <p:blipFill>
+          <a:blip r:embed="rId2"/>
+          <a:stretch>
+            <a:fillRect/>
+          </a:stretch>
+        </p:blipFill>
+        <p:spPr>
+          <a:xfrm>
+            <a:off x="677334" y="3016326"/>
+            <a:ext cx="5080457" cy="1838325"/>
+          </a:xfrm>
+          <a:prstGeom prst="rect">
+            <a:avLst/>
+          </a:prstGeom>
+          <a:ln>
+            <a:solidFill>
+              <a:schemeClr val="tx1"/>
+            </a:solidFill>
+          </a:ln>
+        </p:spPr>
+      </p:pic>
+      <p:pic>
+        <p:nvPicPr>
+          <p:cNvPr id="6" name="Picture 5"/>
+          <p:cNvPicPr>
+            <a:picLocks noChangeAspect="1"/>
+          </p:cNvPicPr>
+          <p:nvPr/>
+        </p:nvPicPr>
+        <p:blipFill>
+          <a:blip r:embed="rId3"/>
+          <a:stretch>
+            <a:fillRect/>
+          </a:stretch>
+        </p:blipFill>
+        <p:spPr>
+          <a:xfrm>
+            <a:off x="5980235" y="3016326"/>
+            <a:ext cx="5080457" cy="1819275"/>
+          </a:xfrm>
+          <a:prstGeom prst="rect">
+            <a:avLst/>
+          </a:prstGeom>
+          <a:ln>
+            <a:solidFill>
+              <a:schemeClr val="tx1"/>
+            </a:solidFill>
+          </a:ln>
+        </p:spPr>
+      </p:pic>
+      <p:pic>
+        <p:nvPicPr>
+          <p:cNvPr id="7" name="Picture 6"/>
+          <p:cNvPicPr>
+            <a:picLocks noChangeAspect="1"/>
+          </p:cNvPicPr>
+          <p:nvPr/>
+        </p:nvPicPr>
+        <p:blipFill>
+          <a:blip r:embed="rId4"/>
+          <a:stretch>
+            <a:fillRect/>
+          </a:stretch>
+        </p:blipFill>
+        <p:spPr>
+          <a:xfrm>
+            <a:off x="5981678" y="4952881"/>
+            <a:ext cx="5079014" cy="1808476"/>
+          </a:xfrm>
+          <a:prstGeom prst="rect">
+            <a:avLst/>
+          </a:prstGeom>
+          <a:ln>
+            <a:solidFill>
+              <a:schemeClr val="tx1"/>
+            </a:solidFill>
+          </a:ln>
+        </p:spPr>
+      </p:pic>
+      <p:pic>
+        <p:nvPicPr>
+          <p:cNvPr id="8" name="Picture 7"/>
+          <p:cNvPicPr>
+            <a:picLocks noChangeAspect="1"/>
+          </p:cNvPicPr>
+          <p:nvPr/>
+        </p:nvPicPr>
+        <p:blipFill>
+          <a:blip r:embed="rId5"/>
+          <a:stretch>
+            <a:fillRect/>
+          </a:stretch>
+        </p:blipFill>
+        <p:spPr>
+          <a:xfrm>
+            <a:off x="677334" y="4953338"/>
+            <a:ext cx="5067291" cy="1808019"/>
+          </a:xfrm>
+          <a:prstGeom prst="rect">
+            <a:avLst/>
+          </a:prstGeom>
+          <a:ln>
+            <a:solidFill>
+              <a:schemeClr val="tx1"/>
+            </a:solidFill>
+          </a:ln>
+        </p:spPr>
+      </p:pic>
+      <mc:AlternateContent xmlns:mc="http://schemas.openxmlformats.org/markup-compatibility/2006" xmlns:a14="http://schemas.microsoft.com/office/drawing/2010/main">
+        <mc:Choice Requires="a14">
+          <p:sp>
+            <p:nvSpPr>
+              <p:cNvPr id="9" name="Rectangle 8"/>
+              <p:cNvSpPr/>
+              <p:nvPr/>
+            </p:nvSpPr>
+            <p:spPr>
+              <a:xfrm>
+                <a:off x="677334" y="2272548"/>
+                <a:ext cx="4336765" cy="763094"/>
+              </a:xfrm>
+              <a:prstGeom prst="rect">
+                <a:avLst/>
+              </a:prstGeom>
+            </p:spPr>
+            <p:txBody>
+              <a:bodyPr wrap="none">
+                <a:spAutoFit/>
+              </a:bodyPr>
+              <a:lstStyle/>
+              <a:p>
+                <a:pPr/>
+                <a14:m>
+                  <m:oMathPara xmlns:m="http://schemas.openxmlformats.org/officeDocument/2006/math">
+                    <m:oMathParaPr>
+                      <m:jc m:val="centerGroup"/>
+                    </m:oMathParaPr>
+                    <m:oMath xmlns:m="http://schemas.openxmlformats.org/officeDocument/2006/math">
+                      <m:r>
+                        <a:rPr lang="en-US" i="1">
+                          <a:latin typeface="Cambria Math" panose="02040503050406030204" pitchFamily="18" charset="0"/>
+                        </a:rPr>
+                        <m:t>𝑛𝑒𝑡</m:t>
+                      </m:r>
+                      <m:r>
+                        <a:rPr lang="en-US" i="0">
+                          <a:latin typeface="Cambria Math" panose="02040503050406030204" pitchFamily="18" charset="0"/>
+                        </a:rPr>
+                        <m:t>=</m:t>
+                      </m:r>
+                      <m:f>
+                        <m:fPr>
+                          <m:ctrlPr>
+                            <a:rPr lang="en-US" i="1">
+                              <a:latin typeface="Cambria Math" panose="02040503050406030204" pitchFamily="18" charset="0"/>
+                            </a:rPr>
+                          </m:ctrlPr>
+                        </m:fPr>
+                        <m:num>
+                          <m:r>
+                            <a:rPr lang="en-US" i="0">
+                              <a:latin typeface="Cambria Math" panose="02040503050406030204" pitchFamily="18" charset="0"/>
+                            </a:rPr>
+                            <m:t>1</m:t>
+                          </m:r>
+                        </m:num>
+                        <m:den>
+                          <m:r>
+                            <a:rPr lang="en-US" i="1">
+                              <a:latin typeface="Cambria Math" panose="02040503050406030204" pitchFamily="18" charset="0"/>
+                            </a:rPr>
+                            <m:t>𝑙𝑒𝑛𝑔𝑡h</m:t>
+                          </m:r>
+                          <m:d>
+                            <m:dPr>
+                              <m:ctrlPr>
+                                <a:rPr lang="en-US" i="1">
+                                  <a:latin typeface="Cambria Math" panose="02040503050406030204" pitchFamily="18" charset="0"/>
+                                </a:rPr>
+                              </m:ctrlPr>
+                            </m:dPr>
+                            <m:e>
+                              <m:r>
+                                <a:rPr lang="en-US" i="1">
+                                  <a:latin typeface="Cambria Math" panose="02040503050406030204" pitchFamily="18" charset="0"/>
+                                </a:rPr>
+                                <m:t>𝑠𝑖𝑔𝑛𝑎𝑙</m:t>
+                              </m:r>
+                            </m:e>
+                          </m:d>
+                        </m:den>
+                      </m:f>
+                      <m:r>
+                        <a:rPr lang="en-US" i="0">
+                          <a:latin typeface="Cambria Math" panose="02040503050406030204" pitchFamily="18" charset="0"/>
+                        </a:rPr>
+                        <m:t>∗ </m:t>
+                      </m:r>
+                      <m:nary>
+                        <m:naryPr>
+                          <m:chr m:val="∑"/>
+                          <m:subHide m:val="on"/>
+                          <m:supHide m:val="on"/>
+                          <m:ctrlPr>
+                            <a:rPr lang="en-US" i="1">
+                              <a:latin typeface="Cambria Math" panose="02040503050406030204" pitchFamily="18" charset="0"/>
+                            </a:rPr>
+                          </m:ctrlPr>
+                        </m:naryPr>
+                        <m:sub/>
+                        <m:sup/>
+                        <m:e>
+                          <m:sSup>
+                            <m:sSupPr>
+                              <m:ctrlPr>
+                                <a:rPr lang="en-US" i="1">
+                                  <a:latin typeface="Cambria Math" panose="02040503050406030204" pitchFamily="18" charset="0"/>
+                                </a:rPr>
+                              </m:ctrlPr>
+                            </m:sSupPr>
+                            <m:e>
+                              <m:d>
+                                <m:dPr>
+                                  <m:begChr m:val=""/>
+                                  <m:ctrlPr>
+                                    <a:rPr lang="en-US" i="1">
+                                      <a:latin typeface="Cambria Math" panose="02040503050406030204" pitchFamily="18" charset="0"/>
+                                    </a:rPr>
+                                  </m:ctrlPr>
+                                </m:dPr>
+                                <m:e>
+                                  <m:r>
+                                    <a:rPr lang="en-US" i="1">
+                                      <a:latin typeface="Cambria Math" panose="02040503050406030204" pitchFamily="18" charset="0"/>
+                                    </a:rPr>
+                                    <m:t>𝑎𝑏𝑠</m:t>
+                                  </m:r>
+                                  <m:r>
+                                    <a:rPr lang="en-US" i="0">
+                                      <a:latin typeface="Cambria Math" panose="02040503050406030204" pitchFamily="18" charset="0"/>
+                                    </a:rPr>
+                                    <m:t>(</m:t>
+                                  </m:r>
+                                  <m:r>
+                                    <a:rPr lang="en-US" i="1">
+                                      <a:latin typeface="Cambria Math" panose="02040503050406030204" pitchFamily="18" charset="0"/>
+                                    </a:rPr>
+                                    <m:t>𝑠𝑖𝑔𝑛𝑎𝑙</m:t>
+                                  </m:r>
+                                </m:e>
+                              </m:d>
+                            </m:e>
+                            <m:sup>
+                              <m:r>
+                                <a:rPr lang="en-US" i="0">
+                                  <a:latin typeface="Cambria Math" panose="02040503050406030204" pitchFamily="18" charset="0"/>
+                                </a:rPr>
+                                <m:t>2</m:t>
+                              </m:r>
+                            </m:sup>
+                          </m:sSup>
+                        </m:e>
+                      </m:nary>
+                    </m:oMath>
+                  </m:oMathPara>
+                </a14:m>
+                <a:endParaRPr lang="en-US" dirty="0"/>
+              </a:p>
+            </p:txBody>
+          </p:sp>
+        </mc:Choice>
+        <mc:Fallback xmlns="">
+          <p:sp>
+            <p:nvSpPr>
+              <p:cNvPr id="9" name="Rectangle 8"/>
+              <p:cNvSpPr>
+                <a:spLocks noRot="1" noChangeAspect="1" noMove="1" noResize="1" noEditPoints="1" noAdjustHandles="1" noChangeArrowheads="1" noChangeShapeType="1" noTextEdit="1"/>
+              </p:cNvSpPr>
+              <p:nvPr/>
+            </p:nvSpPr>
+            <p:spPr>
+              <a:xfrm>
+                <a:off x="677334" y="2272548"/>
+                <a:ext cx="4336765" cy="763094"/>
+              </a:xfrm>
+              <a:prstGeom prst="rect">
+                <a:avLst/>
+              </a:prstGeom>
+              <a:blipFill rotWithShape="0">
+                <a:blip r:embed="rId6"/>
+                <a:stretch>
+                  <a:fillRect/>
+                </a:stretch>
+              </a:blipFill>
+            </p:spPr>
+            <p:txBody>
+              <a:bodyPr/>
+              <a:lstStyle/>
+              <a:p>
+                <a:r>
+                  <a:rPr lang="en-US">
+                    <a:noFill/>
+                  </a:rPr>
+                  <a:t> </a:t>
+                </a:r>
+              </a:p>
+            </p:txBody>
+          </p:sp>
+        </mc:Fallback>
+      </mc:AlternateContent>
+    </p:spTree>
+    <p:extLst>
+      <p:ext uri="{BB962C8B-B14F-4D97-AF65-F5344CB8AC3E}">
+        <p14:creationId xmlns:p14="http://schemas.microsoft.com/office/powerpoint/2010/main" val="3427857274"/>
       </p:ext>
     </p:extLst>
   </p:cSld>
@@ -11609,19 +14486,19 @@
         </p:nvSpPr>
         <p:spPr>
           <a:xfrm>
-            <a:off x="501453" y="428296"/>
-            <a:ext cx="8596668" cy="1320800"/>
+            <a:off x="421838" y="288959"/>
+            <a:ext cx="9381067" cy="1320800"/>
           </a:xfrm>
         </p:spPr>
         <p:txBody>
           <a:bodyPr>
-            <a:normAutofit/>
+            <a:noAutofit/>
           </a:bodyPr>
           <a:lstStyle/>
           <a:p>
             <a:r>
               <a:rPr lang="en-GB" sz="4200" b="1" dirty="0" smtClean="0"/>
-              <a:t>Normalization</a:t>
+              <a:t>Baseline wander removal using Wavelet Transform</a:t>
             </a:r>
             <a:endParaRPr lang="en-US" sz="4200" b="1" dirty="0"/>
           </a:p>
@@ -11639,8 +14516,8 @@
         </p:nvSpPr>
         <p:spPr>
           <a:xfrm>
-            <a:off x="501453" y="1161745"/>
-            <a:ext cx="4474215" cy="1022037"/>
+            <a:off x="421838" y="1713577"/>
+            <a:ext cx="4607362" cy="2153834"/>
           </a:xfrm>
         </p:spPr>
         <p:txBody>
@@ -11650,12 +14527,46 @@
           <a:lstStyle/>
           <a:p>
             <a:r>
+              <a:rPr lang="en-GB" sz="2400" dirty="0" smtClean="0"/>
+              <a:t>Using Discrete Wavelet Transform (</a:t>
+            </a:r>
+            <a:r>
+              <a:rPr lang="en-GB" sz="2400" b="1" dirty="0" err="1" smtClean="0">
+                <a:solidFill>
+                  <a:schemeClr val="accent4"/>
+                </a:solidFill>
+              </a:rPr>
+              <a:t>DWT</a:t>
+            </a:r>
+            <a:r>
+              <a:rPr lang="en-GB" sz="2400" dirty="0" smtClean="0"/>
+              <a:t>)</a:t>
+            </a:r>
+          </a:p>
+          <a:p>
+            <a:r>
+              <a:rPr lang="en-GB" sz="2400" dirty="0" smtClean="0"/>
+              <a:t>‘</a:t>
+            </a:r>
+            <a:r>
+              <a:rPr lang="en-GB" sz="2400" b="1" dirty="0" err="1" smtClean="0">
+                <a:solidFill>
+                  <a:schemeClr val="accent4"/>
+                </a:solidFill>
+              </a:rPr>
+              <a:t>db11</a:t>
+            </a:r>
+            <a:r>
+              <a:rPr lang="en-GB" sz="2400" dirty="0" smtClean="0"/>
+              <a:t>’ mother wavelet, </a:t>
+            </a:r>
+            <a:r>
               <a:rPr lang="en-GB" sz="2400" b="1" dirty="0">
                 <a:solidFill>
                   <a:schemeClr val="accent4"/>
                 </a:solidFill>
               </a:rPr>
-              <a:t>S</a:t>
+              <a:t>9</a:t>
             </a:r>
             <a:r>
               <a:rPr lang="en-GB" sz="2400" b="1" dirty="0" smtClean="0">
@@ -11663,17 +14574,17 @@
                   <a:schemeClr val="accent4"/>
                 </a:solidFill>
               </a:rPr>
-              <a:t>cale down </a:t>
+              <a:t> level</a:t>
             </a:r>
             <a:r>
               <a:rPr lang="en-GB" sz="2400" dirty="0" smtClean="0"/>
-              <a:t>the signal with its energy</a:t>
+              <a:t> of decomposition</a:t>
             </a:r>
           </a:p>
           <a:p>
             <a:r>
               <a:rPr lang="en-GB" sz="2400" dirty="0" smtClean="0"/>
-              <a:t>Purpose: make the signal </a:t>
+              <a:t>The </a:t>
             </a:r>
             <a:r>
               <a:rPr lang="en-GB" sz="2400" b="1" dirty="0" smtClean="0">
@@ -11681,10 +14592,32 @@
                   <a:schemeClr val="accent4"/>
                 </a:solidFill>
               </a:rPr>
-              <a:t>comparable</a:t>
-            </a:r>
-          </a:p>
-          <a:p>
+              <a:t>approximation coefficient</a:t>
+            </a:r>
+            <a:r>
+              <a:rPr lang="en-GB" sz="2400" dirty="0" smtClean="0">
+                <a:solidFill>
+                  <a:schemeClr val="accent4"/>
+                </a:solidFill>
+              </a:rPr>
+              <a:t> </a:t>
+            </a:r>
+            <a:r>
+              <a:rPr lang="en-GB" sz="2400" dirty="0" smtClean="0"/>
+              <a:t>at level </a:t>
+            </a:r>
+            <a:r>
+              <a:rPr lang="en-GB" sz="2400" b="1" dirty="0">
+                <a:solidFill>
+                  <a:schemeClr val="accent4"/>
+                </a:solidFill>
+              </a:rPr>
+              <a:t>9</a:t>
+            </a:r>
+            <a:r>
+              <a:rPr lang="en-GB" sz="2400" dirty="0" smtClean="0"/>
+              <a:t> is the baseline wander</a:t>
+            </a:r>
             <a:endParaRPr lang="en-US" sz="2400" dirty="0"/>
           </a:p>
         </p:txBody>
@@ -11697,8 +14630,8 @@
         </p:nvSpPr>
         <p:spPr>
           <a:xfrm>
-            <a:off x="5556167" y="652048"/>
-            <a:ext cx="5504525" cy="2041433"/>
+            <a:off x="565684" y="4701966"/>
+            <a:ext cx="4319669" cy="1778901"/>
           </a:xfrm>
           <a:prstGeom prst="rect">
             <a:avLst/>
@@ -11731,48 +14664,57 @@
           </a:p>
           <a:p>
             <a:r>
+              <a:rPr lang="en-US" sz="1600" dirty="0">
+                <a:solidFill>
+                  <a:srgbClr val="228B22"/>
+                </a:solidFill>
+                <a:latin typeface="Courier New" panose="02070309020205020404" pitchFamily="49" charset="0"/>
+              </a:rPr>
+              <a:t>% BASELINE </a:t>
+            </a:r>
+            <a:r>
               <a:rPr lang="en-US" sz="1600" dirty="0" smtClean="0">
                 <a:solidFill>
                   <a:srgbClr val="228B22"/>
                 </a:solidFill>
                 <a:latin typeface="Courier New" panose="02070309020205020404" pitchFamily="49" charset="0"/>
               </a:rPr>
-              <a:t>% </a:t>
-            </a:r>
-            <a:r>
-              <a:rPr lang="en-US" sz="1600" dirty="0">
-                <a:solidFill>
-                  <a:srgbClr val="228B22"/>
-                </a:solidFill>
-                <a:latin typeface="Courier New" panose="02070309020205020404" pitchFamily="49" charset="0"/>
-              </a:rPr>
-              <a:t>NORMALIZATION CODES-</a:t>
-            </a:r>
-            <a:r>
-              <a:rPr lang="en-US" sz="1600" dirty="0" smtClean="0">
-                <a:solidFill>
-                  <a:srgbClr val="228B22"/>
-                </a:solidFill>
-                <a:latin typeface="Courier New" panose="02070309020205020404" pitchFamily="49" charset="0"/>
-              </a:rPr>
-              <a:t>--------------------</a:t>
-            </a:r>
-            <a:endParaRPr lang="en-US" sz="1600" dirty="0">
+              <a:t>REMOVE</a:t>
+            </a:r>
+            <a:endParaRPr lang="en-US" sz="1600" dirty="0" smtClean="0">
               <a:solidFill>
-                <a:srgbClr val="228B22"/>
+                <a:srgbClr val="000000"/>
               </a:solidFill>
               <a:latin typeface="Courier New" panose="02070309020205020404" pitchFamily="49" charset="0"/>
             </a:endParaRPr>
           </a:p>
           <a:p>
             <a:r>
+              <a:rPr lang="en-US" sz="1600" dirty="0" smtClean="0">
+                <a:solidFill>
+                  <a:srgbClr val="000000"/>
+                </a:solidFill>
+                <a:latin typeface="Courier New" panose="02070309020205020404" pitchFamily="49" charset="0"/>
+              </a:rPr>
+              <a:t>[</a:t>
+            </a:r>
+            <a:r>
+              <a:rPr lang="en-US" sz="1600" dirty="0" err="1">
+                <a:solidFill>
+                  <a:srgbClr val="000000"/>
+                </a:solidFill>
+                <a:latin typeface="Courier New" panose="02070309020205020404" pitchFamily="49" charset="0"/>
+              </a:rPr>
+              <a:t>approx</a:t>
+            </a:r>
+            <a:r>
               <a:rPr lang="en-US" sz="1600" dirty="0">
                 <a:solidFill>
                   <a:srgbClr val="000000"/>
                 </a:solidFill>
                 <a:latin typeface="Courier New" panose="02070309020205020404" pitchFamily="49" charset="0"/>
               </a:rPr>
-              <a:t>    </a:t>
+              <a:t>, detail] = </a:t>
             </a:r>
             <a:r>
               <a:rPr lang="en-US" sz="1600" dirty="0" err="1">
@@ -11781,6 +14723,24 @@
                 </a:solidFill>
                 <a:latin typeface="Courier New" panose="02070309020205020404" pitchFamily="49" charset="0"/>
               </a:rPr>
+              <a:t>wavelet_decompose</a:t>
+            </a:r>
+            <a:r>
+              <a:rPr lang="en-US" sz="1600" dirty="0">
+                <a:solidFill>
+                  <a:srgbClr val="000000"/>
+                </a:solidFill>
+                <a:latin typeface="Courier New" panose="02070309020205020404" pitchFamily="49" charset="0"/>
+              </a:rPr>
+              <a:t>(</a:t>
+            </a:r>
+            <a:r>
+              <a:rPr lang="en-US" sz="1600" dirty="0" err="1">
+                <a:solidFill>
+                  <a:srgbClr val="000000"/>
+                </a:solidFill>
+                <a:latin typeface="Courier New" panose="02070309020205020404" pitchFamily="49" charset="0"/>
+              </a:rPr>
               <a:t>sig1_raw</a:t>
             </a:r>
             <a:r>
@@ -11790,7 +14750,87 @@
                 </a:solidFill>
                 <a:latin typeface="Courier New" panose="02070309020205020404" pitchFamily="49" charset="0"/>
               </a:rPr>
-              <a:t> = </a:t>
+              <a:t>, </a:t>
+            </a:r>
+            <a:r>
+              <a:rPr lang="en-US" sz="1600" dirty="0" smtClean="0">
+                <a:solidFill>
+                  <a:srgbClr val="000000"/>
+                </a:solidFill>
+                <a:latin typeface="Courier New" panose="02070309020205020404" pitchFamily="49" charset="0"/>
+              </a:rPr>
+              <a:t>9, </a:t>
+            </a:r>
+            <a:r>
+              <a:rPr lang="en-US" sz="1600" dirty="0" smtClean="0">
+                <a:solidFill>
+                  <a:srgbClr val="A020F0"/>
+                </a:solidFill>
+                <a:latin typeface="Courier New" panose="02070309020205020404" pitchFamily="49" charset="0"/>
+              </a:rPr>
+              <a:t>'</a:t>
+            </a:r>
+            <a:r>
+              <a:rPr lang="en-US" sz="1600" dirty="0" err="1" smtClean="0">
+                <a:solidFill>
+                  <a:srgbClr val="A020F0"/>
+                </a:solidFill>
+                <a:latin typeface="Courier New" panose="02070309020205020404" pitchFamily="49" charset="0"/>
+              </a:rPr>
+              <a:t>db11</a:t>
+            </a:r>
+            <a:r>
+              <a:rPr lang="en-US" sz="1600" dirty="0" smtClean="0">
+                <a:solidFill>
+                  <a:srgbClr val="A020F0"/>
+                </a:solidFill>
+                <a:latin typeface="Courier New" panose="02070309020205020404" pitchFamily="49" charset="0"/>
+              </a:rPr>
+              <a:t>'</a:t>
+            </a:r>
+            <a:r>
+              <a:rPr lang="en-US" sz="1600" dirty="0" smtClean="0">
+                <a:solidFill>
+                  <a:srgbClr val="000000"/>
+                </a:solidFill>
+                <a:latin typeface="Courier New" panose="02070309020205020404" pitchFamily="49" charset="0"/>
+              </a:rPr>
+              <a:t>);</a:t>
+            </a:r>
+            <a:endParaRPr lang="en-US" sz="1600" dirty="0">
+              <a:solidFill>
+                <a:srgbClr val="000000"/>
+              </a:solidFill>
+              <a:latin typeface="Courier New" panose="02070309020205020404" pitchFamily="49" charset="0"/>
+            </a:endParaRPr>
+          </a:p>
+          <a:p>
+            <a:r>
+              <a:rPr lang="en-US" sz="1600" dirty="0" err="1" smtClean="0">
+                <a:solidFill>
+                  <a:srgbClr val="000000"/>
+                </a:solidFill>
+                <a:latin typeface="Courier New" panose="02070309020205020404" pitchFamily="49" charset="0"/>
+              </a:rPr>
+              <a:t>sig1</a:t>
+            </a:r>
+            <a:r>
+              <a:rPr lang="en-US" sz="1600" dirty="0" smtClean="0">
+                <a:solidFill>
+                  <a:srgbClr val="000000"/>
+                </a:solidFill>
+                <a:latin typeface="Courier New" panose="02070309020205020404" pitchFamily="49" charset="0"/>
+              </a:rPr>
+              <a:t> </a:t>
+            </a:r>
+            <a:r>
+              <a:rPr lang="en-US" sz="1600" dirty="0">
+                <a:solidFill>
+                  <a:srgbClr val="000000"/>
+                </a:solidFill>
+                <a:latin typeface="Courier New" panose="02070309020205020404" pitchFamily="49" charset="0"/>
+              </a:rPr>
+              <a:t>= </a:t>
             </a:r>
             <a:r>
               <a:rPr lang="en-US" sz="1600" dirty="0" err="1">
@@ -11808,7 +14848,7 @@
                 </a:solidFill>
                 <a:latin typeface="Courier New" panose="02070309020205020404" pitchFamily="49" charset="0"/>
               </a:rPr>
-              <a:t> - mean(</a:t>
+              <a:t> - </a:t>
             </a:r>
             <a:r>
               <a:rPr lang="en-US" sz="1600" dirty="0" err="1">
@@ -11817,293 +14857,20 @@
                 </a:solidFill>
                 <a:latin typeface="Courier New" panose="02070309020205020404" pitchFamily="49" charset="0"/>
               </a:rPr>
-              <a:t>sig1_raw</a:t>
-            </a:r>
-            <a:r>
-              <a:rPr lang="en-US" sz="1600" dirty="0">
+              <a:t>approx</a:t>
+            </a:r>
+            <a:r>
+              <a:rPr lang="en-US" sz="1600" dirty="0" smtClean="0">
                 <a:solidFill>
                   <a:srgbClr val="000000"/>
                 </a:solidFill>
                 <a:latin typeface="Courier New" panose="02070309020205020404" pitchFamily="49" charset="0"/>
               </a:rPr>
-              <a:t>);</a:t>
-            </a:r>
-          </a:p>
-          <a:p>
-            <a:r>
-              <a:rPr lang="en-US" sz="1600" dirty="0">
-                <a:solidFill>
-                  <a:srgbClr val="000000"/>
-                </a:solidFill>
-                <a:latin typeface="Courier New" panose="02070309020205020404" pitchFamily="49" charset="0"/>
-              </a:rPr>
-              <a:t>    L = length(</a:t>
-            </a:r>
-            <a:r>
-              <a:rPr lang="en-US" sz="1600" dirty="0" err="1">
-                <a:solidFill>
-                  <a:srgbClr val="000000"/>
-                </a:solidFill>
-                <a:latin typeface="Courier New" panose="02070309020205020404" pitchFamily="49" charset="0"/>
-              </a:rPr>
-              <a:t>sig1_raw</a:t>
-            </a:r>
-            <a:r>
-              <a:rPr lang="en-US" sz="1600" dirty="0">
-                <a:solidFill>
-                  <a:srgbClr val="000000"/>
-                </a:solidFill>
-                <a:latin typeface="Courier New" panose="02070309020205020404" pitchFamily="49" charset="0"/>
-              </a:rPr>
-              <a:t>);</a:t>
-            </a:r>
-          </a:p>
-          <a:p>
-            <a:r>
-              <a:rPr lang="en-US" sz="1600" dirty="0">
-                <a:solidFill>
-                  <a:srgbClr val="000000"/>
-                </a:solidFill>
-                <a:latin typeface="Courier New" panose="02070309020205020404" pitchFamily="49" charset="0"/>
-              </a:rPr>
-              <a:t>    Ex = 1/L * sum(abs(</a:t>
-            </a:r>
-            <a:r>
-              <a:rPr lang="en-US" sz="1600" dirty="0" err="1">
-                <a:solidFill>
-                  <a:srgbClr val="000000"/>
-                </a:solidFill>
-                <a:latin typeface="Courier New" panose="02070309020205020404" pitchFamily="49" charset="0"/>
-              </a:rPr>
-              <a:t>sig1_raw</a:t>
-            </a:r>
-            <a:r>
-              <a:rPr lang="en-US" sz="1600" dirty="0">
-                <a:solidFill>
-                  <a:srgbClr val="000000"/>
-                </a:solidFill>
-                <a:latin typeface="Courier New" panose="02070309020205020404" pitchFamily="49" charset="0"/>
-              </a:rPr>
-              <a:t>).^2);</a:t>
-            </a:r>
-          </a:p>
-          <a:p>
-            <a:r>
-              <a:rPr lang="en-US" sz="1600" dirty="0">
-                <a:solidFill>
-                  <a:srgbClr val="000000"/>
-                </a:solidFill>
-                <a:latin typeface="Courier New" panose="02070309020205020404" pitchFamily="49" charset="0"/>
-              </a:rPr>
-              <a:t>    </a:t>
-            </a:r>
-            <a:r>
-              <a:rPr lang="en-US" sz="1600" dirty="0" err="1">
-                <a:solidFill>
-                  <a:srgbClr val="000000"/>
-                </a:solidFill>
-                <a:latin typeface="Courier New" panose="02070309020205020404" pitchFamily="49" charset="0"/>
-              </a:rPr>
-              <a:t>sig1_raw</a:t>
-            </a:r>
-            <a:r>
-              <a:rPr lang="en-US" sz="1600" dirty="0">
-                <a:solidFill>
-                  <a:srgbClr val="000000"/>
-                </a:solidFill>
-                <a:latin typeface="Courier New" panose="02070309020205020404" pitchFamily="49" charset="0"/>
-              </a:rPr>
-              <a:t> = </a:t>
-            </a:r>
-            <a:r>
-              <a:rPr lang="en-US" sz="1600" dirty="0" err="1">
-                <a:solidFill>
-                  <a:srgbClr val="000000"/>
-                </a:solidFill>
-                <a:latin typeface="Courier New" panose="02070309020205020404" pitchFamily="49" charset="0"/>
-              </a:rPr>
-              <a:t>sig1_raw</a:t>
-            </a:r>
-            <a:r>
-              <a:rPr lang="en-US" sz="1600" dirty="0">
-                <a:solidFill>
-                  <a:srgbClr val="000000"/>
-                </a:solidFill>
-                <a:latin typeface="Courier New" panose="02070309020205020404" pitchFamily="49" charset="0"/>
-              </a:rPr>
-              <a:t> / Ex</a:t>
-            </a:r>
-            <a:r>
-              <a:rPr lang="en-US" sz="1600" dirty="0" smtClean="0">
-                <a:solidFill>
-                  <a:srgbClr val="000000"/>
-                </a:solidFill>
-                <a:latin typeface="Courier New" panose="02070309020205020404" pitchFamily="49" charset="0"/>
-              </a:rPr>
-              <a:t>;</a:t>
-            </a:r>
-          </a:p>
-          <a:p>
-            <a:r>
-              <a:rPr lang="en-US" sz="1600" dirty="0">
-                <a:solidFill>
-                  <a:srgbClr val="228B22"/>
-                </a:solidFill>
-                <a:latin typeface="Courier New" panose="02070309020205020404" pitchFamily="49" charset="0"/>
-              </a:rPr>
-              <a:t>% </a:t>
-            </a:r>
-            <a:r>
-              <a:rPr lang="en-US" sz="1600" dirty="0" err="1">
-                <a:solidFill>
-                  <a:srgbClr val="228B22"/>
-                </a:solidFill>
-                <a:latin typeface="Courier New" panose="02070309020205020404" pitchFamily="49" charset="0"/>
-              </a:rPr>
-              <a:t>NORMALIZA</a:t>
-            </a:r>
-            <a:r>
-              <a:rPr lang="en-US" sz="1600" dirty="0">
-                <a:solidFill>
-                  <a:srgbClr val="228B22"/>
-                </a:solidFill>
-                <a:latin typeface="Courier New" panose="02070309020205020404" pitchFamily="49" charset="0"/>
-              </a:rPr>
-              <a:t> THE SIGNAL FROM 0 TO 1</a:t>
-            </a:r>
-          </a:p>
-          <a:p>
-            <a:r>
-              <a:rPr lang="en-US" sz="1600" dirty="0">
-                <a:solidFill>
-                  <a:srgbClr val="000000"/>
-                </a:solidFill>
-                <a:latin typeface="Courier New" panose="02070309020205020404" pitchFamily="49" charset="0"/>
-              </a:rPr>
-              <a:t>    </a:t>
-            </a:r>
-            <a:r>
-              <a:rPr lang="en-US" sz="1600" dirty="0" err="1">
-                <a:solidFill>
-                  <a:srgbClr val="000000"/>
-                </a:solidFill>
-                <a:latin typeface="Courier New" panose="02070309020205020404" pitchFamily="49" charset="0"/>
-              </a:rPr>
-              <a:t>sig1</a:t>
-            </a:r>
-            <a:r>
-              <a:rPr lang="en-US" sz="1600" dirty="0">
-                <a:solidFill>
-                  <a:srgbClr val="000000"/>
-                </a:solidFill>
-                <a:latin typeface="Courier New" panose="02070309020205020404" pitchFamily="49" charset="0"/>
-              </a:rPr>
-              <a:t> = </a:t>
-            </a:r>
-            <a:r>
-              <a:rPr lang="en-US" sz="1600" dirty="0" err="1">
-                <a:solidFill>
-                  <a:srgbClr val="000000"/>
-                </a:solidFill>
-                <a:latin typeface="Courier New" panose="02070309020205020404" pitchFamily="49" charset="0"/>
-              </a:rPr>
-              <a:t>sig1</a:t>
-            </a:r>
-            <a:r>
-              <a:rPr lang="en-US" sz="1600" dirty="0">
-                <a:solidFill>
-                  <a:srgbClr val="000000"/>
-                </a:solidFill>
-                <a:latin typeface="Courier New" panose="02070309020205020404" pitchFamily="49" charset="0"/>
-              </a:rPr>
-              <a:t> + abs(min(</a:t>
-            </a:r>
-            <a:r>
-              <a:rPr lang="en-US" sz="1600" dirty="0" err="1">
-                <a:solidFill>
-                  <a:srgbClr val="000000"/>
-                </a:solidFill>
-                <a:latin typeface="Courier New" panose="02070309020205020404" pitchFamily="49" charset="0"/>
-              </a:rPr>
-              <a:t>sig1</a:t>
-            </a:r>
-            <a:r>
-              <a:rPr lang="en-US" sz="1600" dirty="0">
-                <a:solidFill>
-                  <a:srgbClr val="000000"/>
-                </a:solidFill>
-                <a:latin typeface="Courier New" panose="02070309020205020404" pitchFamily="49" charset="0"/>
-              </a:rPr>
-              <a:t>));</a:t>
-            </a:r>
-          </a:p>
-          <a:p>
-            <a:r>
-              <a:rPr lang="en-US" sz="1600" dirty="0">
-                <a:solidFill>
-                  <a:srgbClr val="000000"/>
-                </a:solidFill>
-                <a:latin typeface="Courier New" panose="02070309020205020404" pitchFamily="49" charset="0"/>
-              </a:rPr>
-              <a:t>    </a:t>
-            </a:r>
-            <a:r>
-              <a:rPr lang="en-US" sz="1600" dirty="0" err="1">
-                <a:solidFill>
-                  <a:srgbClr val="000000"/>
-                </a:solidFill>
-                <a:latin typeface="Courier New" panose="02070309020205020404" pitchFamily="49" charset="0"/>
-              </a:rPr>
-              <a:t>sig1</a:t>
-            </a:r>
-            <a:r>
-              <a:rPr lang="en-US" sz="1600" dirty="0">
-                <a:solidFill>
-                  <a:srgbClr val="000000"/>
-                </a:solidFill>
-                <a:latin typeface="Courier New" panose="02070309020205020404" pitchFamily="49" charset="0"/>
-              </a:rPr>
-              <a:t> = </a:t>
-            </a:r>
-            <a:r>
-              <a:rPr lang="en-US" sz="1600" dirty="0" err="1">
-                <a:solidFill>
-                  <a:srgbClr val="000000"/>
-                </a:solidFill>
-                <a:latin typeface="Courier New" panose="02070309020205020404" pitchFamily="49" charset="0"/>
-              </a:rPr>
-              <a:t>sig1</a:t>
-            </a:r>
-            <a:r>
-              <a:rPr lang="en-US" sz="1600" dirty="0">
-                <a:solidFill>
-                  <a:srgbClr val="000000"/>
-                </a:solidFill>
-                <a:latin typeface="Courier New" panose="02070309020205020404" pitchFamily="49" charset="0"/>
-              </a:rPr>
-              <a:t> / max(</a:t>
-            </a:r>
-            <a:r>
-              <a:rPr lang="en-US" sz="1600" dirty="0" err="1">
-                <a:solidFill>
-                  <a:srgbClr val="000000"/>
-                </a:solidFill>
-                <a:latin typeface="Courier New" panose="02070309020205020404" pitchFamily="49" charset="0"/>
-              </a:rPr>
-              <a:t>sig1</a:t>
-            </a:r>
-            <a:r>
-              <a:rPr lang="en-US" sz="1600" dirty="0">
-                <a:solidFill>
-                  <a:srgbClr val="000000"/>
-                </a:solidFill>
-                <a:latin typeface="Courier New" panose="02070309020205020404" pitchFamily="49" charset="0"/>
-              </a:rPr>
-              <a:t>);</a:t>
-            </a:r>
-          </a:p>
-          <a:p>
-            <a:endParaRPr lang="en-US" dirty="0">
+              <a:t>(:,9);</a:t>
+            </a:r>
+          </a:p>
+          <a:p>
+            <a:endParaRPr lang="en-US" sz="1600" dirty="0">
               <a:solidFill>
                 <a:srgbClr val="000000"/>
               </a:solidFill>
@@ -12128,17 +14895,282 @@
         </p:blipFill>
         <p:spPr>
           <a:xfrm>
-            <a:off x="677334" y="2898181"/>
-            <a:ext cx="5080457" cy="1838325"/>
+            <a:off x="5314011" y="1270000"/>
+            <a:ext cx="6457950" cy="2176583"/>
+          </a:xfrm>
+          <a:prstGeom prst="rect">
+            <a:avLst/>
+          </a:prstGeom>
+          <a:ln>
+            <a:solidFill>
+              <a:schemeClr val="tx1"/>
+            </a:solidFill>
+          </a:ln>
+        </p:spPr>
+      </p:pic>
+      <p:sp>
+        <p:nvSpPr>
+          <p:cNvPr id="6" name="Content Placeholder 2"/>
+          <p:cNvSpPr txBox="1">
+            <a:spLocks/>
+          </p:cNvSpPr>
+          <p:nvPr/>
+        </p:nvSpPr>
+        <p:spPr>
+          <a:xfrm>
+            <a:off x="6383150" y="3466348"/>
+            <a:ext cx="4319669" cy="327180"/>
           </a:xfrm>
           <a:prstGeom prst="rect">
             <a:avLst/>
           </a:prstGeom>
         </p:spPr>
-      </p:pic>
+        <p:txBody>
+          <a:bodyPr vert="horz" lIns="91440" tIns="45720" rIns="91440" bIns="45720" rtlCol="0">
+            <a:normAutofit fontScale="92500" lnSpcReduction="10000"/>
+          </a:bodyPr>
+          <a:lstStyle>
+            <a:lvl1pPr marL="342900" indent="-342900" algn="l" defTabSz="457200" rtl="0" eaLnBrk="1" latinLnBrk="0" hangingPunct="1">
+              <a:spcBef>
+                <a:spcPts val="1000"/>
+              </a:spcBef>
+              <a:spcAft>
+                <a:spcPts val="0"/>
+              </a:spcAft>
+              <a:buClr>
+                <a:schemeClr val="accent1"/>
+              </a:buClr>
+              <a:buSzPct val="80000"/>
+              <a:buFont typeface="Wingdings 3" charset="2"/>
+              <a:buChar char=""/>
+              <a:defRPr sz="1800" kern="1200">
+                <a:solidFill>
+                  <a:schemeClr val="tx1">
+                    <a:lumMod val="75000"/>
+                    <a:lumOff val="25000"/>
+                  </a:schemeClr>
+                </a:solidFill>
+                <a:latin typeface="+mn-lt"/>
+                <a:ea typeface="+mn-ea"/>
+                <a:cs typeface="+mn-cs"/>
+              </a:defRPr>
+            </a:lvl1pPr>
+            <a:lvl2pPr marL="742950" indent="-285750" algn="l" defTabSz="457200" rtl="0" eaLnBrk="1" latinLnBrk="0" hangingPunct="1">
+              <a:spcBef>
+                <a:spcPts val="1000"/>
+              </a:spcBef>
+              <a:spcAft>
+                <a:spcPts val="0"/>
+              </a:spcAft>
+              <a:buClr>
+                <a:schemeClr val="accent1"/>
+              </a:buClr>
+              <a:buSzPct val="80000"/>
+              <a:buFont typeface="Wingdings 3" charset="2"/>
+              <a:buChar char=""/>
+              <a:defRPr sz="1600" kern="1200">
+                <a:solidFill>
+                  <a:schemeClr val="tx1">
+                    <a:lumMod val="75000"/>
+                    <a:lumOff val="25000"/>
+                  </a:schemeClr>
+                </a:solidFill>
+                <a:latin typeface="+mn-lt"/>
+                <a:ea typeface="+mn-ea"/>
+                <a:cs typeface="+mn-cs"/>
+              </a:defRPr>
+            </a:lvl2pPr>
+            <a:lvl3pPr marL="1143000" indent="-228600" algn="l" defTabSz="457200" rtl="0" eaLnBrk="1" latinLnBrk="0" hangingPunct="1">
+              <a:spcBef>
+                <a:spcPts val="1000"/>
+              </a:spcBef>
+              <a:spcAft>
+                <a:spcPts val="0"/>
+              </a:spcAft>
+              <a:buClr>
+                <a:schemeClr val="accent1"/>
+              </a:buClr>
+              <a:buSzPct val="80000"/>
+              <a:buFont typeface="Wingdings 3" charset="2"/>
+              <a:buChar char=""/>
+              <a:defRPr sz="1400" kern="1200">
+                <a:solidFill>
+                  <a:schemeClr val="tx1">
+                    <a:lumMod val="75000"/>
+                    <a:lumOff val="25000"/>
+                  </a:schemeClr>
+                </a:solidFill>
+                <a:latin typeface="+mn-lt"/>
+                <a:ea typeface="+mn-ea"/>
+                <a:cs typeface="+mn-cs"/>
+              </a:defRPr>
+            </a:lvl3pPr>
+            <a:lvl4pPr marL="1600200" indent="-228600" algn="l" defTabSz="457200" rtl="0" eaLnBrk="1" latinLnBrk="0" hangingPunct="1">
+              <a:spcBef>
+                <a:spcPts val="1000"/>
+              </a:spcBef>
+              <a:spcAft>
+                <a:spcPts val="0"/>
+              </a:spcAft>
+              <a:buClr>
+                <a:schemeClr val="accent1"/>
+              </a:buClr>
+              <a:buSzPct val="80000"/>
+              <a:buFont typeface="Wingdings 3" charset="2"/>
+              <a:buChar char=""/>
+              <a:defRPr sz="1200" kern="1200">
+                <a:solidFill>
+                  <a:schemeClr val="tx1">
+                    <a:lumMod val="75000"/>
+                    <a:lumOff val="25000"/>
+                  </a:schemeClr>
+                </a:solidFill>
+                <a:latin typeface="+mn-lt"/>
+                <a:ea typeface="+mn-ea"/>
+                <a:cs typeface="+mn-cs"/>
+              </a:defRPr>
+            </a:lvl4pPr>
+            <a:lvl5pPr marL="2057400" indent="-228600" algn="l" defTabSz="457200" rtl="0" eaLnBrk="1" latinLnBrk="0" hangingPunct="1">
+              <a:spcBef>
+                <a:spcPts val="1000"/>
+              </a:spcBef>
+              <a:spcAft>
+                <a:spcPts val="0"/>
+              </a:spcAft>
+              <a:buClr>
+                <a:schemeClr val="accent1"/>
+              </a:buClr>
+              <a:buSzPct val="80000"/>
+              <a:buFont typeface="Wingdings 3" charset="2"/>
+              <a:buChar char=""/>
+              <a:defRPr sz="1200" kern="1200">
+                <a:solidFill>
+                  <a:schemeClr val="tx1">
+                    <a:lumMod val="75000"/>
+                    <a:lumOff val="25000"/>
+                  </a:schemeClr>
+                </a:solidFill>
+                <a:latin typeface="+mn-lt"/>
+                <a:ea typeface="+mn-ea"/>
+                <a:cs typeface="+mn-cs"/>
+              </a:defRPr>
+            </a:lvl5pPr>
+            <a:lvl6pPr marL="2514600" indent="-228600" algn="l" defTabSz="457200" rtl="0" eaLnBrk="1" latinLnBrk="0" hangingPunct="1">
+              <a:spcBef>
+                <a:spcPts val="1000"/>
+              </a:spcBef>
+              <a:spcAft>
+                <a:spcPts val="0"/>
+              </a:spcAft>
+              <a:buClr>
+                <a:schemeClr val="accent1"/>
+              </a:buClr>
+              <a:buSzPct val="80000"/>
+              <a:buFont typeface="Wingdings 3" charset="2"/>
+              <a:buChar char=""/>
+              <a:defRPr sz="1200" kern="1200">
+                <a:solidFill>
+                  <a:schemeClr val="tx1">
+                    <a:lumMod val="75000"/>
+                    <a:lumOff val="25000"/>
+                  </a:schemeClr>
+                </a:solidFill>
+                <a:latin typeface="+mn-lt"/>
+                <a:ea typeface="+mn-ea"/>
+                <a:cs typeface="+mn-cs"/>
+              </a:defRPr>
+            </a:lvl6pPr>
+            <a:lvl7pPr marL="2971800" indent="-228600" algn="l" defTabSz="457200" rtl="0" eaLnBrk="1" latinLnBrk="0" hangingPunct="1">
+              <a:spcBef>
+                <a:spcPts val="1000"/>
+              </a:spcBef>
+              <a:spcAft>
+                <a:spcPts val="0"/>
+              </a:spcAft>
+              <a:buClr>
+                <a:schemeClr val="accent1"/>
+              </a:buClr>
+              <a:buSzPct val="80000"/>
+              <a:buFont typeface="Wingdings 3" charset="2"/>
+              <a:buChar char=""/>
+              <a:defRPr sz="1200" kern="1200">
+                <a:solidFill>
+                  <a:schemeClr val="tx1">
+                    <a:lumMod val="75000"/>
+                    <a:lumOff val="25000"/>
+                  </a:schemeClr>
+                </a:solidFill>
+                <a:latin typeface="+mn-lt"/>
+                <a:ea typeface="+mn-ea"/>
+                <a:cs typeface="+mn-cs"/>
+              </a:defRPr>
+            </a:lvl7pPr>
+            <a:lvl8pPr marL="3429000" indent="-228600" algn="l" defTabSz="457200" rtl="0" eaLnBrk="1" latinLnBrk="0" hangingPunct="1">
+              <a:spcBef>
+                <a:spcPts val="1000"/>
+              </a:spcBef>
+              <a:spcAft>
+                <a:spcPts val="0"/>
+              </a:spcAft>
+              <a:buClr>
+                <a:schemeClr val="accent1"/>
+              </a:buClr>
+              <a:buSzPct val="80000"/>
+              <a:buFont typeface="Wingdings 3" charset="2"/>
+              <a:buChar char=""/>
+              <a:defRPr sz="1200" kern="1200">
+                <a:solidFill>
+                  <a:schemeClr val="tx1">
+                    <a:lumMod val="75000"/>
+                    <a:lumOff val="25000"/>
+                  </a:schemeClr>
+                </a:solidFill>
+                <a:latin typeface="+mn-lt"/>
+                <a:ea typeface="+mn-ea"/>
+                <a:cs typeface="+mn-cs"/>
+              </a:defRPr>
+            </a:lvl8pPr>
+            <a:lvl9pPr marL="3886200" indent="-228600" algn="l" defTabSz="457200" rtl="0" eaLnBrk="1" latinLnBrk="0" hangingPunct="1">
+              <a:spcBef>
+                <a:spcPts val="1000"/>
+              </a:spcBef>
+              <a:spcAft>
+                <a:spcPts val="0"/>
+              </a:spcAft>
+              <a:buClr>
+                <a:schemeClr val="accent1"/>
+              </a:buClr>
+              <a:buSzPct val="80000"/>
+              <a:buFont typeface="Wingdings 3" charset="2"/>
+              <a:buChar char=""/>
+              <a:defRPr sz="1200" kern="1200">
+                <a:solidFill>
+                  <a:schemeClr val="tx1">
+                    <a:lumMod val="75000"/>
+                    <a:lumOff val="25000"/>
+                  </a:schemeClr>
+                </a:solidFill>
+                <a:latin typeface="+mn-lt"/>
+                <a:ea typeface="+mn-ea"/>
+                <a:cs typeface="+mn-cs"/>
+              </a:defRPr>
+            </a:lvl9pPr>
+          </a:lstStyle>
+          <a:p>
+            <a:pPr marL="0" indent="0" algn="ctr">
+              <a:buNone/>
+            </a:pPr>
+            <a:r>
+              <a:rPr lang="en-GB" dirty="0" smtClean="0"/>
+              <a:t>Before </a:t>
+            </a:r>
+            <a:endParaRPr lang="en-US" dirty="0"/>
+          </a:p>
+        </p:txBody>
+      </p:sp>
       <p:pic>
         <p:nvPicPr>
-          <p:cNvPr id="6" name="Picture 5"/>
+          <p:cNvPr id="7" name="Picture 6"/>
           <p:cNvPicPr>
             <a:picLocks noChangeAspect="1"/>
           </p:cNvPicPr>
@@ -12152,66 +15184,283 @@
         </p:blipFill>
         <p:spPr>
           <a:xfrm>
-            <a:off x="5980235" y="2898181"/>
-            <a:ext cx="5080457" cy="1819275"/>
+            <a:off x="5314011" y="3897346"/>
+            <a:ext cx="6457950" cy="2092161"/>
+          </a:xfrm>
+          <a:prstGeom prst="rect">
+            <a:avLst/>
+          </a:prstGeom>
+          <a:ln>
+            <a:solidFill>
+              <a:schemeClr val="tx1"/>
+            </a:solidFill>
+          </a:ln>
+        </p:spPr>
+      </p:pic>
+      <p:sp>
+        <p:nvSpPr>
+          <p:cNvPr id="8" name="Content Placeholder 2"/>
+          <p:cNvSpPr txBox="1">
+            <a:spLocks/>
+          </p:cNvSpPr>
+          <p:nvPr/>
+        </p:nvSpPr>
+        <p:spPr>
+          <a:xfrm>
+            <a:off x="6383150" y="6004761"/>
+            <a:ext cx="4319669" cy="327180"/>
           </a:xfrm>
           <a:prstGeom prst="rect">
             <a:avLst/>
           </a:prstGeom>
         </p:spPr>
-      </p:pic>
-      <p:pic>
-        <p:nvPicPr>
-          <p:cNvPr id="7" name="Picture 6"/>
-          <p:cNvPicPr>
-            <a:picLocks noChangeAspect="1"/>
-          </p:cNvPicPr>
-          <p:nvPr/>
-        </p:nvPicPr>
-        <p:blipFill>
-          <a:blip r:embed="rId4"/>
-          <a:stretch>
-            <a:fillRect/>
-          </a:stretch>
-        </p:blipFill>
-        <p:spPr>
-          <a:xfrm>
-            <a:off x="5981678" y="4834736"/>
-            <a:ext cx="5079014" cy="1808476"/>
-          </a:xfrm>
-          <a:prstGeom prst="rect">
-            <a:avLst/>
-          </a:prstGeom>
-        </p:spPr>
-      </p:pic>
-      <p:pic>
-        <p:nvPicPr>
-          <p:cNvPr id="8" name="Picture 7"/>
-          <p:cNvPicPr>
-            <a:picLocks noChangeAspect="1"/>
-          </p:cNvPicPr>
-          <p:nvPr/>
-        </p:nvPicPr>
-        <p:blipFill>
-          <a:blip r:embed="rId5"/>
-          <a:stretch>
-            <a:fillRect/>
-          </a:stretch>
-        </p:blipFill>
-        <p:spPr>
-          <a:xfrm>
-            <a:off x="677334" y="4835193"/>
-            <a:ext cx="5067291" cy="1808019"/>
-          </a:xfrm>
-          <a:prstGeom prst="rect">
-            <a:avLst/>
-          </a:prstGeom>
-        </p:spPr>
-      </p:pic>
+        <p:txBody>
+          <a:bodyPr vert="horz" lIns="91440" tIns="45720" rIns="91440" bIns="45720" rtlCol="0">
+            <a:normAutofit fontScale="92500" lnSpcReduction="10000"/>
+          </a:bodyPr>
+          <a:lstStyle>
+            <a:lvl1pPr marL="342900" indent="-342900" algn="l" defTabSz="457200" rtl="0" eaLnBrk="1" latinLnBrk="0" hangingPunct="1">
+              <a:spcBef>
+                <a:spcPts val="1000"/>
+              </a:spcBef>
+              <a:spcAft>
+                <a:spcPts val="0"/>
+              </a:spcAft>
+              <a:buClr>
+                <a:schemeClr val="accent1"/>
+              </a:buClr>
+              <a:buSzPct val="80000"/>
+              <a:buFont typeface="Wingdings 3" charset="2"/>
+              <a:buChar char=""/>
+              <a:defRPr sz="1800" kern="1200">
+                <a:solidFill>
+                  <a:schemeClr val="tx1">
+                    <a:lumMod val="75000"/>
+                    <a:lumOff val="25000"/>
+                  </a:schemeClr>
+                </a:solidFill>
+                <a:latin typeface="+mn-lt"/>
+                <a:ea typeface="+mn-ea"/>
+                <a:cs typeface="+mn-cs"/>
+              </a:defRPr>
+            </a:lvl1pPr>
+            <a:lvl2pPr marL="742950" indent="-285750" algn="l" defTabSz="457200" rtl="0" eaLnBrk="1" latinLnBrk="0" hangingPunct="1">
+              <a:spcBef>
+                <a:spcPts val="1000"/>
+              </a:spcBef>
+              <a:spcAft>
+                <a:spcPts val="0"/>
+              </a:spcAft>
+              <a:buClr>
+                <a:schemeClr val="accent1"/>
+              </a:buClr>
+              <a:buSzPct val="80000"/>
+              <a:buFont typeface="Wingdings 3" charset="2"/>
+              <a:buChar char=""/>
+              <a:defRPr sz="1600" kern="1200">
+                <a:solidFill>
+                  <a:schemeClr val="tx1">
+                    <a:lumMod val="75000"/>
+                    <a:lumOff val="25000"/>
+                  </a:schemeClr>
+                </a:solidFill>
+                <a:latin typeface="+mn-lt"/>
+                <a:ea typeface="+mn-ea"/>
+                <a:cs typeface="+mn-cs"/>
+              </a:defRPr>
+            </a:lvl2pPr>
+            <a:lvl3pPr marL="1143000" indent="-228600" algn="l" defTabSz="457200" rtl="0" eaLnBrk="1" latinLnBrk="0" hangingPunct="1">
+              <a:spcBef>
+                <a:spcPts val="1000"/>
+              </a:spcBef>
+              <a:spcAft>
+                <a:spcPts val="0"/>
+              </a:spcAft>
+              <a:buClr>
+                <a:schemeClr val="accent1"/>
+              </a:buClr>
+              <a:buSzPct val="80000"/>
+              <a:buFont typeface="Wingdings 3" charset="2"/>
+              <a:buChar char=""/>
+              <a:defRPr sz="1400" kern="1200">
+                <a:solidFill>
+                  <a:schemeClr val="tx1">
+                    <a:lumMod val="75000"/>
+                    <a:lumOff val="25000"/>
+                  </a:schemeClr>
+                </a:solidFill>
+                <a:latin typeface="+mn-lt"/>
+                <a:ea typeface="+mn-ea"/>
+                <a:cs typeface="+mn-cs"/>
+              </a:defRPr>
+            </a:lvl3pPr>
+            <a:lvl4pPr marL="1600200" indent="-228600" algn="l" defTabSz="457200" rtl="0" eaLnBrk="1" latinLnBrk="0" hangingPunct="1">
+              <a:spcBef>
+                <a:spcPts val="1000"/>
+              </a:spcBef>
+              <a:spcAft>
+                <a:spcPts val="0"/>
+              </a:spcAft>
+              <a:buClr>
+                <a:schemeClr val="accent1"/>
+              </a:buClr>
+              <a:buSzPct val="80000"/>
+              <a:buFont typeface="Wingdings 3" charset="2"/>
+              <a:buChar char=""/>
+              <a:defRPr sz="1200" kern="1200">
+                <a:solidFill>
+                  <a:schemeClr val="tx1">
+                    <a:lumMod val="75000"/>
+                    <a:lumOff val="25000"/>
+                  </a:schemeClr>
+                </a:solidFill>
+                <a:latin typeface="+mn-lt"/>
+                <a:ea typeface="+mn-ea"/>
+                <a:cs typeface="+mn-cs"/>
+              </a:defRPr>
+            </a:lvl4pPr>
+            <a:lvl5pPr marL="2057400" indent="-228600" algn="l" defTabSz="457200" rtl="0" eaLnBrk="1" latinLnBrk="0" hangingPunct="1">
+              <a:spcBef>
+                <a:spcPts val="1000"/>
+              </a:spcBef>
+              <a:spcAft>
+                <a:spcPts val="0"/>
+              </a:spcAft>
+              <a:buClr>
+                <a:schemeClr val="accent1"/>
+              </a:buClr>
+              <a:buSzPct val="80000"/>
+              <a:buFont typeface="Wingdings 3" charset="2"/>
+              <a:buChar char=""/>
+              <a:defRPr sz="1200" kern="1200">
+                <a:solidFill>
+                  <a:schemeClr val="tx1">
+                    <a:lumMod val="75000"/>
+                    <a:lumOff val="25000"/>
+                  </a:schemeClr>
+                </a:solidFill>
+                <a:latin typeface="+mn-lt"/>
+                <a:ea typeface="+mn-ea"/>
+                <a:cs typeface="+mn-cs"/>
+              </a:defRPr>
+            </a:lvl5pPr>
+            <a:lvl6pPr marL="2514600" indent="-228600" algn="l" defTabSz="457200" rtl="0" eaLnBrk="1" latinLnBrk="0" hangingPunct="1">
+              <a:spcBef>
+                <a:spcPts val="1000"/>
+              </a:spcBef>
+              <a:spcAft>
+                <a:spcPts val="0"/>
+              </a:spcAft>
+              <a:buClr>
+                <a:schemeClr val="accent1"/>
+              </a:buClr>
+              <a:buSzPct val="80000"/>
+              <a:buFont typeface="Wingdings 3" charset="2"/>
+              <a:buChar char=""/>
+              <a:defRPr sz="1200" kern="1200">
+                <a:solidFill>
+                  <a:schemeClr val="tx1">
+                    <a:lumMod val="75000"/>
+                    <a:lumOff val="25000"/>
+                  </a:schemeClr>
+                </a:solidFill>
+                <a:latin typeface="+mn-lt"/>
+                <a:ea typeface="+mn-ea"/>
+                <a:cs typeface="+mn-cs"/>
+              </a:defRPr>
+            </a:lvl6pPr>
+            <a:lvl7pPr marL="2971800" indent="-228600" algn="l" defTabSz="457200" rtl="0" eaLnBrk="1" latinLnBrk="0" hangingPunct="1">
+              <a:spcBef>
+                <a:spcPts val="1000"/>
+              </a:spcBef>
+              <a:spcAft>
+                <a:spcPts val="0"/>
+              </a:spcAft>
+              <a:buClr>
+                <a:schemeClr val="accent1"/>
+              </a:buClr>
+              <a:buSzPct val="80000"/>
+              <a:buFont typeface="Wingdings 3" charset="2"/>
+              <a:buChar char=""/>
+              <a:defRPr sz="1200" kern="1200">
+                <a:solidFill>
+                  <a:schemeClr val="tx1">
+                    <a:lumMod val="75000"/>
+                    <a:lumOff val="25000"/>
+                  </a:schemeClr>
+                </a:solidFill>
+                <a:latin typeface="+mn-lt"/>
+                <a:ea typeface="+mn-ea"/>
+                <a:cs typeface="+mn-cs"/>
+              </a:defRPr>
+            </a:lvl7pPr>
+            <a:lvl8pPr marL="3429000" indent="-228600" algn="l" defTabSz="457200" rtl="0" eaLnBrk="1" latinLnBrk="0" hangingPunct="1">
+              <a:spcBef>
+                <a:spcPts val="1000"/>
+              </a:spcBef>
+              <a:spcAft>
+                <a:spcPts val="0"/>
+              </a:spcAft>
+              <a:buClr>
+                <a:schemeClr val="accent1"/>
+              </a:buClr>
+              <a:buSzPct val="80000"/>
+              <a:buFont typeface="Wingdings 3" charset="2"/>
+              <a:buChar char=""/>
+              <a:defRPr sz="1200" kern="1200">
+                <a:solidFill>
+                  <a:schemeClr val="tx1">
+                    <a:lumMod val="75000"/>
+                    <a:lumOff val="25000"/>
+                  </a:schemeClr>
+                </a:solidFill>
+                <a:latin typeface="+mn-lt"/>
+                <a:ea typeface="+mn-ea"/>
+                <a:cs typeface="+mn-cs"/>
+              </a:defRPr>
+            </a:lvl8pPr>
+            <a:lvl9pPr marL="3886200" indent="-228600" algn="l" defTabSz="457200" rtl="0" eaLnBrk="1" latinLnBrk="0" hangingPunct="1">
+              <a:spcBef>
+                <a:spcPts val="1000"/>
+              </a:spcBef>
+              <a:spcAft>
+                <a:spcPts val="0"/>
+              </a:spcAft>
+              <a:buClr>
+                <a:schemeClr val="accent1"/>
+              </a:buClr>
+              <a:buSzPct val="80000"/>
+              <a:buFont typeface="Wingdings 3" charset="2"/>
+              <a:buChar char=""/>
+              <a:defRPr sz="1200" kern="1200">
+                <a:solidFill>
+                  <a:schemeClr val="tx1">
+                    <a:lumMod val="75000"/>
+                    <a:lumOff val="25000"/>
+                  </a:schemeClr>
+                </a:solidFill>
+                <a:latin typeface="+mn-lt"/>
+                <a:ea typeface="+mn-ea"/>
+                <a:cs typeface="+mn-cs"/>
+              </a:defRPr>
+            </a:lvl9pPr>
+          </a:lstStyle>
+          <a:p>
+            <a:pPr marL="0" indent="0" algn="ctr">
+              <a:buNone/>
+            </a:pPr>
+            <a:r>
+              <a:rPr lang="en-GB" dirty="0" smtClean="0"/>
+              <a:t>After</a:t>
+            </a:r>
+            <a:endParaRPr lang="en-US" dirty="0"/>
+          </a:p>
+        </p:txBody>
+      </p:sp>
     </p:spTree>
     <p:extLst>
       <p:ext uri="{BB962C8B-B14F-4D97-AF65-F5344CB8AC3E}">
-        <p14:creationId xmlns:p14="http://schemas.microsoft.com/office/powerpoint/2010/main" val="3427857274"/>
+        <p14:creationId xmlns:p14="http://schemas.microsoft.com/office/powerpoint/2010/main" val="718678445"/>
       </p:ext>
     </p:extLst>
   </p:cSld>
